--- a/Midterm_Presentation/The effect of temporal jitter on single photon_v01_WL.pptx
+++ b/Midterm_Presentation/The effect of temporal jitter on single photon_v01_WL.pptx
@@ -5,24 +5,23 @@
     <p:sldMasterId id="2147483684" r:id="rId1"/>
   </p:sldMasterIdLst>
   <p:notesMasterIdLst>
-    <p:notesMasterId r:id="rId17"/>
+    <p:notesMasterId r:id="rId16"/>
   </p:notesMasterIdLst>
   <p:sldIdLst>
-    <p:sldId id="256" r:id="rId2"/>
-    <p:sldId id="257" r:id="rId3"/>
+    <p:sldId id="257" r:id="rId2"/>
+    <p:sldId id="256" r:id="rId3"/>
     <p:sldId id="262" r:id="rId4"/>
     <p:sldId id="263" r:id="rId5"/>
     <p:sldId id="259" r:id="rId6"/>
     <p:sldId id="260" r:id="rId7"/>
     <p:sldId id="264" r:id="rId8"/>
-    <p:sldId id="265" r:id="rId9"/>
-    <p:sldId id="266" r:id="rId10"/>
+    <p:sldId id="266" r:id="rId9"/>
+    <p:sldId id="273" r:id="rId10"/>
     <p:sldId id="268" r:id="rId11"/>
     <p:sldId id="269" r:id="rId12"/>
     <p:sldId id="270" r:id="rId13"/>
     <p:sldId id="271" r:id="rId14"/>
     <p:sldId id="272" r:id="rId15"/>
-    <p:sldId id="267" r:id="rId16"/>
   </p:sldIdLst>
   <p:sldSz cx="12192000" cy="6858000"/>
   <p:notesSz cx="6858000" cy="9144000"/>
@@ -223,7 +222,7 @@
           <a:p>
             <a:fld id="{D01B0777-90E9-40F9-B66A-F6A4FAEF301F}" type="datetimeFigureOut">
               <a:rPr lang="en-US" smtClean="0"/>
-              <a:t>5/15/25</a:t>
+              <a:t>5/16/2025</a:t>
             </a:fld>
             <a:endParaRPr lang="en-US"/>
           </a:p>
@@ -535,12 +534,8 @@
           <a:lstStyle/>
           <a:p>
             <a:r>
-              <a:rPr lang="en-US" dirty="0" err="1"/>
-              <a:t>Reemove</a:t>
-            </a:r>
-            <a:r>
               <a:rPr lang="en-US" dirty="0"/>
-              <a:t> all ‘disappear’ animations</a:t>
+              <a:t>WL: remove evert, and move as appear animation to title slide then you can remove this slide?</a:t>
             </a:r>
           </a:p>
         </p:txBody>
@@ -571,7 +566,7 @@
     </p:spTree>
     <p:extLst>
       <p:ext uri="{BB962C8B-B14F-4D97-AF65-F5344CB8AC3E}">
-        <p14:creationId xmlns:p14="http://schemas.microsoft.com/office/powerpoint/2010/main" val="2876764463"/>
+        <p14:creationId xmlns:p14="http://schemas.microsoft.com/office/powerpoint/2010/main" val="495491323"/>
       </p:ext>
     </p:extLst>
   </p:cSld>
@@ -800,8 +795,12 @@
           <a:lstStyle/>
           <a:p>
             <a:r>
+              <a:rPr lang="en-US" dirty="0" err="1"/>
+              <a:t>Reemove</a:t>
+            </a:r>
+            <a:r>
               <a:rPr lang="en-US" dirty="0"/>
-              <a:t>WL: remove evert, and move as appear animation to title slide then you can remove this slide?</a:t>
+              <a:t> all ‘disappear’ animations</a:t>
             </a:r>
           </a:p>
         </p:txBody>
@@ -832,7 +831,7 @@
     </p:spTree>
     <p:extLst>
       <p:ext uri="{BB962C8B-B14F-4D97-AF65-F5344CB8AC3E}">
-        <p14:creationId xmlns:p14="http://schemas.microsoft.com/office/powerpoint/2010/main" val="495491323"/>
+        <p14:creationId xmlns:p14="http://schemas.microsoft.com/office/powerpoint/2010/main" val="2876764463"/>
       </p:ext>
     </p:extLst>
   </p:cSld>
@@ -1340,7 +1339,7 @@
           <a:p>
             <a:fld id="{F4FAD08E-705C-4FCA-90D6-134AD16F48A9}" type="slidenum">
               <a:rPr lang="en-US" smtClean="0"/>
-              <a:t>9</a:t>
+              <a:t>8</a:t>
             </a:fld>
             <a:endParaRPr lang="en-US"/>
           </a:p>
@@ -4792,12 +4791,43 @@
           <a:chExt cx="0" cy="0"/>
         </a:xfrm>
       </p:grpSpPr>
+      <p:pic>
+        <p:nvPicPr>
+          <p:cNvPr id="9" name="Content Placeholder 8">
+            <a:extLst>
+              <a:ext uri="{FF2B5EF4-FFF2-40B4-BE49-F238E27FC236}">
+                <a16:creationId xmlns:a16="http://schemas.microsoft.com/office/drawing/2014/main" id="{47B0FA15-EC6F-4DD0-B15F-0AA49AC20B36}"/>
+              </a:ext>
+            </a:extLst>
+          </p:cNvPr>
+          <p:cNvPicPr>
+            <a:picLocks noGrp="1" noChangeAspect="1"/>
+          </p:cNvPicPr>
+          <p:nvPr>
+            <p:ph idx="1"/>
+          </p:nvPr>
+        </p:nvPicPr>
+        <p:blipFill rotWithShape="1">
+          <a:blip r:embed="rId3"/>
+          <a:srcRect r="3089" b="5417"/>
+          <a:stretch/>
+        </p:blipFill>
+        <p:spPr>
+          <a:xfrm>
+            <a:off x="7959161" y="1693493"/>
+            <a:ext cx="1842267" cy="2265027"/>
+          </a:xfrm>
+          <a:prstGeom prst="rect">
+            <a:avLst/>
+          </a:prstGeom>
+        </p:spPr>
+      </p:pic>
       <p:sp>
         <p:nvSpPr>
-          <p:cNvPr id="2" name="Title 1">
+          <p:cNvPr id="4" name="Date Placeholder 3">
             <a:extLst>
               <a:ext uri="{FF2B5EF4-FFF2-40B4-BE49-F238E27FC236}">
-                <a16:creationId xmlns:a16="http://schemas.microsoft.com/office/drawing/2014/main" id="{C457E95B-7238-47BD-8B50-5D704CBBAFAA}"/>
+                <a16:creationId xmlns:a16="http://schemas.microsoft.com/office/drawing/2014/main" id="{8ED2433C-513A-46C8-B54D-830186441688}"/>
               </a:ext>
             </a:extLst>
           </p:cNvPr>
@@ -4805,34 +4835,27 @@
             <a:spLocks noGrp="1"/>
           </p:cNvSpPr>
           <p:nvPr>
-            <p:ph type="ctrTitle"/>
+            <p:ph type="dt" sz="half" idx="10"/>
           </p:nvPr>
         </p:nvSpPr>
-        <p:spPr>
-          <a:xfrm>
-            <a:off x="1524000" y="154730"/>
-            <a:ext cx="9144000" cy="2387600"/>
-          </a:xfrm>
-        </p:spPr>
+        <p:spPr/>
         <p:txBody>
-          <a:bodyPr>
-            <a:normAutofit/>
-          </a:bodyPr>
+          <a:bodyPr/>
           <a:lstStyle/>
           <a:p>
             <a:r>
-              <a:rPr lang="en-US" sz="6500" dirty="0"/>
-              <a:t>The effect of temporal jitter on single photon indistinguishability</a:t>
+              <a:rPr lang="en-US" dirty="0"/>
+              <a:t>5/16/2025</a:t>
             </a:r>
           </a:p>
         </p:txBody>
       </p:sp>
       <p:sp>
         <p:nvSpPr>
-          <p:cNvPr id="3" name="Subtitle 2">
+          <p:cNvPr id="5" name="Footer Placeholder 4">
             <a:extLst>
               <a:ext uri="{FF2B5EF4-FFF2-40B4-BE49-F238E27FC236}">
-                <a16:creationId xmlns:a16="http://schemas.microsoft.com/office/drawing/2014/main" id="{42E248FD-C961-4849-88D4-438B8E81A03A}"/>
+                <a16:creationId xmlns:a16="http://schemas.microsoft.com/office/drawing/2014/main" id="{4C0F7DB6-6641-4122-A636-B2EAA06CFEA5}"/>
               </a:ext>
             </a:extLst>
           </p:cNvPr>
@@ -4840,65 +4863,207 @@
             <a:spLocks noGrp="1"/>
           </p:cNvSpPr>
           <p:nvPr>
-            <p:ph type="subTitle" idx="1"/>
+            <p:ph type="ftr" sz="quarter" idx="11"/>
           </p:nvPr>
+        </p:nvSpPr>
+        <p:spPr/>
+        <p:txBody>
+          <a:bodyPr/>
+          <a:lstStyle/>
+          <a:p>
+            <a:r>
+              <a:rPr lang="en-US" dirty="0"/>
+              <a:t>Andrea Maccarinelli </a:t>
+            </a:r>
+          </a:p>
+        </p:txBody>
+      </p:sp>
+      <p:sp>
+        <p:nvSpPr>
+          <p:cNvPr id="6" name="Slide Number Placeholder 5">
+            <a:extLst>
+              <a:ext uri="{FF2B5EF4-FFF2-40B4-BE49-F238E27FC236}">
+                <a16:creationId xmlns:a16="http://schemas.microsoft.com/office/drawing/2014/main" id="{17E7F11B-E41D-4552-9157-F0ED03E257DB}"/>
+              </a:ext>
+            </a:extLst>
+          </p:cNvPr>
+          <p:cNvSpPr>
+            <a:spLocks noGrp="1"/>
+          </p:cNvSpPr>
+          <p:nvPr>
+            <p:ph type="sldNum" sz="quarter" idx="12"/>
+          </p:nvPr>
+        </p:nvSpPr>
+        <p:spPr/>
+        <p:txBody>
+          <a:bodyPr/>
+          <a:lstStyle/>
+          <a:p>
+            <a:fld id="{FE39BC62-9EE5-48A8-B4F4-3A999EDF6DA3}" type="slidenum">
+              <a:rPr lang="en-US" smtClean="0"/>
+              <a:t>1</a:t>
+            </a:fld>
+            <a:endParaRPr lang="en-US" dirty="0"/>
+          </a:p>
+        </p:txBody>
+      </p:sp>
+      <p:grpSp>
+        <p:nvGrpSpPr>
+          <p:cNvPr id="13" name="Group 12">
+            <a:extLst>
+              <a:ext uri="{FF2B5EF4-FFF2-40B4-BE49-F238E27FC236}">
+                <a16:creationId xmlns:a16="http://schemas.microsoft.com/office/drawing/2014/main" id="{09A73468-A0E1-41FA-AAF0-2D61BEE96829}"/>
+              </a:ext>
+            </a:extLst>
+          </p:cNvPr>
+          <p:cNvGrpSpPr/>
+          <p:nvPr/>
+        </p:nvGrpSpPr>
+        <p:grpSpPr>
+          <a:xfrm>
+            <a:off x="2390572" y="1693493"/>
+            <a:ext cx="1842267" cy="3465356"/>
+            <a:chOff x="5174866" y="2296485"/>
+            <a:chExt cx="1842267" cy="3465356"/>
+          </a:xfrm>
+        </p:grpSpPr>
+        <p:pic>
+          <p:nvPicPr>
+            <p:cNvPr id="10" name="Picture 9">
+              <a:extLst>
+                <a:ext uri="{FF2B5EF4-FFF2-40B4-BE49-F238E27FC236}">
+                  <a16:creationId xmlns:a16="http://schemas.microsoft.com/office/drawing/2014/main" id="{783418C5-5719-44DC-98DB-A7E4A3353608}"/>
+                </a:ext>
+              </a:extLst>
+            </p:cNvPr>
+            <p:cNvPicPr>
+              <a:picLocks noChangeAspect="1"/>
+            </p:cNvPicPr>
+            <p:nvPr/>
+          </p:nvPicPr>
+          <p:blipFill rotWithShape="1">
+            <a:blip r:embed="rId4"/>
+            <a:srcRect b="3294"/>
+            <a:stretch/>
+          </p:blipFill>
+          <p:spPr>
+            <a:xfrm>
+              <a:off x="5174866" y="2296485"/>
+              <a:ext cx="1842267" cy="2265027"/>
+            </a:xfrm>
+            <a:prstGeom prst="rect">
+              <a:avLst/>
+            </a:prstGeom>
+          </p:spPr>
+        </p:pic>
+        <p:sp>
+          <p:nvSpPr>
+            <p:cNvPr id="12" name="TextBox 11">
+              <a:extLst>
+                <a:ext uri="{FF2B5EF4-FFF2-40B4-BE49-F238E27FC236}">
+                  <a16:creationId xmlns:a16="http://schemas.microsoft.com/office/drawing/2014/main" id="{B85B58FA-07A1-401A-988F-D43178D9B6C6}"/>
+                </a:ext>
+              </a:extLst>
+            </p:cNvPr>
+            <p:cNvSpPr txBox="1"/>
+            <p:nvPr/>
+          </p:nvSpPr>
+          <p:spPr>
+            <a:xfrm>
+              <a:off x="5174866" y="4561512"/>
+              <a:ext cx="1842267" cy="1200329"/>
+            </a:xfrm>
+            <a:prstGeom prst="rect">
+              <a:avLst/>
+            </a:prstGeom>
+            <a:noFill/>
+          </p:spPr>
+          <p:txBody>
+            <a:bodyPr wrap="square" rtlCol="0">
+              <a:spAutoFit/>
+            </a:bodyPr>
+            <a:lstStyle/>
+            <a:p>
+              <a:r>
+                <a:rPr lang="en-US" dirty="0"/>
+                <a:t>Daily </a:t>
+              </a:r>
+              <a:br>
+                <a:rPr lang="en-US" dirty="0"/>
+              </a:br>
+              <a:r>
+                <a:rPr lang="en-US" dirty="0"/>
+                <a:t>Supervisor:</a:t>
+              </a:r>
+            </a:p>
+            <a:p>
+              <a:r>
+                <a:rPr lang="en-US" dirty="0"/>
+                <a:t>Mio </a:t>
+              </a:r>
+              <a:r>
+                <a:rPr lang="en-US" dirty="0" err="1"/>
+                <a:t>Poortvliet</a:t>
+              </a:r>
+              <a:br>
+                <a:rPr lang="en-US" dirty="0"/>
+              </a:br>
+              <a:endParaRPr lang="en-US" dirty="0"/>
+            </a:p>
+          </p:txBody>
+        </p:sp>
+      </p:grpSp>
+      <p:sp>
+        <p:nvSpPr>
+          <p:cNvPr id="14" name="TextBox 13">
+            <a:extLst>
+              <a:ext uri="{FF2B5EF4-FFF2-40B4-BE49-F238E27FC236}">
+                <a16:creationId xmlns:a16="http://schemas.microsoft.com/office/drawing/2014/main" id="{060DB178-4F29-43F0-9619-2DB3E6635144}"/>
+              </a:ext>
+            </a:extLst>
+          </p:cNvPr>
+          <p:cNvSpPr txBox="1"/>
+          <p:nvPr/>
         </p:nvSpPr>
         <p:spPr>
           <a:xfrm>
-            <a:off x="1523998" y="3048365"/>
-            <a:ext cx="9144000" cy="461963"/>
-          </a:xfrm>
-        </p:spPr>
-        <p:txBody>
-          <a:bodyPr/>
-          <a:lstStyle/>
-          <a:p>
-            <a:r>
-              <a:rPr lang="en-US" dirty="0"/>
-              <a:t>Andrea Maccarinelli 5/16/2025</a:t>
-            </a:r>
-          </a:p>
-        </p:txBody>
-      </p:sp>
-      <p:pic>
-        <p:nvPicPr>
-          <p:cNvPr id="5" name="Picture 4">
-            <a:extLst>
-              <a:ext uri="{FF2B5EF4-FFF2-40B4-BE49-F238E27FC236}">
-                <a16:creationId xmlns:a16="http://schemas.microsoft.com/office/drawing/2014/main" id="{246311EB-2F5D-46A8-A178-44E4A31B9A37}"/>
-              </a:ext>
-            </a:extLst>
-          </p:cNvPr>
-          <p:cNvPicPr>
-            <a:picLocks noChangeAspect="1"/>
-          </p:cNvPicPr>
-          <p:nvPr/>
-        </p:nvPicPr>
-        <p:blipFill rotWithShape="1">
-          <a:blip r:embed="rId3">
-            <a:extLst>
-              <a:ext uri="{28A0092B-C50C-407E-A947-70E740481C1C}">
-                <a14:useLocalDpi xmlns:a14="http://schemas.microsoft.com/office/drawing/2010/main" val="0"/>
-              </a:ext>
-            </a:extLst>
-          </a:blip>
-          <a:srcRect t="17357"/>
-          <a:stretch/>
-        </p:blipFill>
-        <p:spPr>
-          <a:xfrm>
-            <a:off x="2438390" y="3429000"/>
-            <a:ext cx="7315215" cy="3562798"/>
+            <a:off x="7959161" y="3958520"/>
+            <a:ext cx="1842266" cy="1200329"/>
           </a:xfrm>
           <a:prstGeom prst="rect">
             <a:avLst/>
           </a:prstGeom>
+          <a:noFill/>
         </p:spPr>
-      </p:pic>
+        <p:txBody>
+          <a:bodyPr wrap="square" rtlCol="0">
+            <a:spAutoFit/>
+          </a:bodyPr>
+          <a:lstStyle/>
+          <a:p>
+            <a:r>
+              <a:rPr lang="en-US" dirty="0"/>
+              <a:t>Main Supervisor:</a:t>
+            </a:r>
+            <a:br>
+              <a:rPr lang="en-US" dirty="0"/>
+            </a:br>
+            <a:r>
+              <a:rPr lang="en-US" dirty="0"/>
+              <a:t>Dr. Wolfgang </a:t>
+            </a:r>
+            <a:r>
+              <a:rPr lang="en-US" dirty="0" err="1"/>
+              <a:t>Löffler</a:t>
+            </a:r>
+            <a:endParaRPr lang="en-US" dirty="0"/>
+          </a:p>
+        </p:txBody>
+      </p:sp>
     </p:spTree>
     <p:extLst>
       <p:ext uri="{BB962C8B-B14F-4D97-AF65-F5344CB8AC3E}">
-        <p14:creationId xmlns:p14="http://schemas.microsoft.com/office/powerpoint/2010/main" val="1078542921"/>
+        <p14:creationId xmlns:p14="http://schemas.microsoft.com/office/powerpoint/2010/main" val="3476919446"/>
       </p:ext>
     </p:extLst>
   </p:cSld>
@@ -5129,10 +5294,10 @@
         </p:nvGrpSpPr>
         <p:grpSpPr>
           <a:xfrm>
-            <a:off x="230820" y="1565934"/>
-            <a:ext cx="3350580" cy="3380047"/>
-            <a:chOff x="230820" y="1565934"/>
-            <a:chExt cx="3350580" cy="3380047"/>
+            <a:off x="277910" y="1610767"/>
+            <a:ext cx="3351320" cy="3380047"/>
+            <a:chOff x="230080" y="1565934"/>
+            <a:chExt cx="3351320" cy="3380047"/>
           </a:xfrm>
         </p:grpSpPr>
         <p:grpSp>
@@ -5450,8 +5615,8 @@
           </p:nvSpPr>
           <p:spPr>
             <a:xfrm>
-              <a:off x="230820" y="2219018"/>
-              <a:ext cx="1464816" cy="1837348"/>
+              <a:off x="230080" y="2434005"/>
+              <a:ext cx="1464816" cy="1592694"/>
             </a:xfrm>
             <a:prstGeom prst="rect">
               <a:avLst/>
@@ -5479,13 +5644,9 @@
             <a:p>
               <a:pPr algn="ctr"/>
               <a:r>
-                <a:rPr lang="en-US" dirty="0"/>
-                <a:t>Reduction of the optical length of the pulses</a:t>
+                <a:rPr lang="en-US" sz="2000" dirty="0"/>
+                <a:t>Optical Lengths</a:t>
               </a:r>
-            </a:p>
-            <a:p>
-              <a:pPr algn="ctr"/>
-              <a:endParaRPr lang="en-US" dirty="0"/>
             </a:p>
           </p:txBody>
         </p:sp>
@@ -5622,6 +5783,68 @@
           </p:style>
         </p:cxnSp>
       </p:grpSp>
+      <p:sp>
+        <p:nvSpPr>
+          <p:cNvPr id="3" name="Thought Bubble: Cloud 2">
+            <a:extLst>
+              <a:ext uri="{FF2B5EF4-FFF2-40B4-BE49-F238E27FC236}">
+                <a16:creationId xmlns:a16="http://schemas.microsoft.com/office/drawing/2014/main" id="{6BC00143-6F07-44E6-8195-C07C700753DF}"/>
+              </a:ext>
+            </a:extLst>
+          </p:cNvPr>
+          <p:cNvSpPr/>
+          <p:nvPr/>
+        </p:nvSpPr>
+        <p:spPr>
+          <a:xfrm>
+            <a:off x="278245" y="5377685"/>
+            <a:ext cx="2928961" cy="888881"/>
+          </a:xfrm>
+          <a:prstGeom prst="cloudCallout">
+            <a:avLst>
+              <a:gd name="adj1" fmla="val -24577"/>
+              <a:gd name="adj2" fmla="val -159448"/>
+            </a:avLst>
+          </a:prstGeom>
+          <a:solidFill>
+            <a:schemeClr val="accent4">
+              <a:lumMod val="50000"/>
+            </a:schemeClr>
+          </a:solidFill>
+          <a:ln w="28575">
+            <a:solidFill>
+              <a:schemeClr val="tx1"/>
+            </a:solidFill>
+          </a:ln>
+        </p:spPr>
+        <p:style>
+          <a:lnRef idx="2">
+            <a:schemeClr val="accent1">
+              <a:shade val="50000"/>
+            </a:schemeClr>
+          </a:lnRef>
+          <a:fillRef idx="1">
+            <a:schemeClr val="accent1"/>
+          </a:fillRef>
+          <a:effectRef idx="0">
+            <a:schemeClr val="accent1"/>
+          </a:effectRef>
+          <a:fontRef idx="minor">
+            <a:schemeClr val="lt1"/>
+          </a:fontRef>
+        </p:style>
+        <p:txBody>
+          <a:bodyPr rtlCol="0" anchor="ctr"/>
+          <a:lstStyle/>
+          <a:p>
+            <a:pPr algn="ctr"/>
+            <a:r>
+              <a:rPr lang="en-US" dirty="0"/>
+              <a:t>Independently measured</a:t>
+            </a:r>
+          </a:p>
+        </p:txBody>
+      </p:sp>
     </p:spTree>
     <p:extLst>
       <p:ext uri="{BB962C8B-B14F-4D97-AF65-F5344CB8AC3E}">
@@ -5698,7 +5921,7 @@
                             </p:stCondLst>
                             <p:childTnLst>
                               <p:par>
-                                <p:cTn id="9" presetID="1" presetClass="entr" presetSubtype="0" fill="hold" nodeType="clickEffect">
+                                <p:cTn id="9" presetID="1" presetClass="entr" presetSubtype="0" fill="hold" grpId="0" nodeType="clickEffect">
                                   <p:stCondLst>
                                     <p:cond delay="0"/>
                                   </p:stCondLst>
@@ -5706,6 +5929,51 @@
                                     <p:set>
                                       <p:cBhvr>
                                         <p:cTn id="10" dur="1" fill="hold">
+                                          <p:stCondLst>
+                                            <p:cond delay="0"/>
+                                          </p:stCondLst>
+                                        </p:cTn>
+                                        <p:tgtEl>
+                                          <p:spTgt spid="3"/>
+                                        </p:tgtEl>
+                                        <p:attrNameLst>
+                                          <p:attrName>style.visibility</p:attrName>
+                                        </p:attrNameLst>
+                                      </p:cBhvr>
+                                      <p:to>
+                                        <p:strVal val="visible"/>
+                                      </p:to>
+                                    </p:set>
+                                  </p:childTnLst>
+                                </p:cTn>
+                              </p:par>
+                            </p:childTnLst>
+                          </p:cTn>
+                        </p:par>
+                      </p:childTnLst>
+                    </p:cTn>
+                  </p:par>
+                  <p:par>
+                    <p:cTn id="11" fill="hold">
+                      <p:stCondLst>
+                        <p:cond delay="indefinite"/>
+                      </p:stCondLst>
+                      <p:childTnLst>
+                        <p:par>
+                          <p:cTn id="12" fill="hold">
+                            <p:stCondLst>
+                              <p:cond delay="0"/>
+                            </p:stCondLst>
+                            <p:childTnLst>
+                              <p:par>
+                                <p:cTn id="13" presetID="1" presetClass="entr" presetSubtype="0" fill="hold" nodeType="clickEffect">
+                                  <p:stCondLst>
+                                    <p:cond delay="0"/>
+                                  </p:stCondLst>
+                                  <p:childTnLst>
+                                    <p:set>
+                                      <p:cBhvr>
+                                        <p:cTn id="14" dur="1" fill="hold">
                                           <p:stCondLst>
                                             <p:cond delay="0"/>
                                           </p:stCondLst>
@@ -5751,6 +6019,9 @@
         </p:cTn>
       </p:par>
     </p:tnLst>
+    <p:bldLst>
+      <p:bldP spid="3" grpId="0" animBg="1"/>
+    </p:bldLst>
   </p:timing>
 </p:sld>
 </file>
@@ -5772,8 +6043,8 @@
           <a:chExt cx="0" cy="0"/>
         </a:xfrm>
       </p:grpSpPr>
-      <mc:AlternateContent xmlns:mc="http://schemas.openxmlformats.org/markup-compatibility/2006" xmlns:a14="http://schemas.microsoft.com/office/drawing/2010/main">
-        <mc:Choice Requires="a14">
+      <mc:AlternateContent xmlns:mc="http://schemas.openxmlformats.org/markup-compatibility/2006">
+        <mc:Choice xmlns:a14="http://schemas.microsoft.com/office/drawing/2010/main" Requires="a14">
           <p:sp>
             <p:nvSpPr>
               <p:cNvPr id="2" name="Title 1">
@@ -5798,21 +6069,21 @@
               <a:lstStyle/>
               <a:p>
                 <a:r>
-                  <a:rPr lang="en-US" sz="3900" dirty="0"/>
-                  <a:t>Can We Detect Broadening in g</a:t>
+                  <a:rPr lang="en-US" sz="3800" dirty="0"/>
+                  <a:t>Can we detect broadening in g</a:t>
                 </a:r>
                 <a:r>
-                  <a:rPr lang="en-US" sz="3900" baseline="-25000" dirty="0"/>
+                  <a:rPr lang="en-US" sz="3800" baseline="-25000" dirty="0"/>
                   <a:t>2</a:t>
                 </a:r>
                 <a:r>
-                  <a:rPr lang="en-US" sz="3900" dirty="0"/>
+                  <a:rPr lang="en-US" sz="3800" dirty="0"/>
                   <a:t>(</a:t>
                 </a:r>
                 <a14:m>
                   <m:oMath xmlns:m="http://schemas.openxmlformats.org/officeDocument/2006/math">
                     <m:r>
-                      <a:rPr lang="en-US" sz="3900" i="1">
+                      <a:rPr lang="en-US" sz="3800" i="1">
                         <a:latin typeface="Cambria Math" panose="02040503050406030204" pitchFamily="18" charset="0"/>
                         <a:ea typeface="Cambria Math" panose="02040503050406030204" pitchFamily="18" charset="0"/>
                       </a:rPr>
@@ -5821,14 +6092,14 @@
                   </m:oMath>
                 </a14:m>
                 <a:r>
-                  <a:rPr lang="en-US" sz="3900" dirty="0"/>
-                  <a:t>) Peaks via FWHM Variations?</a:t>
+                  <a:rPr lang="en-US" sz="3800" dirty="0"/>
+                  <a:t>) peaks via FWHM variations?</a:t>
                 </a:r>
               </a:p>
             </p:txBody>
           </p:sp>
         </mc:Choice>
-        <mc:Fallback xmlns="">
+        <mc:Fallback>
           <p:sp>
             <p:nvSpPr>
               <p:cNvPr id="2" name="Title 1">
@@ -5849,7 +6120,7 @@
               <a:blipFill>
                 <a:blip r:embed="rId3"/>
                 <a:stretch>
-                  <a:fillRect l="-1971" r="-1623"/>
+                  <a:fillRect l="-1913"/>
                 </a:stretch>
               </a:blipFill>
             </p:spPr>
@@ -5907,7 +6178,7 @@
             </a:pPr>
             <a:r>
               <a:rPr lang="en-US" sz="1800" dirty="0"/>
-              <a:t>Broadening of the Widths with the increase of the distance</a:t>
+              <a:t>Broadening of the widths with the increase of the distance</a:t>
             </a:r>
           </a:p>
           <a:p>
@@ -6045,41 +6316,12 @@
           </a:p>
         </p:txBody>
       </p:sp>
-      <p:pic>
-        <p:nvPicPr>
-          <p:cNvPr id="7" name="Picture 6">
+      <p:grpSp>
+        <p:nvGrpSpPr>
+          <p:cNvPr id="8" name="Group 7">
             <a:extLst>
               <a:ext uri="{FF2B5EF4-FFF2-40B4-BE49-F238E27FC236}">
-                <a16:creationId xmlns:a16="http://schemas.microsoft.com/office/drawing/2014/main" id="{469FE5A6-6FAC-4AF6-ACF7-201F202B789A}"/>
-              </a:ext>
-            </a:extLst>
-          </p:cNvPr>
-          <p:cNvPicPr>
-            <a:picLocks noChangeAspect="1"/>
-          </p:cNvPicPr>
-          <p:nvPr/>
-        </p:nvPicPr>
-        <p:blipFill rotWithShape="1">
-          <a:blip r:embed="rId4"/>
-          <a:srcRect t="5911" r="857"/>
-          <a:stretch/>
-        </p:blipFill>
-        <p:spPr>
-          <a:xfrm>
-            <a:off x="3786050" y="1593908"/>
-            <a:ext cx="8405950" cy="4762442"/>
-          </a:xfrm>
-          <a:prstGeom prst="rect">
-            <a:avLst/>
-          </a:prstGeom>
-        </p:spPr>
-      </p:pic>
-      <p:grpSp>
-        <p:nvGrpSpPr>
-          <p:cNvPr id="17" name="Group 16">
-            <a:extLst>
-              <a:ext uri="{FF2B5EF4-FFF2-40B4-BE49-F238E27FC236}">
-                <a16:creationId xmlns:a16="http://schemas.microsoft.com/office/drawing/2014/main" id="{F4208717-D793-4003-9714-F916F0A7982F}"/>
+                <a16:creationId xmlns:a16="http://schemas.microsoft.com/office/drawing/2014/main" id="{B762E104-384D-41C7-BE5F-70C5C3C029C9}"/>
               </a:ext>
             </a:extLst>
           </p:cNvPr>
@@ -6088,18 +6330,47 @@
         </p:nvGrpSpPr>
         <p:grpSpPr>
           <a:xfrm>
-            <a:off x="2481308" y="2270578"/>
-            <a:ext cx="1184893" cy="2316843"/>
-            <a:chOff x="2601157" y="1579713"/>
-            <a:chExt cx="1184893" cy="2316843"/>
+            <a:off x="2481308" y="1593908"/>
+            <a:ext cx="9710692" cy="4762442"/>
+            <a:chOff x="2481308" y="1593908"/>
+            <a:chExt cx="9710692" cy="4762442"/>
           </a:xfrm>
         </p:grpSpPr>
+        <p:pic>
+          <p:nvPicPr>
+            <p:cNvPr id="7" name="Picture 6">
+              <a:extLst>
+                <a:ext uri="{FF2B5EF4-FFF2-40B4-BE49-F238E27FC236}">
+                  <a16:creationId xmlns:a16="http://schemas.microsoft.com/office/drawing/2014/main" id="{469FE5A6-6FAC-4AF6-ACF7-201F202B789A}"/>
+                </a:ext>
+              </a:extLst>
+            </p:cNvPr>
+            <p:cNvPicPr>
+              <a:picLocks noChangeAspect="1"/>
+            </p:cNvPicPr>
+            <p:nvPr/>
+          </p:nvPicPr>
+          <p:blipFill rotWithShape="1">
+            <a:blip r:embed="rId4"/>
+            <a:srcRect t="5911" r="857"/>
+            <a:stretch/>
+          </p:blipFill>
+          <p:spPr>
+            <a:xfrm>
+              <a:off x="3786050" y="1593908"/>
+              <a:ext cx="8405950" cy="4762442"/>
+            </a:xfrm>
+            <a:prstGeom prst="rect">
+              <a:avLst/>
+            </a:prstGeom>
+          </p:spPr>
+        </p:pic>
         <p:grpSp>
           <p:nvGrpSpPr>
-            <p:cNvPr id="15" name="Group 14">
+            <p:cNvPr id="17" name="Group 16">
               <a:extLst>
                 <a:ext uri="{FF2B5EF4-FFF2-40B4-BE49-F238E27FC236}">
-                  <a16:creationId xmlns:a16="http://schemas.microsoft.com/office/drawing/2014/main" id="{BB608CF3-E112-4170-8CAC-CC5F48B5810C}"/>
+                  <a16:creationId xmlns:a16="http://schemas.microsoft.com/office/drawing/2014/main" id="{F4208717-D793-4003-9714-F916F0A7982F}"/>
                 </a:ext>
               </a:extLst>
             </p:cNvPr>
@@ -6108,18 +6379,394 @@
           </p:nvGrpSpPr>
           <p:grpSpPr>
             <a:xfrm>
-              <a:off x="2601157" y="2041863"/>
-              <a:ext cx="1184893" cy="1854693"/>
-              <a:chOff x="2601157" y="2059619"/>
-              <a:chExt cx="1184893" cy="1836937"/>
+              <a:off x="2481308" y="2270578"/>
+              <a:ext cx="1184893" cy="2316843"/>
+              <a:chOff x="2601157" y="1579713"/>
+              <a:chExt cx="1184893" cy="2316843"/>
             </a:xfrm>
           </p:grpSpPr>
+          <p:grpSp>
+            <p:nvGrpSpPr>
+              <p:cNvPr id="15" name="Group 14">
+                <a:extLst>
+                  <a:ext uri="{FF2B5EF4-FFF2-40B4-BE49-F238E27FC236}">
+                    <a16:creationId xmlns:a16="http://schemas.microsoft.com/office/drawing/2014/main" id="{BB608CF3-E112-4170-8CAC-CC5F48B5810C}"/>
+                  </a:ext>
+                </a:extLst>
+              </p:cNvPr>
+              <p:cNvGrpSpPr/>
+              <p:nvPr/>
+            </p:nvGrpSpPr>
+            <p:grpSpPr>
+              <a:xfrm>
+                <a:off x="2601157" y="2041863"/>
+                <a:ext cx="1184893" cy="1854693"/>
+                <a:chOff x="2601157" y="2059619"/>
+                <a:chExt cx="1184893" cy="1836937"/>
+              </a:xfrm>
+            </p:grpSpPr>
+            <p:sp>
+              <p:nvSpPr>
+                <p:cNvPr id="9" name="Rectangle 8">
+                  <a:extLst>
+                    <a:ext uri="{FF2B5EF4-FFF2-40B4-BE49-F238E27FC236}">
+                      <a16:creationId xmlns:a16="http://schemas.microsoft.com/office/drawing/2014/main" id="{5AC04160-449D-4EC0-8747-A68ED382E328}"/>
+                    </a:ext>
+                  </a:extLst>
+                </p:cNvPr>
+                <p:cNvSpPr/>
+                <p:nvPr/>
+              </p:nvSpPr>
+              <p:spPr>
+                <a:xfrm>
+                  <a:off x="2601157" y="2059619"/>
+                  <a:ext cx="1184893" cy="1836937"/>
+                </a:xfrm>
+                <a:prstGeom prst="rect">
+                  <a:avLst/>
+                </a:prstGeom>
+                <a:solidFill>
+                  <a:schemeClr val="bg1"/>
+                </a:solidFill>
+                <a:ln>
+                  <a:solidFill>
+                    <a:schemeClr val="bg1"/>
+                  </a:solidFill>
+                </a:ln>
+              </p:spPr>
+              <p:style>
+                <a:lnRef idx="2">
+                  <a:schemeClr val="accent1">
+                    <a:shade val="50000"/>
+                  </a:schemeClr>
+                </a:lnRef>
+                <a:fillRef idx="1">
+                  <a:schemeClr val="accent1"/>
+                </a:fillRef>
+                <a:effectRef idx="0">
+                  <a:schemeClr val="accent1"/>
+                </a:effectRef>
+                <a:fontRef idx="minor">
+                  <a:schemeClr val="lt1"/>
+                </a:fontRef>
+              </p:style>
+              <p:txBody>
+                <a:bodyPr rtlCol="0" anchor="ctr"/>
+                <a:lstStyle/>
+                <a:p>
+                  <a:pPr algn="r"/>
+                  <a:r>
+                    <a:rPr lang="en-US" b="1" dirty="0">
+                      <a:solidFill>
+                        <a:schemeClr val="tx1"/>
+                      </a:solidFill>
+                    </a:rPr>
+                    <a:t>65.1ps</a:t>
+                  </a:r>
+                </a:p>
+                <a:p>
+                  <a:pPr algn="r"/>
+                  <a:r>
+                    <a:rPr lang="en-US" b="1" dirty="0">
+                      <a:solidFill>
+                        <a:schemeClr val="tx1"/>
+                      </a:solidFill>
+                    </a:rPr>
+                    <a:t>55.5ps</a:t>
+                  </a:r>
+                </a:p>
+                <a:p>
+                  <a:pPr algn="r"/>
+                  <a:r>
+                    <a:rPr lang="en-US" b="1" dirty="0">
+                      <a:solidFill>
+                        <a:schemeClr val="tx1"/>
+                      </a:solidFill>
+                    </a:rPr>
+                    <a:t>49.8ps</a:t>
+                  </a:r>
+                </a:p>
+                <a:p>
+                  <a:pPr algn="r"/>
+                  <a:r>
+                    <a:rPr lang="en-US" b="1" dirty="0">
+                      <a:solidFill>
+                        <a:schemeClr val="tx1"/>
+                      </a:solidFill>
+                    </a:rPr>
+                    <a:t>41.4ps</a:t>
+                  </a:r>
+                </a:p>
+                <a:p>
+                  <a:pPr algn="r"/>
+                  <a:r>
+                    <a:rPr lang="en-US" b="1" dirty="0">
+                      <a:solidFill>
+                        <a:schemeClr val="tx1"/>
+                      </a:solidFill>
+                    </a:rPr>
+                    <a:t>37.2ps</a:t>
+                  </a:r>
+                  <a:endParaRPr lang="en-US" dirty="0">
+                    <a:solidFill>
+                      <a:schemeClr val="tx1"/>
+                    </a:solidFill>
+                  </a:endParaRPr>
+                </a:p>
+              </p:txBody>
+            </p:sp>
+            <p:sp>
+              <p:nvSpPr>
+                <p:cNvPr id="10" name="Flowchart: Connector 9">
+                  <a:extLst>
+                    <a:ext uri="{FF2B5EF4-FFF2-40B4-BE49-F238E27FC236}">
+                      <a16:creationId xmlns:a16="http://schemas.microsoft.com/office/drawing/2014/main" id="{978159D5-395A-471A-9387-6CF33575F3AF}"/>
+                    </a:ext>
+                  </a:extLst>
+                </p:cNvPr>
+                <p:cNvSpPr/>
+                <p:nvPr/>
+              </p:nvSpPr>
+              <p:spPr>
+                <a:xfrm>
+                  <a:off x="2647626" y="2282702"/>
+                  <a:ext cx="284086" cy="274068"/>
+                </a:xfrm>
+                <a:prstGeom prst="flowChartConnector">
+                  <a:avLst/>
+                </a:prstGeom>
+                <a:solidFill>
+                  <a:schemeClr val="tx1"/>
+                </a:solidFill>
+              </p:spPr>
+              <p:style>
+                <a:lnRef idx="2">
+                  <a:schemeClr val="accent1">
+                    <a:shade val="50000"/>
+                  </a:schemeClr>
+                </a:lnRef>
+                <a:fillRef idx="1">
+                  <a:schemeClr val="accent1"/>
+                </a:fillRef>
+                <a:effectRef idx="0">
+                  <a:schemeClr val="accent1"/>
+                </a:effectRef>
+                <a:fontRef idx="minor">
+                  <a:schemeClr val="lt1"/>
+                </a:fontRef>
+              </p:style>
+              <p:txBody>
+                <a:bodyPr rtlCol="0" anchor="ctr"/>
+                <a:lstStyle/>
+                <a:p>
+                  <a:pPr algn="ctr"/>
+                  <a:endParaRPr lang="en-US"/>
+                </a:p>
+              </p:txBody>
+            </p:sp>
+            <p:sp>
+              <p:nvSpPr>
+                <p:cNvPr id="11" name="Flowchart: Connector 10">
+                  <a:extLst>
+                    <a:ext uri="{FF2B5EF4-FFF2-40B4-BE49-F238E27FC236}">
+                      <a16:creationId xmlns:a16="http://schemas.microsoft.com/office/drawing/2014/main" id="{0237FD1C-7204-4E97-9675-873A1366C062}"/>
+                    </a:ext>
+                  </a:extLst>
+                </p:cNvPr>
+                <p:cNvSpPr/>
+                <p:nvPr/>
+              </p:nvSpPr>
+              <p:spPr>
+                <a:xfrm>
+                  <a:off x="2647626" y="2556770"/>
+                  <a:ext cx="284086" cy="274068"/>
+                </a:xfrm>
+                <a:prstGeom prst="flowChartConnector">
+                  <a:avLst/>
+                </a:prstGeom>
+                <a:solidFill>
+                  <a:srgbClr val="0000FF"/>
+                </a:solidFill>
+              </p:spPr>
+              <p:style>
+                <a:lnRef idx="2">
+                  <a:schemeClr val="accent1">
+                    <a:shade val="50000"/>
+                  </a:schemeClr>
+                </a:lnRef>
+                <a:fillRef idx="1">
+                  <a:schemeClr val="accent1"/>
+                </a:fillRef>
+                <a:effectRef idx="0">
+                  <a:schemeClr val="accent1"/>
+                </a:effectRef>
+                <a:fontRef idx="minor">
+                  <a:schemeClr val="lt1"/>
+                </a:fontRef>
+              </p:style>
+              <p:txBody>
+                <a:bodyPr rtlCol="0" anchor="ctr"/>
+                <a:lstStyle/>
+                <a:p>
+                  <a:pPr algn="ctr"/>
+                  <a:endParaRPr lang="en-US"/>
+                </a:p>
+              </p:txBody>
+            </p:sp>
+            <p:sp>
+              <p:nvSpPr>
+                <p:cNvPr id="12" name="Flowchart: Connector 11">
+                  <a:extLst>
+                    <a:ext uri="{FF2B5EF4-FFF2-40B4-BE49-F238E27FC236}">
+                      <a16:creationId xmlns:a16="http://schemas.microsoft.com/office/drawing/2014/main" id="{661774B0-1ECD-4B33-8F1F-4150E46B9EAB}"/>
+                    </a:ext>
+                  </a:extLst>
+                </p:cNvPr>
+                <p:cNvSpPr/>
+                <p:nvPr/>
+              </p:nvSpPr>
+              <p:spPr>
+                <a:xfrm>
+                  <a:off x="2647626" y="2841053"/>
+                  <a:ext cx="284086" cy="274068"/>
+                </a:xfrm>
+                <a:prstGeom prst="flowChartConnector">
+                  <a:avLst/>
+                </a:prstGeom>
+                <a:solidFill>
+                  <a:srgbClr val="FF0000"/>
+                </a:solidFill>
+              </p:spPr>
+              <p:style>
+                <a:lnRef idx="2">
+                  <a:schemeClr val="accent1">
+                    <a:shade val="50000"/>
+                  </a:schemeClr>
+                </a:lnRef>
+                <a:fillRef idx="1">
+                  <a:schemeClr val="accent1"/>
+                </a:fillRef>
+                <a:effectRef idx="0">
+                  <a:schemeClr val="accent1"/>
+                </a:effectRef>
+                <a:fontRef idx="minor">
+                  <a:schemeClr val="lt1"/>
+                </a:fontRef>
+              </p:style>
+              <p:txBody>
+                <a:bodyPr rtlCol="0" anchor="ctr"/>
+                <a:lstStyle/>
+                <a:p>
+                  <a:pPr algn="ctr"/>
+                  <a:endParaRPr lang="en-US"/>
+                </a:p>
+              </p:txBody>
+            </p:sp>
+            <p:sp>
+              <p:nvSpPr>
+                <p:cNvPr id="13" name="Flowchart: Connector 12">
+                  <a:extLst>
+                    <a:ext uri="{FF2B5EF4-FFF2-40B4-BE49-F238E27FC236}">
+                      <a16:creationId xmlns:a16="http://schemas.microsoft.com/office/drawing/2014/main" id="{1D3FC1D6-6CE2-44DC-99F9-7ABA679C8049}"/>
+                    </a:ext>
+                  </a:extLst>
+                </p:cNvPr>
+                <p:cNvSpPr/>
+                <p:nvPr/>
+              </p:nvSpPr>
+              <p:spPr>
+                <a:xfrm>
+                  <a:off x="2647626" y="3125336"/>
+                  <a:ext cx="284086" cy="274068"/>
+                </a:xfrm>
+                <a:prstGeom prst="flowChartConnector">
+                  <a:avLst/>
+                </a:prstGeom>
+                <a:solidFill>
+                  <a:srgbClr val="008000"/>
+                </a:solidFill>
+              </p:spPr>
+              <p:style>
+                <a:lnRef idx="2">
+                  <a:schemeClr val="accent1">
+                    <a:shade val="50000"/>
+                  </a:schemeClr>
+                </a:lnRef>
+                <a:fillRef idx="1">
+                  <a:schemeClr val="accent1"/>
+                </a:fillRef>
+                <a:effectRef idx="0">
+                  <a:schemeClr val="accent1"/>
+                </a:effectRef>
+                <a:fontRef idx="minor">
+                  <a:schemeClr val="lt1"/>
+                </a:fontRef>
+              </p:style>
+              <p:txBody>
+                <a:bodyPr rtlCol="0" anchor="ctr"/>
+                <a:lstStyle/>
+                <a:p>
+                  <a:pPr algn="ctr"/>
+                  <a:endParaRPr lang="en-US"/>
+                </a:p>
+              </p:txBody>
+            </p:sp>
+            <p:sp>
+              <p:nvSpPr>
+                <p:cNvPr id="14" name="Flowchart: Connector 13">
+                  <a:extLst>
+                    <a:ext uri="{FF2B5EF4-FFF2-40B4-BE49-F238E27FC236}">
+                      <a16:creationId xmlns:a16="http://schemas.microsoft.com/office/drawing/2014/main" id="{39FF5EB7-E42A-428A-AB8B-1DA602D31AE3}"/>
+                    </a:ext>
+                  </a:extLst>
+                </p:cNvPr>
+                <p:cNvSpPr/>
+                <p:nvPr/>
+              </p:nvSpPr>
+              <p:spPr>
+                <a:xfrm>
+                  <a:off x="2647626" y="3409619"/>
+                  <a:ext cx="284086" cy="274068"/>
+                </a:xfrm>
+                <a:prstGeom prst="flowChartConnector">
+                  <a:avLst/>
+                </a:prstGeom>
+                <a:solidFill>
+                  <a:srgbClr val="FF9C00"/>
+                </a:solidFill>
+              </p:spPr>
+              <p:style>
+                <a:lnRef idx="2">
+                  <a:schemeClr val="accent1">
+                    <a:shade val="50000"/>
+                  </a:schemeClr>
+                </a:lnRef>
+                <a:fillRef idx="1">
+                  <a:schemeClr val="accent1"/>
+                </a:fillRef>
+                <a:effectRef idx="0">
+                  <a:schemeClr val="accent1"/>
+                </a:effectRef>
+                <a:fontRef idx="minor">
+                  <a:schemeClr val="lt1"/>
+                </a:fontRef>
+              </p:style>
+              <p:txBody>
+                <a:bodyPr rtlCol="0" anchor="ctr"/>
+                <a:lstStyle/>
+                <a:p>
+                  <a:pPr algn="ctr"/>
+                  <a:endParaRPr lang="en-US"/>
+                </a:p>
+              </p:txBody>
+            </p:sp>
+          </p:grpSp>
           <p:sp>
             <p:nvSpPr>
-              <p:cNvPr id="9" name="Rectangle 8">
+              <p:cNvPr id="16" name="Rectangle 15">
                 <a:extLst>
                   <a:ext uri="{FF2B5EF4-FFF2-40B4-BE49-F238E27FC236}">
-                    <a16:creationId xmlns:a16="http://schemas.microsoft.com/office/drawing/2014/main" id="{5AC04160-449D-4EC0-8747-A68ED382E328}"/>
+                    <a16:creationId xmlns:a16="http://schemas.microsoft.com/office/drawing/2014/main" id="{F9768496-1AEC-46D2-8A29-40F94FC29982}"/>
                   </a:ext>
                 </a:extLst>
               </p:cNvPr>
@@ -6128,8 +6775,8 @@
             </p:nvSpPr>
             <p:spPr>
               <a:xfrm>
-                <a:off x="2601157" y="2059619"/>
-                <a:ext cx="1184893" cy="1836937"/>
+                <a:off x="2601157" y="1579713"/>
+                <a:ext cx="1184893" cy="566101"/>
               </a:xfrm>
               <a:prstGeom prst="rect">
                 <a:avLst/>
@@ -6163,375 +6810,20 @@
               <a:bodyPr rtlCol="0" anchor="ctr"/>
               <a:lstStyle/>
               <a:p>
-                <a:pPr algn="r"/>
+                <a:pPr algn="ctr"/>
                 <a:r>
                   <a:rPr lang="en-US" b="1" dirty="0">
                     <a:solidFill>
                       <a:schemeClr val="tx1"/>
                     </a:solidFill>
                   </a:rPr>
-                  <a:t>65.1ps</a:t>
+                  <a:t>Pulse Length</a:t>
                 </a:r>
-              </a:p>
-              <a:p>
-                <a:pPr algn="r"/>
-                <a:r>
-                  <a:rPr lang="en-US" b="1" dirty="0">
-                    <a:solidFill>
-                      <a:schemeClr val="tx1"/>
-                    </a:solidFill>
-                  </a:rPr>
-                  <a:t>55.5ps</a:t>
-                </a:r>
-              </a:p>
-              <a:p>
-                <a:pPr algn="r"/>
-                <a:r>
-                  <a:rPr lang="en-US" b="1" dirty="0">
-                    <a:solidFill>
-                      <a:schemeClr val="tx1"/>
-                    </a:solidFill>
-                  </a:rPr>
-                  <a:t>49.8ps</a:t>
-                </a:r>
-              </a:p>
-              <a:p>
-                <a:pPr algn="r"/>
-                <a:r>
-                  <a:rPr lang="en-US" b="1" dirty="0">
-                    <a:solidFill>
-                      <a:schemeClr val="tx1"/>
-                    </a:solidFill>
-                  </a:rPr>
-                  <a:t>41.4ps</a:t>
-                </a:r>
-              </a:p>
-              <a:p>
-                <a:pPr algn="r"/>
-                <a:r>
-                  <a:rPr lang="en-US" b="1" dirty="0">
-                    <a:solidFill>
-                      <a:schemeClr val="tx1"/>
-                    </a:solidFill>
-                  </a:rPr>
-                  <a:t>37.2ps</a:t>
-                </a:r>
-                <a:endParaRPr lang="en-US" dirty="0">
-                  <a:solidFill>
-                    <a:schemeClr val="tx1"/>
-                  </a:solidFill>
-                </a:endParaRPr>
-              </a:p>
-            </p:txBody>
-          </p:sp>
-          <p:sp>
-            <p:nvSpPr>
-              <p:cNvPr id="10" name="Flowchart: Connector 9">
-                <a:extLst>
-                  <a:ext uri="{FF2B5EF4-FFF2-40B4-BE49-F238E27FC236}">
-                    <a16:creationId xmlns:a16="http://schemas.microsoft.com/office/drawing/2014/main" id="{978159D5-395A-471A-9387-6CF33575F3AF}"/>
-                  </a:ext>
-                </a:extLst>
-              </p:cNvPr>
-              <p:cNvSpPr/>
-              <p:nvPr/>
-            </p:nvSpPr>
-            <p:spPr>
-              <a:xfrm>
-                <a:off x="2647626" y="2282702"/>
-                <a:ext cx="284086" cy="274068"/>
-              </a:xfrm>
-              <a:prstGeom prst="flowChartConnector">
-                <a:avLst/>
-              </a:prstGeom>
-              <a:solidFill>
-                <a:schemeClr val="tx1"/>
-              </a:solidFill>
-            </p:spPr>
-            <p:style>
-              <a:lnRef idx="2">
-                <a:schemeClr val="accent1">
-                  <a:shade val="50000"/>
-                </a:schemeClr>
-              </a:lnRef>
-              <a:fillRef idx="1">
-                <a:schemeClr val="accent1"/>
-              </a:fillRef>
-              <a:effectRef idx="0">
-                <a:schemeClr val="accent1"/>
-              </a:effectRef>
-              <a:fontRef idx="minor">
-                <a:schemeClr val="lt1"/>
-              </a:fontRef>
-            </p:style>
-            <p:txBody>
-              <a:bodyPr rtlCol="0" anchor="ctr"/>
-              <a:lstStyle/>
-              <a:p>
-                <a:pPr algn="ctr"/>
-                <a:endParaRPr lang="en-US"/>
-              </a:p>
-            </p:txBody>
-          </p:sp>
-          <p:sp>
-            <p:nvSpPr>
-              <p:cNvPr id="11" name="Flowchart: Connector 10">
-                <a:extLst>
-                  <a:ext uri="{FF2B5EF4-FFF2-40B4-BE49-F238E27FC236}">
-                    <a16:creationId xmlns:a16="http://schemas.microsoft.com/office/drawing/2014/main" id="{0237FD1C-7204-4E97-9675-873A1366C062}"/>
-                  </a:ext>
-                </a:extLst>
-              </p:cNvPr>
-              <p:cNvSpPr/>
-              <p:nvPr/>
-            </p:nvSpPr>
-            <p:spPr>
-              <a:xfrm>
-                <a:off x="2647626" y="2556770"/>
-                <a:ext cx="284086" cy="274068"/>
-              </a:xfrm>
-              <a:prstGeom prst="flowChartConnector">
-                <a:avLst/>
-              </a:prstGeom>
-              <a:solidFill>
-                <a:srgbClr val="0000FF"/>
-              </a:solidFill>
-            </p:spPr>
-            <p:style>
-              <a:lnRef idx="2">
-                <a:schemeClr val="accent1">
-                  <a:shade val="50000"/>
-                </a:schemeClr>
-              </a:lnRef>
-              <a:fillRef idx="1">
-                <a:schemeClr val="accent1"/>
-              </a:fillRef>
-              <a:effectRef idx="0">
-                <a:schemeClr val="accent1"/>
-              </a:effectRef>
-              <a:fontRef idx="minor">
-                <a:schemeClr val="lt1"/>
-              </a:fontRef>
-            </p:style>
-            <p:txBody>
-              <a:bodyPr rtlCol="0" anchor="ctr"/>
-              <a:lstStyle/>
-              <a:p>
-                <a:pPr algn="ctr"/>
-                <a:endParaRPr lang="en-US"/>
-              </a:p>
-            </p:txBody>
-          </p:sp>
-          <p:sp>
-            <p:nvSpPr>
-              <p:cNvPr id="12" name="Flowchart: Connector 11">
-                <a:extLst>
-                  <a:ext uri="{FF2B5EF4-FFF2-40B4-BE49-F238E27FC236}">
-                    <a16:creationId xmlns:a16="http://schemas.microsoft.com/office/drawing/2014/main" id="{661774B0-1ECD-4B33-8F1F-4150E46B9EAB}"/>
-                  </a:ext>
-                </a:extLst>
-              </p:cNvPr>
-              <p:cNvSpPr/>
-              <p:nvPr/>
-            </p:nvSpPr>
-            <p:spPr>
-              <a:xfrm>
-                <a:off x="2647626" y="2841053"/>
-                <a:ext cx="284086" cy="274068"/>
-              </a:xfrm>
-              <a:prstGeom prst="flowChartConnector">
-                <a:avLst/>
-              </a:prstGeom>
-              <a:solidFill>
-                <a:srgbClr val="FF0000"/>
-              </a:solidFill>
-            </p:spPr>
-            <p:style>
-              <a:lnRef idx="2">
-                <a:schemeClr val="accent1">
-                  <a:shade val="50000"/>
-                </a:schemeClr>
-              </a:lnRef>
-              <a:fillRef idx="1">
-                <a:schemeClr val="accent1"/>
-              </a:fillRef>
-              <a:effectRef idx="0">
-                <a:schemeClr val="accent1"/>
-              </a:effectRef>
-              <a:fontRef idx="minor">
-                <a:schemeClr val="lt1"/>
-              </a:fontRef>
-            </p:style>
-            <p:txBody>
-              <a:bodyPr rtlCol="0" anchor="ctr"/>
-              <a:lstStyle/>
-              <a:p>
-                <a:pPr algn="ctr"/>
-                <a:endParaRPr lang="en-US"/>
-              </a:p>
-            </p:txBody>
-          </p:sp>
-          <p:sp>
-            <p:nvSpPr>
-              <p:cNvPr id="13" name="Flowchart: Connector 12">
-                <a:extLst>
-                  <a:ext uri="{FF2B5EF4-FFF2-40B4-BE49-F238E27FC236}">
-                    <a16:creationId xmlns:a16="http://schemas.microsoft.com/office/drawing/2014/main" id="{1D3FC1D6-6CE2-44DC-99F9-7ABA679C8049}"/>
-                  </a:ext>
-                </a:extLst>
-              </p:cNvPr>
-              <p:cNvSpPr/>
-              <p:nvPr/>
-            </p:nvSpPr>
-            <p:spPr>
-              <a:xfrm>
-                <a:off x="2647626" y="3125336"/>
-                <a:ext cx="284086" cy="274068"/>
-              </a:xfrm>
-              <a:prstGeom prst="flowChartConnector">
-                <a:avLst/>
-              </a:prstGeom>
-              <a:solidFill>
-                <a:srgbClr val="008000"/>
-              </a:solidFill>
-            </p:spPr>
-            <p:style>
-              <a:lnRef idx="2">
-                <a:schemeClr val="accent1">
-                  <a:shade val="50000"/>
-                </a:schemeClr>
-              </a:lnRef>
-              <a:fillRef idx="1">
-                <a:schemeClr val="accent1"/>
-              </a:fillRef>
-              <a:effectRef idx="0">
-                <a:schemeClr val="accent1"/>
-              </a:effectRef>
-              <a:fontRef idx="minor">
-                <a:schemeClr val="lt1"/>
-              </a:fontRef>
-            </p:style>
-            <p:txBody>
-              <a:bodyPr rtlCol="0" anchor="ctr"/>
-              <a:lstStyle/>
-              <a:p>
-                <a:pPr algn="ctr"/>
-                <a:endParaRPr lang="en-US"/>
-              </a:p>
-            </p:txBody>
-          </p:sp>
-          <p:sp>
-            <p:nvSpPr>
-              <p:cNvPr id="14" name="Flowchart: Connector 13">
-                <a:extLst>
-                  <a:ext uri="{FF2B5EF4-FFF2-40B4-BE49-F238E27FC236}">
-                    <a16:creationId xmlns:a16="http://schemas.microsoft.com/office/drawing/2014/main" id="{39FF5EB7-E42A-428A-AB8B-1DA602D31AE3}"/>
-                  </a:ext>
-                </a:extLst>
-              </p:cNvPr>
-              <p:cNvSpPr/>
-              <p:nvPr/>
-            </p:nvSpPr>
-            <p:spPr>
-              <a:xfrm>
-                <a:off x="2647626" y="3409619"/>
-                <a:ext cx="284086" cy="274068"/>
-              </a:xfrm>
-              <a:prstGeom prst="flowChartConnector">
-                <a:avLst/>
-              </a:prstGeom>
-              <a:solidFill>
-                <a:srgbClr val="FF9C00"/>
-              </a:solidFill>
-            </p:spPr>
-            <p:style>
-              <a:lnRef idx="2">
-                <a:schemeClr val="accent1">
-                  <a:shade val="50000"/>
-                </a:schemeClr>
-              </a:lnRef>
-              <a:fillRef idx="1">
-                <a:schemeClr val="accent1"/>
-              </a:fillRef>
-              <a:effectRef idx="0">
-                <a:schemeClr val="accent1"/>
-              </a:effectRef>
-              <a:fontRef idx="minor">
-                <a:schemeClr val="lt1"/>
-              </a:fontRef>
-            </p:style>
-            <p:txBody>
-              <a:bodyPr rtlCol="0" anchor="ctr"/>
-              <a:lstStyle/>
-              <a:p>
-                <a:pPr algn="ctr"/>
-                <a:endParaRPr lang="en-US"/>
+                <a:endParaRPr lang="en-US" b="1" dirty="0"/>
               </a:p>
             </p:txBody>
           </p:sp>
         </p:grpSp>
-        <p:sp>
-          <p:nvSpPr>
-            <p:cNvPr id="16" name="Rectangle 15">
-              <a:extLst>
-                <a:ext uri="{FF2B5EF4-FFF2-40B4-BE49-F238E27FC236}">
-                  <a16:creationId xmlns:a16="http://schemas.microsoft.com/office/drawing/2014/main" id="{F9768496-1AEC-46D2-8A29-40F94FC29982}"/>
-                </a:ext>
-              </a:extLst>
-            </p:cNvPr>
-            <p:cNvSpPr/>
-            <p:nvPr/>
-          </p:nvSpPr>
-          <p:spPr>
-            <a:xfrm>
-              <a:off x="2601157" y="1579713"/>
-              <a:ext cx="1184893" cy="566101"/>
-            </a:xfrm>
-            <a:prstGeom prst="rect">
-              <a:avLst/>
-            </a:prstGeom>
-            <a:solidFill>
-              <a:schemeClr val="bg1"/>
-            </a:solidFill>
-            <a:ln>
-              <a:solidFill>
-                <a:schemeClr val="bg1"/>
-              </a:solidFill>
-            </a:ln>
-          </p:spPr>
-          <p:style>
-            <a:lnRef idx="2">
-              <a:schemeClr val="accent1">
-                <a:shade val="50000"/>
-              </a:schemeClr>
-            </a:lnRef>
-            <a:fillRef idx="1">
-              <a:schemeClr val="accent1"/>
-            </a:fillRef>
-            <a:effectRef idx="0">
-              <a:schemeClr val="accent1"/>
-            </a:effectRef>
-            <a:fontRef idx="minor">
-              <a:schemeClr val="lt1"/>
-            </a:fontRef>
-          </p:style>
-          <p:txBody>
-            <a:bodyPr rtlCol="0" anchor="ctr"/>
-            <a:lstStyle/>
-            <a:p>
-              <a:pPr algn="ctr"/>
-              <a:r>
-                <a:rPr lang="en-US" b="1" dirty="0">
-                  <a:solidFill>
-                    <a:schemeClr val="tx1"/>
-                  </a:solidFill>
-                </a:rPr>
-                <a:t>Pulse Length</a:t>
-              </a:r>
-              <a:endParaRPr lang="en-US" b="1" dirty="0"/>
-            </a:p>
-          </p:txBody>
-        </p:sp>
       </p:grpSp>
     </p:spTree>
     <p:extLst>
@@ -6543,6 +6835,329 @@
   <p:clrMapOvr>
     <a:masterClrMapping/>
   </p:clrMapOvr>
+  <p:timing>
+    <p:tnLst>
+      <p:par>
+        <p:cTn id="1" dur="indefinite" restart="never" nodeType="tmRoot">
+          <p:childTnLst>
+            <p:seq concurrent="1" nextAc="seek">
+              <p:cTn id="2" dur="indefinite" nodeType="mainSeq">
+                <p:childTnLst>
+                  <p:par>
+                    <p:cTn id="3" fill="hold">
+                      <p:stCondLst>
+                        <p:cond delay="indefinite"/>
+                      </p:stCondLst>
+                      <p:childTnLst>
+                        <p:par>
+                          <p:cTn id="4" fill="hold">
+                            <p:stCondLst>
+                              <p:cond delay="0"/>
+                            </p:stCondLst>
+                            <p:childTnLst>
+                              <p:par>
+                                <p:cTn id="5" presetID="1" presetClass="entr" presetSubtype="0" fill="hold" grpId="0" nodeType="clickEffect">
+                                  <p:stCondLst>
+                                    <p:cond delay="0"/>
+                                  </p:stCondLst>
+                                  <p:childTnLst>
+                                    <p:set>
+                                      <p:cBhvr>
+                                        <p:cTn id="6" dur="1" fill="hold">
+                                          <p:stCondLst>
+                                            <p:cond delay="0"/>
+                                          </p:stCondLst>
+                                        </p:cTn>
+                                        <p:tgtEl>
+                                          <p:spTgt spid="3">
+                                            <p:txEl>
+                                              <p:pRg st="0" end="0"/>
+                                            </p:txEl>
+                                          </p:spTgt>
+                                        </p:tgtEl>
+                                        <p:attrNameLst>
+                                          <p:attrName>style.visibility</p:attrName>
+                                        </p:attrNameLst>
+                                      </p:cBhvr>
+                                      <p:to>
+                                        <p:strVal val="visible"/>
+                                      </p:to>
+                                    </p:set>
+                                  </p:childTnLst>
+                                </p:cTn>
+                              </p:par>
+                            </p:childTnLst>
+                          </p:cTn>
+                        </p:par>
+                      </p:childTnLst>
+                    </p:cTn>
+                  </p:par>
+                  <p:par>
+                    <p:cTn id="7" fill="hold">
+                      <p:stCondLst>
+                        <p:cond delay="indefinite"/>
+                      </p:stCondLst>
+                      <p:childTnLst>
+                        <p:par>
+                          <p:cTn id="8" fill="hold">
+                            <p:stCondLst>
+                              <p:cond delay="0"/>
+                            </p:stCondLst>
+                            <p:childTnLst>
+                              <p:par>
+                                <p:cTn id="9" presetID="1" presetClass="entr" presetSubtype="0" fill="hold" grpId="0" nodeType="clickEffect">
+                                  <p:stCondLst>
+                                    <p:cond delay="0"/>
+                                  </p:stCondLst>
+                                  <p:childTnLst>
+                                    <p:set>
+                                      <p:cBhvr>
+                                        <p:cTn id="10" dur="1" fill="hold">
+                                          <p:stCondLst>
+                                            <p:cond delay="0"/>
+                                          </p:stCondLst>
+                                        </p:cTn>
+                                        <p:tgtEl>
+                                          <p:spTgt spid="3">
+                                            <p:txEl>
+                                              <p:pRg st="1" end="1"/>
+                                            </p:txEl>
+                                          </p:spTgt>
+                                        </p:tgtEl>
+                                        <p:attrNameLst>
+                                          <p:attrName>style.visibility</p:attrName>
+                                        </p:attrNameLst>
+                                      </p:cBhvr>
+                                      <p:to>
+                                        <p:strVal val="visible"/>
+                                      </p:to>
+                                    </p:set>
+                                  </p:childTnLst>
+                                </p:cTn>
+                              </p:par>
+                            </p:childTnLst>
+                          </p:cTn>
+                        </p:par>
+                      </p:childTnLst>
+                    </p:cTn>
+                  </p:par>
+                  <p:par>
+                    <p:cTn id="11" fill="hold">
+                      <p:stCondLst>
+                        <p:cond delay="indefinite"/>
+                      </p:stCondLst>
+                      <p:childTnLst>
+                        <p:par>
+                          <p:cTn id="12" fill="hold">
+                            <p:stCondLst>
+                              <p:cond delay="0"/>
+                            </p:stCondLst>
+                            <p:childTnLst>
+                              <p:par>
+                                <p:cTn id="13" presetID="1" presetClass="entr" presetSubtype="0" fill="hold" grpId="0" nodeType="clickEffect">
+                                  <p:stCondLst>
+                                    <p:cond delay="0"/>
+                                  </p:stCondLst>
+                                  <p:childTnLst>
+                                    <p:set>
+                                      <p:cBhvr>
+                                        <p:cTn id="14" dur="1" fill="hold">
+                                          <p:stCondLst>
+                                            <p:cond delay="0"/>
+                                          </p:stCondLst>
+                                        </p:cTn>
+                                        <p:tgtEl>
+                                          <p:spTgt spid="3">
+                                            <p:txEl>
+                                              <p:pRg st="4" end="4"/>
+                                            </p:txEl>
+                                          </p:spTgt>
+                                        </p:tgtEl>
+                                        <p:attrNameLst>
+                                          <p:attrName>style.visibility</p:attrName>
+                                        </p:attrNameLst>
+                                      </p:cBhvr>
+                                      <p:to>
+                                        <p:strVal val="visible"/>
+                                      </p:to>
+                                    </p:set>
+                                  </p:childTnLst>
+                                </p:cTn>
+                              </p:par>
+                            </p:childTnLst>
+                          </p:cTn>
+                        </p:par>
+                      </p:childTnLst>
+                    </p:cTn>
+                  </p:par>
+                  <p:par>
+                    <p:cTn id="15" fill="hold">
+                      <p:stCondLst>
+                        <p:cond delay="indefinite"/>
+                      </p:stCondLst>
+                      <p:childTnLst>
+                        <p:par>
+                          <p:cTn id="16" fill="hold">
+                            <p:stCondLst>
+                              <p:cond delay="0"/>
+                            </p:stCondLst>
+                            <p:childTnLst>
+                              <p:par>
+                                <p:cTn id="17" presetID="1" presetClass="entr" presetSubtype="0" fill="hold" nodeType="clickEffect">
+                                  <p:stCondLst>
+                                    <p:cond delay="0"/>
+                                  </p:stCondLst>
+                                  <p:childTnLst>
+                                    <p:set>
+                                      <p:cBhvr>
+                                        <p:cTn id="18" dur="1" fill="hold">
+                                          <p:stCondLst>
+                                            <p:cond delay="0"/>
+                                          </p:stCondLst>
+                                        </p:cTn>
+                                        <p:tgtEl>
+                                          <p:spTgt spid="8"/>
+                                        </p:tgtEl>
+                                        <p:attrNameLst>
+                                          <p:attrName>style.visibility</p:attrName>
+                                        </p:attrNameLst>
+                                      </p:cBhvr>
+                                      <p:to>
+                                        <p:strVal val="visible"/>
+                                      </p:to>
+                                    </p:set>
+                                  </p:childTnLst>
+                                </p:cTn>
+                              </p:par>
+                            </p:childTnLst>
+                          </p:cTn>
+                        </p:par>
+                      </p:childTnLst>
+                    </p:cTn>
+                  </p:par>
+                  <p:par>
+                    <p:cTn id="19" fill="hold">
+                      <p:stCondLst>
+                        <p:cond delay="indefinite"/>
+                      </p:stCondLst>
+                      <p:childTnLst>
+                        <p:par>
+                          <p:cTn id="20" fill="hold">
+                            <p:stCondLst>
+                              <p:cond delay="0"/>
+                            </p:stCondLst>
+                            <p:childTnLst>
+                              <p:par>
+                                <p:cTn id="21" presetID="1" presetClass="entr" presetSubtype="0" fill="hold" grpId="0" nodeType="clickEffect">
+                                  <p:stCondLst>
+                                    <p:cond delay="0"/>
+                                  </p:stCondLst>
+                                  <p:childTnLst>
+                                    <p:set>
+                                      <p:cBhvr>
+                                        <p:cTn id="22" dur="1" fill="hold">
+                                          <p:stCondLst>
+                                            <p:cond delay="0"/>
+                                          </p:stCondLst>
+                                        </p:cTn>
+                                        <p:tgtEl>
+                                          <p:spTgt spid="3">
+                                            <p:txEl>
+                                              <p:pRg st="5" end="5"/>
+                                            </p:txEl>
+                                          </p:spTgt>
+                                        </p:tgtEl>
+                                        <p:attrNameLst>
+                                          <p:attrName>style.visibility</p:attrName>
+                                        </p:attrNameLst>
+                                      </p:cBhvr>
+                                      <p:to>
+                                        <p:strVal val="visible"/>
+                                      </p:to>
+                                    </p:set>
+                                  </p:childTnLst>
+                                </p:cTn>
+                              </p:par>
+                            </p:childTnLst>
+                          </p:cTn>
+                        </p:par>
+                      </p:childTnLst>
+                    </p:cTn>
+                  </p:par>
+                  <p:par>
+                    <p:cTn id="23" fill="hold">
+                      <p:stCondLst>
+                        <p:cond delay="indefinite"/>
+                      </p:stCondLst>
+                      <p:childTnLst>
+                        <p:par>
+                          <p:cTn id="24" fill="hold">
+                            <p:stCondLst>
+                              <p:cond delay="0"/>
+                            </p:stCondLst>
+                            <p:childTnLst>
+                              <p:par>
+                                <p:cTn id="25" presetID="1" presetClass="entr" presetSubtype="0" fill="hold" grpId="0" nodeType="clickEffect">
+                                  <p:stCondLst>
+                                    <p:cond delay="0"/>
+                                  </p:stCondLst>
+                                  <p:childTnLst>
+                                    <p:set>
+                                      <p:cBhvr>
+                                        <p:cTn id="26" dur="1" fill="hold">
+                                          <p:stCondLst>
+                                            <p:cond delay="0"/>
+                                          </p:stCondLst>
+                                        </p:cTn>
+                                        <p:tgtEl>
+                                          <p:spTgt spid="3">
+                                            <p:txEl>
+                                              <p:pRg st="7" end="7"/>
+                                            </p:txEl>
+                                          </p:spTgt>
+                                        </p:tgtEl>
+                                        <p:attrNameLst>
+                                          <p:attrName>style.visibility</p:attrName>
+                                        </p:attrNameLst>
+                                      </p:cBhvr>
+                                      <p:to>
+                                        <p:strVal val="visible"/>
+                                      </p:to>
+                                    </p:set>
+                                  </p:childTnLst>
+                                </p:cTn>
+                              </p:par>
+                            </p:childTnLst>
+                          </p:cTn>
+                        </p:par>
+                      </p:childTnLst>
+                    </p:cTn>
+                  </p:par>
+                </p:childTnLst>
+              </p:cTn>
+              <p:prevCondLst>
+                <p:cond evt="onPrev" delay="0">
+                  <p:tgtEl>
+                    <p:sldTgt/>
+                  </p:tgtEl>
+                </p:cond>
+              </p:prevCondLst>
+              <p:nextCondLst>
+                <p:cond evt="onNext" delay="0">
+                  <p:tgtEl>
+                    <p:sldTgt/>
+                  </p:tgtEl>
+                </p:cond>
+              </p:nextCondLst>
+            </p:seq>
+          </p:childTnLst>
+        </p:cTn>
+      </p:par>
+    </p:tnLst>
+    <p:bldLst>
+      <p:bldP spid="3" grpId="0" uiExpand="1" build="p"/>
+    </p:bldLst>
+  </p:timing>
 </p:sld>
 </file>
 
@@ -8284,7 +8899,7 @@
         </p:nvSpPr>
         <p:spPr>
           <a:xfrm>
-            <a:off x="8055899" y="274546"/>
+            <a:off x="7760699" y="274546"/>
             <a:ext cx="2819400" cy="1325563"/>
           </a:xfrm>
         </p:spPr>
@@ -8327,7 +8942,7 @@
           <a:p>
             <a:r>
               <a:rPr lang="en-US" dirty="0"/>
-              <a:t>Obtain the Detector Response function</a:t>
+              <a:t>Obtain the detector response function</a:t>
             </a:r>
           </a:p>
           <a:p>
@@ -8336,7 +8951,7 @@
           <a:p>
             <a:r>
               <a:rPr lang="en-US" dirty="0"/>
-              <a:t>Allan Variance study on FPGA’s reference clock</a:t>
+              <a:t>Allan variance study on FPGA’s reference clock</a:t>
             </a:r>
           </a:p>
           <a:p>
@@ -8348,7 +8963,7 @@
           <a:p>
             <a:r>
               <a:rPr lang="en-US" dirty="0"/>
-              <a:t>Study the impact on Single Photon Indistinguishability</a:t>
+              <a:t>Study the impact on single photon indistinguishability</a:t>
             </a:r>
           </a:p>
           <a:p>
@@ -8447,248 +9062,357 @@
           </a:p>
         </p:txBody>
       </p:sp>
-      <p:sp>
-        <p:nvSpPr>
-          <p:cNvPr id="7" name="Content Placeholder 2">
-            <a:extLst>
-              <a:ext uri="{FF2B5EF4-FFF2-40B4-BE49-F238E27FC236}">
-                <a16:creationId xmlns:a16="http://schemas.microsoft.com/office/drawing/2014/main" id="{44824597-CFCD-0CE1-BCF7-59FBB14CC19B}"/>
-              </a:ext>
-            </a:extLst>
-          </p:cNvPr>
-          <p:cNvSpPr txBox="1">
-            <a:spLocks/>
-          </p:cNvSpPr>
-          <p:nvPr/>
-        </p:nvSpPr>
-        <p:spPr>
-          <a:xfrm>
-            <a:off x="259884" y="1870045"/>
-            <a:ext cx="4834631" cy="4351338"/>
-          </a:xfrm>
-          <a:prstGeom prst="rect">
-            <a:avLst/>
-          </a:prstGeom>
-        </p:spPr>
-        <p:txBody>
-          <a:bodyPr vert="horz" lIns="91440" tIns="45720" rIns="91440" bIns="45720" rtlCol="0">
-            <a:normAutofit/>
-          </a:bodyPr>
-          <a:lstStyle>
-            <a:lvl1pPr marL="228600" indent="-228600" algn="l" defTabSz="914400" rtl="0" eaLnBrk="1" latinLnBrk="0" hangingPunct="1">
-              <a:lnSpc>
-                <a:spcPct val="90000"/>
-              </a:lnSpc>
-              <a:spcBef>
-                <a:spcPts val="1000"/>
-              </a:spcBef>
-              <a:buFont typeface="Arial" panose="020B0604020202020204" pitchFamily="34" charset="0"/>
-              <a:buChar char="•"/>
-              <a:defRPr sz="2800" kern="1200">
-                <a:solidFill>
-                  <a:schemeClr val="tx1"/>
-                </a:solidFill>
-                <a:latin typeface="+mn-lt"/>
-                <a:ea typeface="+mn-ea"/>
-                <a:cs typeface="+mn-cs"/>
-              </a:defRPr>
-            </a:lvl1pPr>
-            <a:lvl2pPr marL="685800" indent="-228600" algn="l" defTabSz="914400" rtl="0" eaLnBrk="1" latinLnBrk="0" hangingPunct="1">
-              <a:lnSpc>
-                <a:spcPct val="90000"/>
-              </a:lnSpc>
-              <a:spcBef>
-                <a:spcPts val="500"/>
-              </a:spcBef>
-              <a:buFont typeface="Arial" panose="020B0604020202020204" pitchFamily="34" charset="0"/>
-              <a:buChar char="•"/>
-              <a:defRPr sz="2400" kern="1200">
-                <a:solidFill>
-                  <a:schemeClr val="tx1"/>
-                </a:solidFill>
-                <a:latin typeface="+mn-lt"/>
-                <a:ea typeface="+mn-ea"/>
-                <a:cs typeface="+mn-cs"/>
-              </a:defRPr>
-            </a:lvl2pPr>
-            <a:lvl3pPr marL="1143000" indent="-228600" algn="l" defTabSz="914400" rtl="0" eaLnBrk="1" latinLnBrk="0" hangingPunct="1">
-              <a:lnSpc>
-                <a:spcPct val="90000"/>
-              </a:lnSpc>
-              <a:spcBef>
-                <a:spcPts val="500"/>
-              </a:spcBef>
-              <a:buFont typeface="Arial" panose="020B0604020202020204" pitchFamily="34" charset="0"/>
-              <a:buChar char="•"/>
-              <a:defRPr sz="2000" kern="1200">
-                <a:solidFill>
-                  <a:schemeClr val="tx1"/>
-                </a:solidFill>
-                <a:latin typeface="+mn-lt"/>
-                <a:ea typeface="+mn-ea"/>
-                <a:cs typeface="+mn-cs"/>
-              </a:defRPr>
-            </a:lvl3pPr>
-            <a:lvl4pPr marL="1600200" indent="-228600" algn="l" defTabSz="914400" rtl="0" eaLnBrk="1" latinLnBrk="0" hangingPunct="1">
-              <a:lnSpc>
-                <a:spcPct val="90000"/>
-              </a:lnSpc>
-              <a:spcBef>
-                <a:spcPts val="500"/>
-              </a:spcBef>
-              <a:buFont typeface="Arial" panose="020B0604020202020204" pitchFamily="34" charset="0"/>
-              <a:buChar char="•"/>
-              <a:defRPr sz="1800" kern="1200">
-                <a:solidFill>
-                  <a:schemeClr val="tx1"/>
-                </a:solidFill>
-                <a:latin typeface="+mn-lt"/>
-                <a:ea typeface="+mn-ea"/>
-                <a:cs typeface="+mn-cs"/>
-              </a:defRPr>
-            </a:lvl4pPr>
-            <a:lvl5pPr marL="2057400" indent="-228600" algn="l" defTabSz="914400" rtl="0" eaLnBrk="1" latinLnBrk="0" hangingPunct="1">
-              <a:lnSpc>
-                <a:spcPct val="90000"/>
-              </a:lnSpc>
-              <a:spcBef>
-                <a:spcPts val="500"/>
-              </a:spcBef>
-              <a:buFont typeface="Arial" panose="020B0604020202020204" pitchFamily="34" charset="0"/>
-              <a:buChar char="•"/>
-              <a:defRPr sz="1800" kern="1200">
-                <a:solidFill>
-                  <a:schemeClr val="tx1"/>
-                </a:solidFill>
-                <a:latin typeface="+mn-lt"/>
-                <a:ea typeface="+mn-ea"/>
-                <a:cs typeface="+mn-cs"/>
-              </a:defRPr>
-            </a:lvl5pPr>
-            <a:lvl6pPr marL="2514600" indent="-228600" algn="l" defTabSz="914400" rtl="0" eaLnBrk="1" latinLnBrk="0" hangingPunct="1">
-              <a:lnSpc>
-                <a:spcPct val="90000"/>
-              </a:lnSpc>
-              <a:spcBef>
-                <a:spcPts val="500"/>
-              </a:spcBef>
-              <a:buFont typeface="Arial" panose="020B0604020202020204" pitchFamily="34" charset="0"/>
-              <a:buChar char="•"/>
-              <a:defRPr sz="1800" kern="1200">
-                <a:solidFill>
-                  <a:schemeClr val="tx1"/>
-                </a:solidFill>
-                <a:latin typeface="+mn-lt"/>
-                <a:ea typeface="+mn-ea"/>
-                <a:cs typeface="+mn-cs"/>
-              </a:defRPr>
-            </a:lvl6pPr>
-            <a:lvl7pPr marL="2971800" indent="-228600" algn="l" defTabSz="914400" rtl="0" eaLnBrk="1" latinLnBrk="0" hangingPunct="1">
-              <a:lnSpc>
-                <a:spcPct val="90000"/>
-              </a:lnSpc>
-              <a:spcBef>
-                <a:spcPts val="500"/>
-              </a:spcBef>
-              <a:buFont typeface="Arial" panose="020B0604020202020204" pitchFamily="34" charset="0"/>
-              <a:buChar char="•"/>
-              <a:defRPr sz="1800" kern="1200">
-                <a:solidFill>
-                  <a:schemeClr val="tx1"/>
-                </a:solidFill>
-                <a:latin typeface="+mn-lt"/>
-                <a:ea typeface="+mn-ea"/>
-                <a:cs typeface="+mn-cs"/>
-              </a:defRPr>
-            </a:lvl7pPr>
-            <a:lvl8pPr marL="3429000" indent="-228600" algn="l" defTabSz="914400" rtl="0" eaLnBrk="1" latinLnBrk="0" hangingPunct="1">
-              <a:lnSpc>
-                <a:spcPct val="90000"/>
-              </a:lnSpc>
-              <a:spcBef>
-                <a:spcPts val="500"/>
-              </a:spcBef>
-              <a:buFont typeface="Arial" panose="020B0604020202020204" pitchFamily="34" charset="0"/>
-              <a:buChar char="•"/>
-              <a:defRPr sz="1800" kern="1200">
-                <a:solidFill>
-                  <a:schemeClr val="tx1"/>
-                </a:solidFill>
-                <a:latin typeface="+mn-lt"/>
-                <a:ea typeface="+mn-ea"/>
-                <a:cs typeface="+mn-cs"/>
-              </a:defRPr>
-            </a:lvl8pPr>
-            <a:lvl9pPr marL="3886200" indent="-228600" algn="l" defTabSz="914400" rtl="0" eaLnBrk="1" latinLnBrk="0" hangingPunct="1">
-              <a:lnSpc>
-                <a:spcPct val="90000"/>
-              </a:lnSpc>
-              <a:spcBef>
-                <a:spcPts val="500"/>
-              </a:spcBef>
-              <a:buFont typeface="Arial" panose="020B0604020202020204" pitchFamily="34" charset="0"/>
-              <a:buChar char="•"/>
-              <a:defRPr sz="1800" kern="1200">
-                <a:solidFill>
-                  <a:schemeClr val="tx1"/>
-                </a:solidFill>
-                <a:latin typeface="+mn-lt"/>
-                <a:ea typeface="+mn-ea"/>
-                <a:cs typeface="+mn-cs"/>
-              </a:defRPr>
-            </a:lvl9pPr>
-          </a:lstStyle>
-          <a:p>
-            <a:r>
-              <a:rPr lang="en-US" dirty="0"/>
-              <a:t>Set up data processing pipeline / program</a:t>
-            </a:r>
-          </a:p>
-          <a:p>
-            <a:r>
-              <a:rPr lang="en-US" dirty="0"/>
-              <a:t>g2(0) peak is ~</a:t>
-            </a:r>
-            <a:r>
-              <a:rPr lang="en-US" dirty="0" err="1"/>
-              <a:t>ps</a:t>
-            </a:r>
-            <a:r>
-              <a:rPr lang="en-US" dirty="0"/>
-              <a:t> narrower than others! </a:t>
-            </a:r>
-          </a:p>
-          <a:p>
-            <a:r>
-              <a:rPr lang="en-US" dirty="0"/>
-              <a:t>-&gt; New method to find tau=0</a:t>
-            </a:r>
-          </a:p>
-          <a:p>
-            <a:r>
-              <a:rPr lang="en-US" dirty="0"/>
-              <a:t>Can analyze g2 peak spacing etc. with very high accuracy </a:t>
-            </a:r>
-            <a:r>
-              <a:rPr lang="en-US" dirty="0">
-                <a:sym typeface="Wingdings" pitchFamily="2" charset="2"/>
-              </a:rPr>
-              <a:t></a:t>
-            </a:r>
-            <a:endParaRPr lang="en-US" dirty="0"/>
-          </a:p>
-          <a:p>
-            <a:endParaRPr lang="en-US" dirty="0"/>
-          </a:p>
-          <a:p>
-            <a:pPr marL="0" indent="0">
-              <a:buFont typeface="Arial" panose="020B0604020202020204" pitchFamily="34" charset="0"/>
-              <a:buNone/>
-            </a:pPr>
-            <a:endParaRPr lang="en-US" dirty="0"/>
-          </a:p>
-        </p:txBody>
-      </p:sp>
+      <mc:AlternateContent xmlns:mc="http://schemas.openxmlformats.org/markup-compatibility/2006">
+        <mc:Choice xmlns:a14="http://schemas.microsoft.com/office/drawing/2010/main" Requires="a14">
+          <p:sp>
+            <p:nvSpPr>
+              <p:cNvPr id="7" name="Content Placeholder 2">
+                <a:extLst>
+                  <a:ext uri="{FF2B5EF4-FFF2-40B4-BE49-F238E27FC236}">
+                    <a16:creationId xmlns:a16="http://schemas.microsoft.com/office/drawing/2014/main" id="{44824597-CFCD-0CE1-BCF7-59FBB14CC19B}"/>
+                  </a:ext>
+                </a:extLst>
+              </p:cNvPr>
+              <p:cNvSpPr txBox="1">
+                <a:spLocks/>
+              </p:cNvSpPr>
+              <p:nvPr/>
+            </p:nvSpPr>
+            <p:spPr>
+              <a:xfrm>
+                <a:off x="259884" y="1870045"/>
+                <a:ext cx="4834631" cy="4351338"/>
+              </a:xfrm>
+              <a:prstGeom prst="rect">
+                <a:avLst/>
+              </a:prstGeom>
+            </p:spPr>
+            <p:txBody>
+              <a:bodyPr vert="horz" lIns="91440" tIns="45720" rIns="91440" bIns="45720" rtlCol="0">
+                <a:normAutofit/>
+              </a:bodyPr>
+              <a:lstStyle>
+                <a:lvl1pPr marL="228600" indent="-228600" algn="l" defTabSz="914400" rtl="0" eaLnBrk="1" latinLnBrk="0" hangingPunct="1">
+                  <a:lnSpc>
+                    <a:spcPct val="90000"/>
+                  </a:lnSpc>
+                  <a:spcBef>
+                    <a:spcPts val="1000"/>
+                  </a:spcBef>
+                  <a:buFont typeface="Arial" panose="020B0604020202020204" pitchFamily="34" charset="0"/>
+                  <a:buChar char="•"/>
+                  <a:defRPr sz="2800" kern="1200">
+                    <a:solidFill>
+                      <a:schemeClr val="tx1"/>
+                    </a:solidFill>
+                    <a:latin typeface="+mn-lt"/>
+                    <a:ea typeface="+mn-ea"/>
+                    <a:cs typeface="+mn-cs"/>
+                  </a:defRPr>
+                </a:lvl1pPr>
+                <a:lvl2pPr marL="685800" indent="-228600" algn="l" defTabSz="914400" rtl="0" eaLnBrk="1" latinLnBrk="0" hangingPunct="1">
+                  <a:lnSpc>
+                    <a:spcPct val="90000"/>
+                  </a:lnSpc>
+                  <a:spcBef>
+                    <a:spcPts val="500"/>
+                  </a:spcBef>
+                  <a:buFont typeface="Arial" panose="020B0604020202020204" pitchFamily="34" charset="0"/>
+                  <a:buChar char="•"/>
+                  <a:defRPr sz="2400" kern="1200">
+                    <a:solidFill>
+                      <a:schemeClr val="tx1"/>
+                    </a:solidFill>
+                    <a:latin typeface="+mn-lt"/>
+                    <a:ea typeface="+mn-ea"/>
+                    <a:cs typeface="+mn-cs"/>
+                  </a:defRPr>
+                </a:lvl2pPr>
+                <a:lvl3pPr marL="1143000" indent="-228600" algn="l" defTabSz="914400" rtl="0" eaLnBrk="1" latinLnBrk="0" hangingPunct="1">
+                  <a:lnSpc>
+                    <a:spcPct val="90000"/>
+                  </a:lnSpc>
+                  <a:spcBef>
+                    <a:spcPts val="500"/>
+                  </a:spcBef>
+                  <a:buFont typeface="Arial" panose="020B0604020202020204" pitchFamily="34" charset="0"/>
+                  <a:buChar char="•"/>
+                  <a:defRPr sz="2000" kern="1200">
+                    <a:solidFill>
+                      <a:schemeClr val="tx1"/>
+                    </a:solidFill>
+                    <a:latin typeface="+mn-lt"/>
+                    <a:ea typeface="+mn-ea"/>
+                    <a:cs typeface="+mn-cs"/>
+                  </a:defRPr>
+                </a:lvl3pPr>
+                <a:lvl4pPr marL="1600200" indent="-228600" algn="l" defTabSz="914400" rtl="0" eaLnBrk="1" latinLnBrk="0" hangingPunct="1">
+                  <a:lnSpc>
+                    <a:spcPct val="90000"/>
+                  </a:lnSpc>
+                  <a:spcBef>
+                    <a:spcPts val="500"/>
+                  </a:spcBef>
+                  <a:buFont typeface="Arial" panose="020B0604020202020204" pitchFamily="34" charset="0"/>
+                  <a:buChar char="•"/>
+                  <a:defRPr sz="1800" kern="1200">
+                    <a:solidFill>
+                      <a:schemeClr val="tx1"/>
+                    </a:solidFill>
+                    <a:latin typeface="+mn-lt"/>
+                    <a:ea typeface="+mn-ea"/>
+                    <a:cs typeface="+mn-cs"/>
+                  </a:defRPr>
+                </a:lvl4pPr>
+                <a:lvl5pPr marL="2057400" indent="-228600" algn="l" defTabSz="914400" rtl="0" eaLnBrk="1" latinLnBrk="0" hangingPunct="1">
+                  <a:lnSpc>
+                    <a:spcPct val="90000"/>
+                  </a:lnSpc>
+                  <a:spcBef>
+                    <a:spcPts val="500"/>
+                  </a:spcBef>
+                  <a:buFont typeface="Arial" panose="020B0604020202020204" pitchFamily="34" charset="0"/>
+                  <a:buChar char="•"/>
+                  <a:defRPr sz="1800" kern="1200">
+                    <a:solidFill>
+                      <a:schemeClr val="tx1"/>
+                    </a:solidFill>
+                    <a:latin typeface="+mn-lt"/>
+                    <a:ea typeface="+mn-ea"/>
+                    <a:cs typeface="+mn-cs"/>
+                  </a:defRPr>
+                </a:lvl5pPr>
+                <a:lvl6pPr marL="2514600" indent="-228600" algn="l" defTabSz="914400" rtl="0" eaLnBrk="1" latinLnBrk="0" hangingPunct="1">
+                  <a:lnSpc>
+                    <a:spcPct val="90000"/>
+                  </a:lnSpc>
+                  <a:spcBef>
+                    <a:spcPts val="500"/>
+                  </a:spcBef>
+                  <a:buFont typeface="Arial" panose="020B0604020202020204" pitchFamily="34" charset="0"/>
+                  <a:buChar char="•"/>
+                  <a:defRPr sz="1800" kern="1200">
+                    <a:solidFill>
+                      <a:schemeClr val="tx1"/>
+                    </a:solidFill>
+                    <a:latin typeface="+mn-lt"/>
+                    <a:ea typeface="+mn-ea"/>
+                    <a:cs typeface="+mn-cs"/>
+                  </a:defRPr>
+                </a:lvl6pPr>
+                <a:lvl7pPr marL="2971800" indent="-228600" algn="l" defTabSz="914400" rtl="0" eaLnBrk="1" latinLnBrk="0" hangingPunct="1">
+                  <a:lnSpc>
+                    <a:spcPct val="90000"/>
+                  </a:lnSpc>
+                  <a:spcBef>
+                    <a:spcPts val="500"/>
+                  </a:spcBef>
+                  <a:buFont typeface="Arial" panose="020B0604020202020204" pitchFamily="34" charset="0"/>
+                  <a:buChar char="•"/>
+                  <a:defRPr sz="1800" kern="1200">
+                    <a:solidFill>
+                      <a:schemeClr val="tx1"/>
+                    </a:solidFill>
+                    <a:latin typeface="+mn-lt"/>
+                    <a:ea typeface="+mn-ea"/>
+                    <a:cs typeface="+mn-cs"/>
+                  </a:defRPr>
+                </a:lvl7pPr>
+                <a:lvl8pPr marL="3429000" indent="-228600" algn="l" defTabSz="914400" rtl="0" eaLnBrk="1" latinLnBrk="0" hangingPunct="1">
+                  <a:lnSpc>
+                    <a:spcPct val="90000"/>
+                  </a:lnSpc>
+                  <a:spcBef>
+                    <a:spcPts val="500"/>
+                  </a:spcBef>
+                  <a:buFont typeface="Arial" panose="020B0604020202020204" pitchFamily="34" charset="0"/>
+                  <a:buChar char="•"/>
+                  <a:defRPr sz="1800" kern="1200">
+                    <a:solidFill>
+                      <a:schemeClr val="tx1"/>
+                    </a:solidFill>
+                    <a:latin typeface="+mn-lt"/>
+                    <a:ea typeface="+mn-ea"/>
+                    <a:cs typeface="+mn-cs"/>
+                  </a:defRPr>
+                </a:lvl8pPr>
+                <a:lvl9pPr marL="3886200" indent="-228600" algn="l" defTabSz="914400" rtl="0" eaLnBrk="1" latinLnBrk="0" hangingPunct="1">
+                  <a:lnSpc>
+                    <a:spcPct val="90000"/>
+                  </a:lnSpc>
+                  <a:spcBef>
+                    <a:spcPts val="500"/>
+                  </a:spcBef>
+                  <a:buFont typeface="Arial" panose="020B0604020202020204" pitchFamily="34" charset="0"/>
+                  <a:buChar char="•"/>
+                  <a:defRPr sz="1800" kern="1200">
+                    <a:solidFill>
+                      <a:schemeClr val="tx1"/>
+                    </a:solidFill>
+                    <a:latin typeface="+mn-lt"/>
+                    <a:ea typeface="+mn-ea"/>
+                    <a:cs typeface="+mn-cs"/>
+                  </a:defRPr>
+                </a:lvl9pPr>
+              </a:lstStyle>
+              <a:p>
+                <a:r>
+                  <a:rPr lang="en-US" dirty="0"/>
+                  <a:t>Set up data processing pipeline</a:t>
+                </a:r>
+              </a:p>
+              <a:p>
+                <a:r>
+                  <a:rPr lang="en-US" dirty="0"/>
+                  <a:t>g</a:t>
+                </a:r>
+                <a:r>
+                  <a:rPr lang="en-US" baseline="-25000" dirty="0"/>
+                  <a:t>2</a:t>
+                </a:r>
+                <a:r>
+                  <a:rPr lang="en-US" dirty="0"/>
+                  <a:t>(</a:t>
+                </a:r>
+                <a14:m>
+                  <m:oMath xmlns:m="http://schemas.openxmlformats.org/officeDocument/2006/math">
+                    <m:r>
+                      <a:rPr lang="en-US" b="0" i="1" smtClean="0">
+                        <a:latin typeface="Cambria Math" panose="02040503050406030204" pitchFamily="18" charset="0"/>
+                        <a:ea typeface="Cambria Math" panose="02040503050406030204" pitchFamily="18" charset="0"/>
+                      </a:rPr>
+                      <m:t>0</m:t>
+                    </m:r>
+                  </m:oMath>
+                </a14:m>
+                <a:r>
+                  <a:rPr lang="en-US" dirty="0"/>
+                  <a:t>) peak is ~</a:t>
+                </a:r>
+                <a:r>
+                  <a:rPr lang="en-US" dirty="0" err="1"/>
+                  <a:t>ps</a:t>
+                </a:r>
+                <a:r>
+                  <a:rPr lang="en-US" dirty="0"/>
+                  <a:t> narrower than others! </a:t>
+                </a:r>
+              </a:p>
+              <a:p>
+                <a:r>
+                  <a:rPr lang="en-US" dirty="0"/>
+                  <a:t>New method to find </a:t>
+                </a:r>
+                <a14:m>
+                  <m:oMath xmlns:m="http://schemas.openxmlformats.org/officeDocument/2006/math">
+                    <m:r>
+                      <a:rPr lang="en-US" i="1">
+                        <a:latin typeface="Cambria Math" panose="02040503050406030204" pitchFamily="18" charset="0"/>
+                        <a:ea typeface="Cambria Math" panose="02040503050406030204" pitchFamily="18" charset="0"/>
+                      </a:rPr>
+                      <m:t>𝜏</m:t>
+                    </m:r>
+                    <m:r>
+                      <a:rPr lang="en-US" i="1">
+                        <a:latin typeface="Cambria Math" panose="02040503050406030204" pitchFamily="18" charset="0"/>
+                        <a:ea typeface="Cambria Math" panose="02040503050406030204" pitchFamily="18" charset="0"/>
+                      </a:rPr>
+                      <m:t> </m:t>
+                    </m:r>
+                  </m:oMath>
+                </a14:m>
+                <a:r>
+                  <a:rPr lang="en-US" dirty="0"/>
+                  <a:t>=0</a:t>
+                </a:r>
+              </a:p>
+              <a:p>
+                <a:r>
+                  <a:rPr lang="en-US" dirty="0"/>
+                  <a:t>Can now analyze g</a:t>
+                </a:r>
+                <a:r>
+                  <a:rPr lang="en-US" baseline="-25000" dirty="0"/>
+                  <a:t>2</a:t>
+                </a:r>
+                <a:r>
+                  <a:rPr lang="en-US" dirty="0"/>
+                  <a:t>(</a:t>
+                </a:r>
+                <a14:m>
+                  <m:oMath xmlns:m="http://schemas.openxmlformats.org/officeDocument/2006/math">
+                    <m:r>
+                      <a:rPr lang="en-US" i="1">
+                        <a:latin typeface="Cambria Math" panose="02040503050406030204" pitchFamily="18" charset="0"/>
+                        <a:ea typeface="Cambria Math" panose="02040503050406030204" pitchFamily="18" charset="0"/>
+                      </a:rPr>
+                      <m:t>𝜏</m:t>
+                    </m:r>
+                  </m:oMath>
+                </a14:m>
+                <a:r>
+                  <a:rPr lang="en-US" dirty="0"/>
+                  <a:t>) peak spacing etc. with very high accuracy </a:t>
+                </a:r>
+              </a:p>
+              <a:p>
+                <a:endParaRPr lang="en-US" dirty="0"/>
+              </a:p>
+              <a:p>
+                <a:pPr marL="0" indent="0">
+                  <a:buFont typeface="Arial" panose="020B0604020202020204" pitchFamily="34" charset="0"/>
+                  <a:buNone/>
+                </a:pPr>
+                <a:endParaRPr lang="en-US" dirty="0"/>
+              </a:p>
+            </p:txBody>
+          </p:sp>
+        </mc:Choice>
+        <mc:Fallback>
+          <p:sp>
+            <p:nvSpPr>
+              <p:cNvPr id="7" name="Content Placeholder 2">
+                <a:extLst>
+                  <a:ext uri="{FF2B5EF4-FFF2-40B4-BE49-F238E27FC236}">
+                    <a16:creationId xmlns:a16="http://schemas.microsoft.com/office/drawing/2014/main" id="{44824597-CFCD-0CE1-BCF7-59FBB14CC19B}"/>
+                  </a:ext>
+                </a:extLst>
+              </p:cNvPr>
+              <p:cNvSpPr txBox="1">
+                <a:spLocks noRot="1" noChangeAspect="1" noMove="1" noResize="1" noEditPoints="1" noAdjustHandles="1" noChangeArrowheads="1" noChangeShapeType="1" noTextEdit="1"/>
+              </p:cNvSpPr>
+              <p:nvPr/>
+            </p:nvSpPr>
+            <p:spPr>
+              <a:xfrm>
+                <a:off x="259884" y="1870045"/>
+                <a:ext cx="4834631" cy="4351338"/>
+              </a:xfrm>
+              <a:prstGeom prst="rect">
+                <a:avLst/>
+              </a:prstGeom>
+              <a:blipFill>
+                <a:blip r:embed="rId3"/>
+                <a:stretch>
+                  <a:fillRect l="-2270" t="-2661" r="-2522"/>
+                </a:stretch>
+              </a:blipFill>
+            </p:spPr>
+            <p:txBody>
+              <a:bodyPr/>
+              <a:lstStyle/>
+              <a:p>
+                <a:r>
+                  <a:rPr lang="en-US">
+                    <a:noFill/>
+                  </a:rPr>
+                  <a:t> </a:t>
+                </a:r>
+              </a:p>
+            </p:txBody>
+          </p:sp>
+        </mc:Fallback>
+      </mc:AlternateContent>
       <p:sp>
         <p:nvSpPr>
           <p:cNvPr id="8" name="Title 1">
@@ -8705,7 +9429,7 @@
         </p:nvSpPr>
         <p:spPr>
           <a:xfrm>
-            <a:off x="1123499" y="274546"/>
+            <a:off x="1267499" y="274546"/>
             <a:ext cx="2819400" cy="1325563"/>
           </a:xfrm>
           <a:prstGeom prst="rect">
@@ -8738,7 +9462,7 @@
           <a:p>
             <a:r>
               <a:rPr lang="en-US" dirty="0"/>
-              <a:t>Wrap up /summary</a:t>
+              <a:t>Summary</a:t>
             </a:r>
           </a:p>
         </p:txBody>
@@ -8787,11 +9511,7 @@
                                           </p:stCondLst>
                                         </p:cTn>
                                         <p:tgtEl>
-                                          <p:spTgt spid="3">
-                                            <p:txEl>
-                                              <p:pRg st="0" end="0"/>
-                                            </p:txEl>
-                                          </p:spTgt>
+                                          <p:spTgt spid="8"/>
                                         </p:tgtEl>
                                         <p:attrNameLst>
                                           <p:attrName>style.visibility</p:attrName>
@@ -8836,9 +9556,9 @@
                                           </p:stCondLst>
                                         </p:cTn>
                                         <p:tgtEl>
-                                          <p:spTgt spid="3">
+                                          <p:spTgt spid="7">
                                             <p:txEl>
-                                              <p:pRg st="2" end="2"/>
+                                              <p:pRg st="0" end="0"/>
                                             </p:txEl>
                                           </p:spTgt>
                                         </p:tgtEl>
@@ -8885,9 +9605,9 @@
                                           </p:stCondLst>
                                         </p:cTn>
                                         <p:tgtEl>
-                                          <p:spTgt spid="3">
+                                          <p:spTgt spid="7">
                                             <p:txEl>
-                                              <p:pRg st="4" end="4"/>
+                                              <p:pRg st="1" end="1"/>
                                             </p:txEl>
                                           </p:spTgt>
                                         </p:tgtEl>
@@ -8921,7 +9641,7 @@
                             </p:stCondLst>
                             <p:childTnLst>
                               <p:par>
-                                <p:cTn id="17" presetID="1" presetClass="exit" presetSubtype="0" fill="hold" grpId="1" nodeType="clickEffect">
+                                <p:cTn id="17" presetID="1" presetClass="entr" presetSubtype="0" fill="hold" grpId="0" nodeType="clickEffect">
                                   <p:stCondLst>
                                     <p:cond delay="0"/>
                                   </p:stCondLst>
@@ -8929,278 +9649,6 @@
                                     <p:set>
                                       <p:cBhvr>
                                         <p:cTn id="18" dur="1" fill="hold">
-                                          <p:stCondLst>
-                                            <p:cond delay="0"/>
-                                          </p:stCondLst>
-                                        </p:cTn>
-                                        <p:tgtEl>
-                                          <p:spTgt spid="3">
-                                            <p:txEl>
-                                              <p:pRg st="0" end="0"/>
-                                            </p:txEl>
-                                          </p:spTgt>
-                                        </p:tgtEl>
-                                        <p:attrNameLst>
-                                          <p:attrName>style.visibility</p:attrName>
-                                        </p:attrNameLst>
-                                      </p:cBhvr>
-                                      <p:to>
-                                        <p:strVal val="hidden"/>
-                                      </p:to>
-                                    </p:set>
-                                  </p:childTnLst>
-                                </p:cTn>
-                              </p:par>
-                            </p:childTnLst>
-                          </p:cTn>
-                        </p:par>
-                      </p:childTnLst>
-                    </p:cTn>
-                  </p:par>
-                  <p:par>
-                    <p:cTn id="19" fill="hold">
-                      <p:stCondLst>
-                        <p:cond delay="indefinite"/>
-                      </p:stCondLst>
-                      <p:childTnLst>
-                        <p:par>
-                          <p:cTn id="20" fill="hold">
-                            <p:stCondLst>
-                              <p:cond delay="0"/>
-                            </p:stCondLst>
-                            <p:childTnLst>
-                              <p:par>
-                                <p:cTn id="21" presetID="1" presetClass="exit" presetSubtype="0" fill="hold" grpId="1" nodeType="clickEffect">
-                                  <p:stCondLst>
-                                    <p:cond delay="0"/>
-                                  </p:stCondLst>
-                                  <p:childTnLst>
-                                    <p:set>
-                                      <p:cBhvr>
-                                        <p:cTn id="22" dur="1" fill="hold">
-                                          <p:stCondLst>
-                                            <p:cond delay="0"/>
-                                          </p:stCondLst>
-                                        </p:cTn>
-                                        <p:tgtEl>
-                                          <p:spTgt spid="3">
-                                            <p:txEl>
-                                              <p:pRg st="2" end="2"/>
-                                            </p:txEl>
-                                          </p:spTgt>
-                                        </p:tgtEl>
-                                        <p:attrNameLst>
-                                          <p:attrName>style.visibility</p:attrName>
-                                        </p:attrNameLst>
-                                      </p:cBhvr>
-                                      <p:to>
-                                        <p:strVal val="hidden"/>
-                                      </p:to>
-                                    </p:set>
-                                  </p:childTnLst>
-                                </p:cTn>
-                              </p:par>
-                            </p:childTnLst>
-                          </p:cTn>
-                        </p:par>
-                      </p:childTnLst>
-                    </p:cTn>
-                  </p:par>
-                  <p:par>
-                    <p:cTn id="23" fill="hold">
-                      <p:stCondLst>
-                        <p:cond delay="indefinite"/>
-                      </p:stCondLst>
-                      <p:childTnLst>
-                        <p:par>
-                          <p:cTn id="24" fill="hold">
-                            <p:stCondLst>
-                              <p:cond delay="0"/>
-                            </p:stCondLst>
-                            <p:childTnLst>
-                              <p:par>
-                                <p:cTn id="25" presetID="1" presetClass="exit" presetSubtype="0" fill="hold" grpId="1" nodeType="clickEffect">
-                                  <p:stCondLst>
-                                    <p:cond delay="0"/>
-                                  </p:stCondLst>
-                                  <p:childTnLst>
-                                    <p:set>
-                                      <p:cBhvr>
-                                        <p:cTn id="26" dur="1" fill="hold">
-                                          <p:stCondLst>
-                                            <p:cond delay="0"/>
-                                          </p:stCondLst>
-                                        </p:cTn>
-                                        <p:tgtEl>
-                                          <p:spTgt spid="3">
-                                            <p:txEl>
-                                              <p:pRg st="4" end="4"/>
-                                            </p:txEl>
-                                          </p:spTgt>
-                                        </p:tgtEl>
-                                        <p:attrNameLst>
-                                          <p:attrName>style.visibility</p:attrName>
-                                        </p:attrNameLst>
-                                      </p:cBhvr>
-                                      <p:to>
-                                        <p:strVal val="hidden"/>
-                                      </p:to>
-                                    </p:set>
-                                  </p:childTnLst>
-                                </p:cTn>
-                              </p:par>
-                              <p:par>
-                                <p:cTn id="27" presetID="1" presetClass="exit" presetSubtype="0" fill="hold" grpId="0" nodeType="withEffect">
-                                  <p:stCondLst>
-                                    <p:cond delay="0"/>
-                                  </p:stCondLst>
-                                  <p:childTnLst>
-                                    <p:set>
-                                      <p:cBhvr>
-                                        <p:cTn id="28" dur="1" fill="hold">
-                                          <p:stCondLst>
-                                            <p:cond delay="0"/>
-                                          </p:stCondLst>
-                                        </p:cTn>
-                                        <p:tgtEl>
-                                          <p:spTgt spid="2"/>
-                                        </p:tgtEl>
-                                        <p:attrNameLst>
-                                          <p:attrName>style.visibility</p:attrName>
-                                        </p:attrNameLst>
-                                      </p:cBhvr>
-                                      <p:to>
-                                        <p:strVal val="hidden"/>
-                                      </p:to>
-                                    </p:set>
-                                  </p:childTnLst>
-                                </p:cTn>
-                              </p:par>
-                            </p:childTnLst>
-                          </p:cTn>
-                        </p:par>
-                      </p:childTnLst>
-                    </p:cTn>
-                  </p:par>
-                  <p:par>
-                    <p:cTn id="29" fill="hold">
-                      <p:stCondLst>
-                        <p:cond delay="indefinite"/>
-                      </p:stCondLst>
-                      <p:childTnLst>
-                        <p:par>
-                          <p:cTn id="30" fill="hold">
-                            <p:stCondLst>
-                              <p:cond delay="0"/>
-                            </p:stCondLst>
-                            <p:childTnLst>
-                              <p:par>
-                                <p:cTn id="31" presetID="1" presetClass="entr" presetSubtype="0" fill="hold" grpId="0" nodeType="clickEffect">
-                                  <p:stCondLst>
-                                    <p:cond delay="0"/>
-                                  </p:stCondLst>
-                                  <p:childTnLst>
-                                    <p:set>
-                                      <p:cBhvr>
-                                        <p:cTn id="32" dur="1" fill="hold">
-                                          <p:stCondLst>
-                                            <p:cond delay="0"/>
-                                          </p:stCondLst>
-                                        </p:cTn>
-                                        <p:tgtEl>
-                                          <p:spTgt spid="7">
-                                            <p:txEl>
-                                              <p:pRg st="0" end="0"/>
-                                            </p:txEl>
-                                          </p:spTgt>
-                                        </p:tgtEl>
-                                        <p:attrNameLst>
-                                          <p:attrName>style.visibility</p:attrName>
-                                        </p:attrNameLst>
-                                      </p:cBhvr>
-                                      <p:to>
-                                        <p:strVal val="visible"/>
-                                      </p:to>
-                                    </p:set>
-                                  </p:childTnLst>
-                                </p:cTn>
-                              </p:par>
-                            </p:childTnLst>
-                          </p:cTn>
-                        </p:par>
-                      </p:childTnLst>
-                    </p:cTn>
-                  </p:par>
-                  <p:par>
-                    <p:cTn id="33" fill="hold">
-                      <p:stCondLst>
-                        <p:cond delay="indefinite"/>
-                      </p:stCondLst>
-                      <p:childTnLst>
-                        <p:par>
-                          <p:cTn id="34" fill="hold">
-                            <p:stCondLst>
-                              <p:cond delay="0"/>
-                            </p:stCondLst>
-                            <p:childTnLst>
-                              <p:par>
-                                <p:cTn id="35" presetID="1" presetClass="entr" presetSubtype="0" fill="hold" grpId="0" nodeType="clickEffect">
-                                  <p:stCondLst>
-                                    <p:cond delay="0"/>
-                                  </p:stCondLst>
-                                  <p:childTnLst>
-                                    <p:set>
-                                      <p:cBhvr>
-                                        <p:cTn id="36" dur="1" fill="hold">
-                                          <p:stCondLst>
-                                            <p:cond delay="0"/>
-                                          </p:stCondLst>
-                                        </p:cTn>
-                                        <p:tgtEl>
-                                          <p:spTgt spid="7">
-                                            <p:txEl>
-                                              <p:pRg st="1" end="1"/>
-                                            </p:txEl>
-                                          </p:spTgt>
-                                        </p:tgtEl>
-                                        <p:attrNameLst>
-                                          <p:attrName>style.visibility</p:attrName>
-                                        </p:attrNameLst>
-                                      </p:cBhvr>
-                                      <p:to>
-                                        <p:strVal val="visible"/>
-                                      </p:to>
-                                    </p:set>
-                                  </p:childTnLst>
-                                </p:cTn>
-                              </p:par>
-                            </p:childTnLst>
-                          </p:cTn>
-                        </p:par>
-                      </p:childTnLst>
-                    </p:cTn>
-                  </p:par>
-                  <p:par>
-                    <p:cTn id="37" fill="hold">
-                      <p:stCondLst>
-                        <p:cond delay="indefinite"/>
-                      </p:stCondLst>
-                      <p:childTnLst>
-                        <p:par>
-                          <p:cTn id="38" fill="hold">
-                            <p:stCondLst>
-                              <p:cond delay="0"/>
-                            </p:stCondLst>
-                            <p:childTnLst>
-                              <p:par>
-                                <p:cTn id="39" presetID="1" presetClass="entr" presetSubtype="0" fill="hold" grpId="0" nodeType="clickEffect">
-                                  <p:stCondLst>
-                                    <p:cond delay="0"/>
-                                  </p:stCondLst>
-                                  <p:childTnLst>
-                                    <p:set>
-                                      <p:cBhvr>
-                                        <p:cTn id="40" dur="1" fill="hold">
                                           <p:stCondLst>
                                             <p:cond delay="0"/>
                                           </p:stCondLst>
@@ -9230,26 +9678,26 @@
                     </p:cTn>
                   </p:par>
                   <p:par>
-                    <p:cTn id="41" fill="hold">
+                    <p:cTn id="19" fill="hold">
                       <p:stCondLst>
                         <p:cond delay="indefinite"/>
                       </p:stCondLst>
                       <p:childTnLst>
                         <p:par>
-                          <p:cTn id="42" fill="hold">
+                          <p:cTn id="20" fill="hold">
                             <p:stCondLst>
                               <p:cond delay="0"/>
                             </p:stCondLst>
                             <p:childTnLst>
                               <p:par>
-                                <p:cTn id="43" presetID="1" presetClass="entr" presetSubtype="0" fill="hold" grpId="0" nodeType="clickEffect">
+                                <p:cTn id="21" presetID="1" presetClass="entr" presetSubtype="0" fill="hold" grpId="0" nodeType="clickEffect">
                                   <p:stCondLst>
                                     <p:cond delay="0"/>
                                   </p:stCondLst>
                                   <p:childTnLst>
                                     <p:set>
                                       <p:cBhvr>
-                                        <p:cTn id="44" dur="1" fill="hold">
+                                        <p:cTn id="22" dur="1" fill="hold">
                                           <p:stCondLst>
                                             <p:cond delay="0"/>
                                           </p:stCondLst>
@@ -9279,43 +9727,39 @@
                     </p:cTn>
                   </p:par>
                   <p:par>
-                    <p:cTn id="45" fill="hold">
+                    <p:cTn id="23" fill="hold">
                       <p:stCondLst>
                         <p:cond delay="indefinite"/>
                       </p:stCondLst>
                       <p:childTnLst>
                         <p:par>
-                          <p:cTn id="46" fill="hold">
+                          <p:cTn id="24" fill="hold">
                             <p:stCondLst>
                               <p:cond delay="0"/>
                             </p:stCondLst>
                             <p:childTnLst>
                               <p:par>
-                                <p:cTn id="47" presetID="1" presetClass="exit" presetSubtype="0" fill="hold" grpId="1" nodeType="clickEffect">
+                                <p:cTn id="25" presetID="1" presetClass="entr" presetSubtype="0" fill="hold" grpId="0" nodeType="clickEffect">
                                   <p:stCondLst>
                                     <p:cond delay="0"/>
                                   </p:stCondLst>
                                   <p:childTnLst>
                                     <p:set>
                                       <p:cBhvr>
-                                        <p:cTn id="48" dur="1" fill="hold">
+                                        <p:cTn id="26" dur="1" fill="hold">
                                           <p:stCondLst>
                                             <p:cond delay="0"/>
                                           </p:stCondLst>
                                         </p:cTn>
                                         <p:tgtEl>
-                                          <p:spTgt spid="7">
-                                            <p:txEl>
-                                              <p:pRg st="0" end="0"/>
-                                            </p:txEl>
-                                          </p:spTgt>
+                                          <p:spTgt spid="2"/>
                                         </p:tgtEl>
                                         <p:attrNameLst>
                                           <p:attrName>style.visibility</p:attrName>
                                         </p:attrNameLst>
                                       </p:cBhvr>
                                       <p:to>
-                                        <p:strVal val="hidden"/>
+                                        <p:strVal val="visible"/>
                                       </p:to>
                                     </p:set>
                                   </p:childTnLst>
@@ -9328,34 +9772,34 @@
                     </p:cTn>
                   </p:par>
                   <p:par>
-                    <p:cTn id="49" fill="hold">
+                    <p:cTn id="27" fill="hold">
                       <p:stCondLst>
                         <p:cond delay="indefinite"/>
                       </p:stCondLst>
                       <p:childTnLst>
                         <p:par>
-                          <p:cTn id="50" fill="hold">
+                          <p:cTn id="28" fill="hold">
                             <p:stCondLst>
                               <p:cond delay="0"/>
                             </p:stCondLst>
                             <p:childTnLst>
                               <p:par>
-                                <p:cTn id="51" presetID="1" presetClass="exit" presetSubtype="0" fill="hold" grpId="1" nodeType="clickEffect">
+                                <p:cTn id="29" presetID="1" presetClass="entr" presetSubtype="0" fill="hold" grpId="0" nodeType="clickEffect">
                                   <p:stCondLst>
                                     <p:cond delay="0"/>
                                   </p:stCondLst>
                                   <p:childTnLst>
                                     <p:set>
                                       <p:cBhvr>
-                                        <p:cTn id="52" dur="1" fill="hold">
+                                        <p:cTn id="30" dur="1" fill="hold">
                                           <p:stCondLst>
                                             <p:cond delay="0"/>
                                           </p:stCondLst>
                                         </p:cTn>
                                         <p:tgtEl>
-                                          <p:spTgt spid="7">
+                                          <p:spTgt spid="3">
                                             <p:txEl>
-                                              <p:pRg st="1" end="1"/>
+                                              <p:pRg st="0" end="0"/>
                                             </p:txEl>
                                           </p:spTgt>
                                         </p:tgtEl>
@@ -9364,7 +9808,7 @@
                                         </p:attrNameLst>
                                       </p:cBhvr>
                                       <p:to>
-                                        <p:strVal val="hidden"/>
+                                        <p:strVal val="visible"/>
                                       </p:to>
                                     </p:set>
                                   </p:childTnLst>
@@ -9377,32 +9821,32 @@
                     </p:cTn>
                   </p:par>
                   <p:par>
-                    <p:cTn id="53" fill="hold">
+                    <p:cTn id="31" fill="hold">
                       <p:stCondLst>
                         <p:cond delay="indefinite"/>
                       </p:stCondLst>
                       <p:childTnLst>
                         <p:par>
-                          <p:cTn id="54" fill="hold">
+                          <p:cTn id="32" fill="hold">
                             <p:stCondLst>
                               <p:cond delay="0"/>
                             </p:stCondLst>
                             <p:childTnLst>
                               <p:par>
-                                <p:cTn id="55" presetID="1" presetClass="exit" presetSubtype="0" fill="hold" grpId="1" nodeType="clickEffect">
+                                <p:cTn id="33" presetID="1" presetClass="entr" presetSubtype="0" fill="hold" grpId="0" nodeType="clickEffect">
                                   <p:stCondLst>
                                     <p:cond delay="0"/>
                                   </p:stCondLst>
                                   <p:childTnLst>
                                     <p:set>
                                       <p:cBhvr>
-                                        <p:cTn id="56" dur="1" fill="hold">
+                                        <p:cTn id="34" dur="1" fill="hold">
                                           <p:stCondLst>
                                             <p:cond delay="0"/>
                                           </p:stCondLst>
                                         </p:cTn>
                                         <p:tgtEl>
-                                          <p:spTgt spid="7">
+                                          <p:spTgt spid="3">
                                             <p:txEl>
                                               <p:pRg st="2" end="2"/>
                                             </p:txEl>
@@ -9413,7 +9857,7 @@
                                         </p:attrNameLst>
                                       </p:cBhvr>
                                       <p:to>
-                                        <p:strVal val="hidden"/>
+                                        <p:strVal val="visible"/>
                                       </p:to>
                                     </p:set>
                                   </p:childTnLst>
@@ -9426,34 +9870,34 @@
                     </p:cTn>
                   </p:par>
                   <p:par>
-                    <p:cTn id="57" fill="hold">
+                    <p:cTn id="35" fill="hold">
                       <p:stCondLst>
                         <p:cond delay="indefinite"/>
                       </p:stCondLst>
                       <p:childTnLst>
                         <p:par>
-                          <p:cTn id="58" fill="hold">
+                          <p:cTn id="36" fill="hold">
                             <p:stCondLst>
                               <p:cond delay="0"/>
                             </p:stCondLst>
                             <p:childTnLst>
                               <p:par>
-                                <p:cTn id="59" presetID="1" presetClass="exit" presetSubtype="0" fill="hold" grpId="1" nodeType="clickEffect">
+                                <p:cTn id="37" presetID="1" presetClass="entr" presetSubtype="0" fill="hold" grpId="0" nodeType="clickEffect">
                                   <p:stCondLst>
                                     <p:cond delay="0"/>
                                   </p:stCondLst>
                                   <p:childTnLst>
                                     <p:set>
                                       <p:cBhvr>
-                                        <p:cTn id="60" dur="1" fill="hold">
+                                        <p:cTn id="38" dur="1" fill="hold">
                                           <p:stCondLst>
                                             <p:cond delay="0"/>
                                           </p:stCondLst>
                                         </p:cTn>
                                         <p:tgtEl>
-                                          <p:spTgt spid="7">
+                                          <p:spTgt spid="3">
                                             <p:txEl>
-                                              <p:pRg st="3" end="3"/>
+                                              <p:pRg st="4" end="4"/>
                                             </p:txEl>
                                           </p:spTgt>
                                         </p:tgtEl>
@@ -9462,34 +9906,7 @@
                                         </p:attrNameLst>
                                       </p:cBhvr>
                                       <p:to>
-                                        <p:strVal val="hidden"/>
-                                      </p:to>
-                                    </p:set>
-                                  </p:childTnLst>
-                                </p:cTn>
-                              </p:par>
-                              <p:par>
-                                <p:cTn id="61" presetID="1" presetClass="exit" presetSubtype="0" fill="hold" grpId="0" nodeType="withEffect">
-                                  <p:stCondLst>
-                                    <p:cond delay="0"/>
-                                  </p:stCondLst>
-                                  <p:childTnLst>
-                                    <p:set>
-                                      <p:cBhvr>
-                                        <p:cTn id="62" dur="1" fill="hold">
-                                          <p:stCondLst>
-                                            <p:cond delay="0"/>
-                                          </p:stCondLst>
-                                        </p:cTn>
-                                        <p:tgtEl>
-                                          <p:spTgt spid="8"/>
-                                        </p:tgtEl>
-                                        <p:attrNameLst>
-                                          <p:attrName>style.visibility</p:attrName>
-                                        </p:attrNameLst>
-                                      </p:cBhvr>
-                                      <p:to>
-                                        <p:strVal val="hidden"/>
+                                        <p:strVal val="visible"/>
                                       </p:to>
                                     </p:set>
                                   </p:childTnLst>
@@ -9525,9 +9942,7 @@
     <p:bldLst>
       <p:bldP spid="2" grpId="0"/>
       <p:bldP spid="3" grpId="0" build="p"/>
-      <p:bldP spid="3" grpId="1" build="p"/>
       <p:bldP spid="7" grpId="0" build="p"/>
-      <p:bldP spid="7" grpId="1" build="p"/>
       <p:bldP spid="8" grpId="0"/>
     </p:bldLst>
   </p:timing>
@@ -9737,7 +10152,7 @@
 </p:sld>
 </file>
 
-<file path=ppt/slides/slide15.xml><?xml version="1.0" encoding="utf-8"?>
+<file path=ppt/slides/slide2.xml><?xml version="1.0" encoding="utf-8"?>
 <p:sld xmlns:a="http://schemas.openxmlformats.org/drawingml/2006/main" xmlns:r="http://schemas.openxmlformats.org/officeDocument/2006/relationships" xmlns:p="http://schemas.openxmlformats.org/presentationml/2006/main">
   <p:cSld>
     <p:spTree>
@@ -9759,7 +10174,7 @@
           <p:cNvPr id="2" name="Title 1">
             <a:extLst>
               <a:ext uri="{FF2B5EF4-FFF2-40B4-BE49-F238E27FC236}">
-                <a16:creationId xmlns:a16="http://schemas.microsoft.com/office/drawing/2014/main" id="{5C61AE8B-902C-4F91-A39E-8CE7443E581C}"/>
+                <a16:creationId xmlns:a16="http://schemas.microsoft.com/office/drawing/2014/main" id="{C457E95B-7238-47BD-8B50-5D704CBBAFAA}"/>
               </a:ext>
             </a:extLst>
           </p:cNvPr>
@@ -9767,27 +10182,34 @@
             <a:spLocks noGrp="1"/>
           </p:cNvSpPr>
           <p:nvPr>
-            <p:ph type="title"/>
+            <p:ph type="ctrTitle"/>
           </p:nvPr>
         </p:nvSpPr>
-        <p:spPr/>
+        <p:spPr>
+          <a:xfrm>
+            <a:off x="1524000" y="154730"/>
+            <a:ext cx="9144000" cy="2387600"/>
+          </a:xfrm>
+        </p:spPr>
         <p:txBody>
-          <a:bodyPr/>
+          <a:bodyPr>
+            <a:normAutofit/>
+          </a:bodyPr>
           <a:lstStyle/>
           <a:p>
             <a:r>
-              <a:rPr lang="en-US" dirty="0"/>
-              <a:t>How is carried out the Error Propagation ?</a:t>
+              <a:rPr lang="en-US" sz="6500" dirty="0"/>
+              <a:t>The effect of temporal jitter on single photon indistinguishability</a:t>
             </a:r>
           </a:p>
         </p:txBody>
       </p:sp>
       <p:sp>
         <p:nvSpPr>
-          <p:cNvPr id="3" name="Content Placeholder 2">
+          <p:cNvPr id="3" name="Subtitle 2">
             <a:extLst>
               <a:ext uri="{FF2B5EF4-FFF2-40B4-BE49-F238E27FC236}">
-                <a16:creationId xmlns:a16="http://schemas.microsoft.com/office/drawing/2014/main" id="{BA6DC2C9-6A81-405C-B58E-FF81E429FE25}"/>
+                <a16:creationId xmlns:a16="http://schemas.microsoft.com/office/drawing/2014/main" id="{42E248FD-C961-4849-88D4-438B8E81A03A}"/>
               </a:ext>
             </a:extLst>
           </p:cNvPr>
@@ -9795,514 +10217,65 @@
             <a:spLocks noGrp="1"/>
           </p:cNvSpPr>
           <p:nvPr>
-            <p:ph idx="1"/>
+            <p:ph type="subTitle" idx="1"/>
           </p:nvPr>
         </p:nvSpPr>
-        <p:spPr/>
+        <p:spPr>
+          <a:xfrm>
+            <a:off x="1523998" y="3048365"/>
+            <a:ext cx="9144000" cy="461963"/>
+          </a:xfrm>
+        </p:spPr>
         <p:txBody>
           <a:bodyPr/>
           <a:lstStyle/>
           <a:p>
-            <a:endParaRPr lang="en-US" dirty="0"/>
+            <a:r>
+              <a:rPr lang="en-US" dirty="0"/>
+              <a:t>Andrea Maccarinelli 5/16/2025</a:t>
+            </a:r>
           </a:p>
         </p:txBody>
       </p:sp>
-      <p:sp>
-        <p:nvSpPr>
-          <p:cNvPr id="4" name="Date Placeholder 3">
+      <p:pic>
+        <p:nvPicPr>
+          <p:cNvPr id="5" name="Picture 4">
             <a:extLst>
               <a:ext uri="{FF2B5EF4-FFF2-40B4-BE49-F238E27FC236}">
-                <a16:creationId xmlns:a16="http://schemas.microsoft.com/office/drawing/2014/main" id="{39D4F003-B08A-47D2-891D-DD675C8B6112}"/>
-              </a:ext>
-            </a:extLst>
-          </p:cNvPr>
-          <p:cNvSpPr>
-            <a:spLocks noGrp="1"/>
-          </p:cNvSpPr>
-          <p:nvPr>
-            <p:ph type="dt" sz="half" idx="10"/>
-          </p:nvPr>
-        </p:nvSpPr>
-        <p:spPr/>
-        <p:txBody>
-          <a:bodyPr/>
-          <a:lstStyle/>
-          <a:p>
-            <a:r>
-              <a:rPr lang="en-US"/>
-              <a:t>5/16/2025</a:t>
-            </a:r>
-          </a:p>
-        </p:txBody>
-      </p:sp>
-      <p:sp>
-        <p:nvSpPr>
-          <p:cNvPr id="5" name="Footer Placeholder 4">
-            <a:extLst>
-              <a:ext uri="{FF2B5EF4-FFF2-40B4-BE49-F238E27FC236}">
-                <a16:creationId xmlns:a16="http://schemas.microsoft.com/office/drawing/2014/main" id="{48C4DAD9-503B-4BA4-A525-E28339A288B1}"/>
-              </a:ext>
-            </a:extLst>
-          </p:cNvPr>
-          <p:cNvSpPr>
-            <a:spLocks noGrp="1"/>
-          </p:cNvSpPr>
-          <p:nvPr>
-            <p:ph type="ftr" sz="quarter" idx="11"/>
-          </p:nvPr>
-        </p:nvSpPr>
-        <p:spPr/>
-        <p:txBody>
-          <a:bodyPr/>
-          <a:lstStyle/>
-          <a:p>
-            <a:r>
-              <a:rPr lang="en-US"/>
-              <a:t>Andrea Maccarinelli </a:t>
-            </a:r>
-          </a:p>
-        </p:txBody>
-      </p:sp>
-      <p:sp>
-        <p:nvSpPr>
-          <p:cNvPr id="6" name="Slide Number Placeholder 5">
-            <a:extLst>
-              <a:ext uri="{FF2B5EF4-FFF2-40B4-BE49-F238E27FC236}">
-                <a16:creationId xmlns:a16="http://schemas.microsoft.com/office/drawing/2014/main" id="{89356E5D-7A54-4E02-9619-67814FCD80A8}"/>
-              </a:ext>
-            </a:extLst>
-          </p:cNvPr>
-          <p:cNvSpPr>
-            <a:spLocks noGrp="1"/>
-          </p:cNvSpPr>
-          <p:nvPr>
-            <p:ph type="sldNum" sz="quarter" idx="12"/>
-          </p:nvPr>
-        </p:nvSpPr>
-        <p:spPr/>
-        <p:txBody>
-          <a:bodyPr/>
-          <a:lstStyle/>
-          <a:p>
-            <a:fld id="{FE39BC62-9EE5-48A8-B4F4-3A999EDF6DA3}" type="slidenum">
-              <a:rPr lang="en-US" smtClean="0"/>
-              <a:t>15</a:t>
-            </a:fld>
-            <a:endParaRPr lang="en-US"/>
-          </a:p>
-        </p:txBody>
-      </p:sp>
-    </p:spTree>
-    <p:extLst>
-      <p:ext uri="{BB962C8B-B14F-4D97-AF65-F5344CB8AC3E}">
-        <p14:creationId xmlns:p14="http://schemas.microsoft.com/office/powerpoint/2010/main" val="643876222"/>
-      </p:ext>
-    </p:extLst>
-  </p:cSld>
-  <p:clrMapOvr>
-    <a:masterClrMapping/>
-  </p:clrMapOvr>
-</p:sld>
-</file>
-
-<file path=ppt/slides/slide2.xml><?xml version="1.0" encoding="utf-8"?>
-<p:sld xmlns:a="http://schemas.openxmlformats.org/drawingml/2006/main" xmlns:r="http://schemas.openxmlformats.org/officeDocument/2006/relationships" xmlns:p="http://schemas.openxmlformats.org/presentationml/2006/main">
-  <p:cSld>
-    <p:spTree>
-      <p:nvGrpSpPr>
-        <p:cNvPr id="1" name=""/>
-        <p:cNvGrpSpPr/>
-        <p:nvPr/>
-      </p:nvGrpSpPr>
-      <p:grpSpPr>
-        <a:xfrm>
-          <a:off x="0" y="0"/>
-          <a:ext cx="0" cy="0"/>
-          <a:chOff x="0" y="0"/>
-          <a:chExt cx="0" cy="0"/>
-        </a:xfrm>
-      </p:grpSpPr>
-      <p:pic>
-        <p:nvPicPr>
-          <p:cNvPr id="9" name="Content Placeholder 8">
-            <a:extLst>
-              <a:ext uri="{FF2B5EF4-FFF2-40B4-BE49-F238E27FC236}">
-                <a16:creationId xmlns:a16="http://schemas.microsoft.com/office/drawing/2014/main" id="{47B0FA15-EC6F-4DD0-B15F-0AA49AC20B36}"/>
+                <a16:creationId xmlns:a16="http://schemas.microsoft.com/office/drawing/2014/main" id="{246311EB-2F5D-46A8-A178-44E4A31B9A37}"/>
               </a:ext>
             </a:extLst>
           </p:cNvPr>
           <p:cNvPicPr>
-            <a:picLocks noGrp="1" noChangeAspect="1"/>
+            <a:picLocks noChangeAspect="1"/>
           </p:cNvPicPr>
-          <p:nvPr>
-            <p:ph idx="1"/>
-          </p:nvPr>
+          <p:nvPr/>
         </p:nvPicPr>
         <p:blipFill rotWithShape="1">
-          <a:blip r:embed="rId3"/>
-          <a:srcRect r="3089" b="5417"/>
+          <a:blip r:embed="rId3">
+            <a:extLst>
+              <a:ext uri="{28A0092B-C50C-407E-A947-70E740481C1C}">
+                <a14:useLocalDpi xmlns:a14="http://schemas.microsoft.com/office/drawing/2010/main" val="0"/>
+              </a:ext>
+            </a:extLst>
+          </a:blip>
+          <a:srcRect t="17357"/>
           <a:stretch/>
         </p:blipFill>
         <p:spPr>
           <a:xfrm>
-            <a:off x="5174865" y="1690029"/>
-            <a:ext cx="1842267" cy="2265027"/>
+            <a:off x="2438390" y="3429000"/>
+            <a:ext cx="7315215" cy="3562798"/>
           </a:xfrm>
           <a:prstGeom prst="rect">
             <a:avLst/>
           </a:prstGeom>
         </p:spPr>
       </p:pic>
-      <p:sp>
-        <p:nvSpPr>
-          <p:cNvPr id="4" name="Date Placeholder 3">
-            <a:extLst>
-              <a:ext uri="{FF2B5EF4-FFF2-40B4-BE49-F238E27FC236}">
-                <a16:creationId xmlns:a16="http://schemas.microsoft.com/office/drawing/2014/main" id="{8ED2433C-513A-46C8-B54D-830186441688}"/>
-              </a:ext>
-            </a:extLst>
-          </p:cNvPr>
-          <p:cNvSpPr>
-            <a:spLocks noGrp="1"/>
-          </p:cNvSpPr>
-          <p:nvPr>
-            <p:ph type="dt" sz="half" idx="10"/>
-          </p:nvPr>
-        </p:nvSpPr>
-        <p:spPr/>
-        <p:txBody>
-          <a:bodyPr/>
-          <a:lstStyle/>
-          <a:p>
-            <a:r>
-              <a:rPr lang="en-US" dirty="0"/>
-              <a:t>5/16/2025</a:t>
-            </a:r>
-          </a:p>
-        </p:txBody>
-      </p:sp>
-      <p:sp>
-        <p:nvSpPr>
-          <p:cNvPr id="5" name="Footer Placeholder 4">
-            <a:extLst>
-              <a:ext uri="{FF2B5EF4-FFF2-40B4-BE49-F238E27FC236}">
-                <a16:creationId xmlns:a16="http://schemas.microsoft.com/office/drawing/2014/main" id="{4C0F7DB6-6641-4122-A636-B2EAA06CFEA5}"/>
-              </a:ext>
-            </a:extLst>
-          </p:cNvPr>
-          <p:cNvSpPr>
-            <a:spLocks noGrp="1"/>
-          </p:cNvSpPr>
-          <p:nvPr>
-            <p:ph type="ftr" sz="quarter" idx="11"/>
-          </p:nvPr>
-        </p:nvSpPr>
-        <p:spPr/>
-        <p:txBody>
-          <a:bodyPr/>
-          <a:lstStyle/>
-          <a:p>
-            <a:r>
-              <a:rPr lang="en-US" dirty="0"/>
-              <a:t>Andrea Maccarinelli </a:t>
-            </a:r>
-          </a:p>
-        </p:txBody>
-      </p:sp>
-      <p:sp>
-        <p:nvSpPr>
-          <p:cNvPr id="6" name="Slide Number Placeholder 5">
-            <a:extLst>
-              <a:ext uri="{FF2B5EF4-FFF2-40B4-BE49-F238E27FC236}">
-                <a16:creationId xmlns:a16="http://schemas.microsoft.com/office/drawing/2014/main" id="{17E7F11B-E41D-4552-9157-F0ED03E257DB}"/>
-              </a:ext>
-            </a:extLst>
-          </p:cNvPr>
-          <p:cNvSpPr>
-            <a:spLocks noGrp="1"/>
-          </p:cNvSpPr>
-          <p:nvPr>
-            <p:ph type="sldNum" sz="quarter" idx="12"/>
-          </p:nvPr>
-        </p:nvSpPr>
-        <p:spPr/>
-        <p:txBody>
-          <a:bodyPr/>
-          <a:lstStyle/>
-          <a:p>
-            <a:fld id="{FE39BC62-9EE5-48A8-B4F4-3A999EDF6DA3}" type="slidenum">
-              <a:rPr lang="en-US" smtClean="0"/>
-              <a:t>2</a:t>
-            </a:fld>
-            <a:endParaRPr lang="en-US" dirty="0"/>
-          </a:p>
-        </p:txBody>
-      </p:sp>
-      <p:grpSp>
-        <p:nvGrpSpPr>
-          <p:cNvPr id="13" name="Group 12">
-            <a:extLst>
-              <a:ext uri="{FF2B5EF4-FFF2-40B4-BE49-F238E27FC236}">
-                <a16:creationId xmlns:a16="http://schemas.microsoft.com/office/drawing/2014/main" id="{09A73468-A0E1-41FA-AAF0-2D61BEE96829}"/>
-              </a:ext>
-            </a:extLst>
-          </p:cNvPr>
-          <p:cNvGrpSpPr/>
-          <p:nvPr/>
-        </p:nvGrpSpPr>
-        <p:grpSpPr>
-          <a:xfrm>
-            <a:off x="1739136" y="1696322"/>
-            <a:ext cx="1842267" cy="3465356"/>
-            <a:chOff x="5174866" y="2296485"/>
-            <a:chExt cx="1842267" cy="3465356"/>
-          </a:xfrm>
-        </p:grpSpPr>
-        <p:pic>
-          <p:nvPicPr>
-            <p:cNvPr id="10" name="Picture 9">
-              <a:extLst>
-                <a:ext uri="{FF2B5EF4-FFF2-40B4-BE49-F238E27FC236}">
-                  <a16:creationId xmlns:a16="http://schemas.microsoft.com/office/drawing/2014/main" id="{783418C5-5719-44DC-98DB-A7E4A3353608}"/>
-                </a:ext>
-              </a:extLst>
-            </p:cNvPr>
-            <p:cNvPicPr>
-              <a:picLocks noChangeAspect="1"/>
-            </p:cNvPicPr>
-            <p:nvPr/>
-          </p:nvPicPr>
-          <p:blipFill rotWithShape="1">
-            <a:blip r:embed="rId4"/>
-            <a:srcRect b="3294"/>
-            <a:stretch/>
-          </p:blipFill>
-          <p:spPr>
-            <a:xfrm>
-              <a:off x="5174866" y="2296485"/>
-              <a:ext cx="1842267" cy="2265027"/>
-            </a:xfrm>
-            <a:prstGeom prst="rect">
-              <a:avLst/>
-            </a:prstGeom>
-          </p:spPr>
-        </p:pic>
-        <p:sp>
-          <p:nvSpPr>
-            <p:cNvPr id="12" name="TextBox 11">
-              <a:extLst>
-                <a:ext uri="{FF2B5EF4-FFF2-40B4-BE49-F238E27FC236}">
-                  <a16:creationId xmlns:a16="http://schemas.microsoft.com/office/drawing/2014/main" id="{B85B58FA-07A1-401A-988F-D43178D9B6C6}"/>
-                </a:ext>
-              </a:extLst>
-            </p:cNvPr>
-            <p:cNvSpPr txBox="1"/>
-            <p:nvPr/>
-          </p:nvSpPr>
-          <p:spPr>
-            <a:xfrm>
-              <a:off x="5174866" y="4561512"/>
-              <a:ext cx="1842267" cy="1200329"/>
-            </a:xfrm>
-            <a:prstGeom prst="rect">
-              <a:avLst/>
-            </a:prstGeom>
-            <a:noFill/>
-          </p:spPr>
-          <p:txBody>
-            <a:bodyPr wrap="square" rtlCol="0">
-              <a:spAutoFit/>
-            </a:bodyPr>
-            <a:lstStyle/>
-            <a:p>
-              <a:r>
-                <a:rPr lang="en-US" dirty="0"/>
-                <a:t>Daily </a:t>
-              </a:r>
-              <a:br>
-                <a:rPr lang="en-US" dirty="0"/>
-              </a:br>
-              <a:r>
-                <a:rPr lang="en-US" dirty="0"/>
-                <a:t>Supervisor:</a:t>
-              </a:r>
-            </a:p>
-            <a:p>
-              <a:r>
-                <a:rPr lang="en-US" dirty="0"/>
-                <a:t>Mio </a:t>
-              </a:r>
-              <a:r>
-                <a:rPr lang="en-US" dirty="0" err="1"/>
-                <a:t>Poortvliet</a:t>
-              </a:r>
-              <a:br>
-                <a:rPr lang="en-US" dirty="0"/>
-              </a:br>
-              <a:endParaRPr lang="en-US" dirty="0"/>
-            </a:p>
-          </p:txBody>
-        </p:sp>
-      </p:grpSp>
-      <p:sp>
-        <p:nvSpPr>
-          <p:cNvPr id="14" name="TextBox 13">
-            <a:extLst>
-              <a:ext uri="{FF2B5EF4-FFF2-40B4-BE49-F238E27FC236}">
-                <a16:creationId xmlns:a16="http://schemas.microsoft.com/office/drawing/2014/main" id="{060DB178-4F29-43F0-9619-2DB3E6635144}"/>
-              </a:ext>
-            </a:extLst>
-          </p:cNvPr>
-          <p:cNvSpPr txBox="1"/>
-          <p:nvPr/>
-        </p:nvSpPr>
-        <p:spPr>
-          <a:xfrm>
-            <a:off x="5174866" y="3955057"/>
-            <a:ext cx="1842266" cy="1200329"/>
-          </a:xfrm>
-          <a:prstGeom prst="rect">
-            <a:avLst/>
-          </a:prstGeom>
-          <a:noFill/>
-        </p:spPr>
-        <p:txBody>
-          <a:bodyPr wrap="square" rtlCol="0">
-            <a:spAutoFit/>
-          </a:bodyPr>
-          <a:lstStyle/>
-          <a:p>
-            <a:r>
-              <a:rPr lang="en-US" dirty="0"/>
-              <a:t>Main Supervisor:</a:t>
-            </a:r>
-            <a:br>
-              <a:rPr lang="en-US" dirty="0"/>
-            </a:br>
-            <a:r>
-              <a:rPr lang="en-US" dirty="0"/>
-              <a:t>Dr. Wolfgang </a:t>
-            </a:r>
-            <a:r>
-              <a:rPr lang="en-US" dirty="0" err="1"/>
-              <a:t>Löffler</a:t>
-            </a:r>
-            <a:endParaRPr lang="en-US" dirty="0"/>
-          </a:p>
-        </p:txBody>
-      </p:sp>
-      <p:grpSp>
-        <p:nvGrpSpPr>
-          <p:cNvPr id="16" name="Group 15">
-            <a:extLst>
-              <a:ext uri="{FF2B5EF4-FFF2-40B4-BE49-F238E27FC236}">
-                <a16:creationId xmlns:a16="http://schemas.microsoft.com/office/drawing/2014/main" id="{7AF6A817-76DB-422B-BCF7-F576607CD764}"/>
-              </a:ext>
-            </a:extLst>
-          </p:cNvPr>
-          <p:cNvGrpSpPr/>
-          <p:nvPr/>
-        </p:nvGrpSpPr>
-        <p:grpSpPr>
-          <a:xfrm>
-            <a:off x="8610597" y="1690029"/>
-            <a:ext cx="1842267" cy="3742355"/>
-            <a:chOff x="8610597" y="1690029"/>
-            <a:chExt cx="1842267" cy="3742355"/>
-          </a:xfrm>
-        </p:grpSpPr>
-        <p:pic>
-          <p:nvPicPr>
-            <p:cNvPr id="11" name="Picture 10">
-              <a:extLst>
-                <a:ext uri="{FF2B5EF4-FFF2-40B4-BE49-F238E27FC236}">
-                  <a16:creationId xmlns:a16="http://schemas.microsoft.com/office/drawing/2014/main" id="{1B7181BA-6D39-4A83-B290-DD9A7A3E035F}"/>
-                </a:ext>
-              </a:extLst>
-            </p:cNvPr>
-            <p:cNvPicPr>
-              <a:picLocks noChangeAspect="1"/>
-            </p:cNvPicPr>
-            <p:nvPr/>
-          </p:nvPicPr>
-          <p:blipFill rotWithShape="1">
-            <a:blip r:embed="rId5"/>
-            <a:srcRect r="3787" b="4127"/>
-            <a:stretch/>
-          </p:blipFill>
-          <p:spPr>
-            <a:xfrm>
-              <a:off x="8610597" y="1690029"/>
-              <a:ext cx="1842267" cy="2265027"/>
-            </a:xfrm>
-            <a:prstGeom prst="rect">
-              <a:avLst/>
-            </a:prstGeom>
-          </p:spPr>
-        </p:pic>
-        <p:sp>
-          <p:nvSpPr>
-            <p:cNvPr id="15" name="TextBox 14">
-              <a:extLst>
-                <a:ext uri="{FF2B5EF4-FFF2-40B4-BE49-F238E27FC236}">
-                  <a16:creationId xmlns:a16="http://schemas.microsoft.com/office/drawing/2014/main" id="{F42F953B-133B-42CC-8261-D8AFF64E971B}"/>
-                </a:ext>
-              </a:extLst>
-            </p:cNvPr>
-            <p:cNvSpPr txBox="1"/>
-            <p:nvPr/>
-          </p:nvSpPr>
-          <p:spPr>
-            <a:xfrm>
-              <a:off x="8610597" y="3955056"/>
-              <a:ext cx="1842266" cy="1477328"/>
-            </a:xfrm>
-            <a:prstGeom prst="rect">
-              <a:avLst/>
-            </a:prstGeom>
-            <a:noFill/>
-          </p:spPr>
-          <p:txBody>
-            <a:bodyPr wrap="square" rtlCol="0">
-              <a:spAutoFit/>
-            </a:bodyPr>
-            <a:lstStyle/>
-            <a:p>
-              <a:r>
-                <a:rPr lang="en-US" dirty="0"/>
-                <a:t>Second Supervisor:</a:t>
-              </a:r>
-              <a:br>
-                <a:rPr lang="en-US" dirty="0"/>
-              </a:br>
-              <a:r>
-                <a:rPr lang="en-US" dirty="0"/>
-                <a:t>Evert</a:t>
-              </a:r>
-              <a:r>
-                <a:rPr lang="en-US" b="1" dirty="0"/>
-                <a:t> </a:t>
-              </a:r>
-              <a:r>
-                <a:rPr lang="en-US" dirty="0"/>
-                <a:t>van </a:t>
-              </a:r>
-              <a:r>
-                <a:rPr lang="en-US" dirty="0" err="1"/>
-                <a:t>Nieuwenburg</a:t>
-              </a:r>
-              <a:endParaRPr lang="en-US" dirty="0"/>
-            </a:p>
-            <a:p>
-              <a:endParaRPr lang="en-US" dirty="0"/>
-            </a:p>
-          </p:txBody>
-        </p:sp>
-      </p:grpSp>
     </p:spTree>
     <p:extLst>
       <p:ext uri="{BB962C8B-B14F-4D97-AF65-F5344CB8AC3E}">
-        <p14:creationId xmlns:p14="http://schemas.microsoft.com/office/powerpoint/2010/main" val="3476919446"/>
+        <p14:creationId xmlns:p14="http://schemas.microsoft.com/office/powerpoint/2010/main" val="1078542921"/>
       </p:ext>
     </p:extLst>
   </p:cSld>
@@ -10375,12 +10348,14 @@
         </p:nvSpPr>
         <p:spPr>
           <a:xfrm>
-            <a:off x="838200" y="1254515"/>
-            <a:ext cx="10515600" cy="1751293"/>
+            <a:off x="838200" y="1456726"/>
+            <a:ext cx="5819454" cy="1444136"/>
           </a:xfrm>
         </p:spPr>
         <p:txBody>
-          <a:bodyPr/>
+          <a:bodyPr>
+            <a:normAutofit fontScale="85000" lnSpcReduction="10000"/>
+          </a:bodyPr>
           <a:lstStyle/>
           <a:p>
             <a:endParaRPr lang="en-US" dirty="0"/>
@@ -10509,9 +10484,9 @@
           <p:nvPr/>
         </p:nvSpPr>
         <p:spPr>
-          <a:xfrm rot="2407236">
-            <a:off x="3644075" y="3407568"/>
-            <a:ext cx="1535257" cy="755142"/>
+          <a:xfrm rot="8905100">
+            <a:off x="5156017" y="3111650"/>
+            <a:ext cx="1993643" cy="793220"/>
           </a:xfrm>
           <a:prstGeom prst="rightArrow">
             <a:avLst>
@@ -10545,47 +10520,103 @@
           </a:p>
         </p:txBody>
       </p:sp>
-      <p:sp>
-        <p:nvSpPr>
-          <p:cNvPr id="16" name="TextBox 15">
+      <p:grpSp>
+        <p:nvGrpSpPr>
+          <p:cNvPr id="11" name="Group 10">
             <a:extLst>
               <a:ext uri="{FF2B5EF4-FFF2-40B4-BE49-F238E27FC236}">
-                <a16:creationId xmlns:a16="http://schemas.microsoft.com/office/drawing/2014/main" id="{1D49BFB8-140A-415E-9876-D7EB19BCA87B}"/>
+                <a16:creationId xmlns:a16="http://schemas.microsoft.com/office/drawing/2014/main" id="{DB597911-7C1A-4A5A-B58D-CF70427D0F22}"/>
               </a:ext>
             </a:extLst>
           </p:cNvPr>
-          <p:cNvSpPr txBox="1"/>
+          <p:cNvGrpSpPr/>
           <p:nvPr/>
-        </p:nvSpPr>
-        <p:spPr>
+        </p:nvGrpSpPr>
+        <p:grpSpPr>
           <a:xfrm>
-            <a:off x="4988859" y="4564176"/>
-            <a:ext cx="6329082" cy="477054"/>
+            <a:off x="583386" y="4285951"/>
+            <a:ext cx="10415189" cy="1288933"/>
+            <a:chOff x="583386" y="4285951"/>
+            <a:chExt cx="10415189" cy="1288933"/>
           </a:xfrm>
-          <a:prstGeom prst="rect">
-            <a:avLst/>
-          </a:prstGeom>
-          <a:noFill/>
-        </p:spPr>
-        <p:txBody>
-          <a:bodyPr wrap="square" rtlCol="0">
-            <a:spAutoFit/>
-          </a:bodyPr>
-          <a:lstStyle/>
-          <a:p>
-            <a:r>
-              <a:rPr lang="en-US" sz="2500" dirty="0"/>
-              <a:t>Study the features of the excitation pulses</a:t>
-            </a:r>
-          </a:p>
-        </p:txBody>
-      </p:sp>
+        </p:grpSpPr>
+        <p:sp>
+          <p:nvSpPr>
+            <p:cNvPr id="16" name="TextBox 15">
+              <a:extLst>
+                <a:ext uri="{FF2B5EF4-FFF2-40B4-BE49-F238E27FC236}">
+                  <a16:creationId xmlns:a16="http://schemas.microsoft.com/office/drawing/2014/main" id="{1D49BFB8-140A-415E-9876-D7EB19BCA87B}"/>
+                </a:ext>
+              </a:extLst>
+            </p:cNvPr>
+            <p:cNvSpPr txBox="1"/>
+            <p:nvPr/>
+          </p:nvSpPr>
+          <p:spPr>
+            <a:xfrm>
+              <a:off x="583386" y="4608058"/>
+              <a:ext cx="6329082" cy="477054"/>
+            </a:xfrm>
+            <a:prstGeom prst="rect">
+              <a:avLst/>
+            </a:prstGeom>
+            <a:noFill/>
+          </p:spPr>
+          <p:txBody>
+            <a:bodyPr wrap="square" rtlCol="0">
+              <a:spAutoFit/>
+            </a:bodyPr>
+            <a:lstStyle/>
+            <a:p>
+              <a:r>
+                <a:rPr lang="en-US" sz="2500" dirty="0"/>
+                <a:t>Study the features of the excitation pulses</a:t>
+              </a:r>
+            </a:p>
+          </p:txBody>
+        </p:sp>
+        <p:pic>
+          <p:nvPicPr>
+            <p:cNvPr id="7" name="Picture 6">
+              <a:extLst>
+                <a:ext uri="{FF2B5EF4-FFF2-40B4-BE49-F238E27FC236}">
+                  <a16:creationId xmlns:a16="http://schemas.microsoft.com/office/drawing/2014/main" id="{D2B1292E-49D5-588D-0C9D-BA3BFFE64034}"/>
+                </a:ext>
+              </a:extLst>
+            </p:cNvPr>
+            <p:cNvPicPr>
+              <a:picLocks noChangeAspect="1"/>
+            </p:cNvPicPr>
+            <p:nvPr/>
+          </p:nvPicPr>
+          <p:blipFill rotWithShape="1">
+            <a:blip r:embed="rId3">
+              <a:extLst>
+                <a:ext uri="{28A0092B-C50C-407E-A947-70E740481C1C}">
+                  <a14:useLocalDpi xmlns:a14="http://schemas.microsoft.com/office/drawing/2010/main" val="0"/>
+                </a:ext>
+              </a:extLst>
+            </a:blip>
+            <a:srcRect t="17357" b="13465"/>
+            <a:stretch/>
+          </p:blipFill>
+          <p:spPr>
+            <a:xfrm rot="957813">
+              <a:off x="6892548" y="4285951"/>
+              <a:ext cx="4106027" cy="1288933"/>
+            </a:xfrm>
+            <a:prstGeom prst="rect">
+              <a:avLst/>
+            </a:prstGeom>
+          </p:spPr>
+        </p:pic>
+      </p:grpSp>
       <p:pic>
         <p:nvPicPr>
-          <p:cNvPr id="7" name="Picture 6">
+          <p:cNvPr id="9" name="Picture 8">
             <a:extLst>
               <a:ext uri="{FF2B5EF4-FFF2-40B4-BE49-F238E27FC236}">
-                <a16:creationId xmlns:a16="http://schemas.microsoft.com/office/drawing/2014/main" id="{D2B1292E-49D5-588D-0C9D-BA3BFFE64034}"/>
+                <a16:creationId xmlns:a16="http://schemas.microsoft.com/office/drawing/2014/main" id="{55DCBB9B-8F37-4066-A9E9-A4A4CF761B19}"/>
               </a:ext>
             </a:extLst>
           </p:cNvPr>
@@ -10595,20 +10626,14 @@
           <p:nvPr/>
         </p:nvPicPr>
         <p:blipFill rotWithShape="1">
-          <a:blip r:embed="rId3">
-            <a:extLst>
-              <a:ext uri="{28A0092B-C50C-407E-A947-70E740481C1C}">
-                <a14:useLocalDpi xmlns:a14="http://schemas.microsoft.com/office/drawing/2010/main" val="0"/>
-              </a:ext>
-            </a:extLst>
-          </a:blip>
-          <a:srcRect t="17357" b="13465"/>
+          <a:blip r:embed="rId4"/>
+          <a:srcRect t="5370" b="14986"/>
           <a:stretch/>
         </p:blipFill>
         <p:spPr>
-          <a:xfrm rot="20760570">
-            <a:off x="978684" y="4396764"/>
-            <a:ext cx="3450786" cy="1288933"/>
+          <a:xfrm>
+            <a:off x="7905075" y="2750659"/>
+            <a:ext cx="3010320" cy="584199"/>
           </a:xfrm>
           <a:prstGeom prst="rect">
             <a:avLst/>
@@ -10617,10 +10642,10 @@
       </p:pic>
       <p:pic>
         <p:nvPicPr>
-          <p:cNvPr id="8" name="Picture 7">
+          <p:cNvPr id="10" name="Picture 9">
             <a:extLst>
               <a:ext uri="{FF2B5EF4-FFF2-40B4-BE49-F238E27FC236}">
-                <a16:creationId xmlns:a16="http://schemas.microsoft.com/office/drawing/2014/main" id="{1D655AC6-4865-F19D-704B-77E322A0EFC7}"/>
+                <a16:creationId xmlns:a16="http://schemas.microsoft.com/office/drawing/2014/main" id="{908855D7-2F86-4A0F-802D-418415F0BD3D}"/>
               </a:ext>
             </a:extLst>
           </p:cNvPr>
@@ -10629,16 +10654,15 @@
           </p:cNvPicPr>
           <p:nvPr/>
         </p:nvPicPr>
-        <p:blipFill>
-          <a:blip r:embed="rId4"/>
-          <a:stretch>
-            <a:fillRect/>
-          </a:stretch>
+        <p:blipFill rotWithShape="1">
+          <a:blip r:embed="rId5"/>
+          <a:srcRect l="5230" t="17542" r="3169"/>
+          <a:stretch/>
         </p:blipFill>
         <p:spPr>
           <a:xfrm>
-            <a:off x="7522288" y="1549452"/>
-            <a:ext cx="4089400" cy="1054100"/>
+            <a:off x="7307795" y="1315153"/>
+            <a:ext cx="4204879" cy="1191615"/>
           </a:xfrm>
           <a:prstGeom prst="rect">
             <a:avLst/>
@@ -10655,6 +10679,269 @@
   <p:clrMapOvr>
     <a:masterClrMapping/>
   </p:clrMapOvr>
+  <p:timing>
+    <p:tnLst>
+      <p:par>
+        <p:cTn id="1" dur="indefinite" restart="never" nodeType="tmRoot">
+          <p:childTnLst>
+            <p:seq concurrent="1" nextAc="seek">
+              <p:cTn id="2" dur="indefinite" nodeType="mainSeq">
+                <p:childTnLst>
+                  <p:par>
+                    <p:cTn id="3" fill="hold">
+                      <p:stCondLst>
+                        <p:cond delay="indefinite"/>
+                      </p:stCondLst>
+                      <p:childTnLst>
+                        <p:par>
+                          <p:cTn id="4" fill="hold">
+                            <p:stCondLst>
+                              <p:cond delay="0"/>
+                            </p:stCondLst>
+                            <p:childTnLst>
+                              <p:par>
+                                <p:cTn id="5" presetID="1" presetClass="entr" presetSubtype="0" fill="hold" grpId="0" nodeType="clickEffect">
+                                  <p:stCondLst>
+                                    <p:cond delay="0"/>
+                                  </p:stCondLst>
+                                  <p:childTnLst>
+                                    <p:set>
+                                      <p:cBhvr>
+                                        <p:cTn id="6" dur="1" fill="hold">
+                                          <p:stCondLst>
+                                            <p:cond delay="0"/>
+                                          </p:stCondLst>
+                                        </p:cTn>
+                                        <p:tgtEl>
+                                          <p:spTgt spid="3">
+                                            <p:txEl>
+                                              <p:pRg st="2" end="2"/>
+                                            </p:txEl>
+                                          </p:spTgt>
+                                        </p:tgtEl>
+                                        <p:attrNameLst>
+                                          <p:attrName>style.visibility</p:attrName>
+                                        </p:attrNameLst>
+                                      </p:cBhvr>
+                                      <p:to>
+                                        <p:strVal val="visible"/>
+                                      </p:to>
+                                    </p:set>
+                                  </p:childTnLst>
+                                </p:cTn>
+                              </p:par>
+                            </p:childTnLst>
+                          </p:cTn>
+                        </p:par>
+                      </p:childTnLst>
+                    </p:cTn>
+                  </p:par>
+                  <p:par>
+                    <p:cTn id="7" fill="hold">
+                      <p:stCondLst>
+                        <p:cond delay="indefinite"/>
+                      </p:stCondLst>
+                      <p:childTnLst>
+                        <p:par>
+                          <p:cTn id="8" fill="hold">
+                            <p:stCondLst>
+                              <p:cond delay="0"/>
+                            </p:stCondLst>
+                            <p:childTnLst>
+                              <p:par>
+                                <p:cTn id="9" presetID="1" presetClass="entr" presetSubtype="0" fill="hold" nodeType="clickEffect">
+                                  <p:stCondLst>
+                                    <p:cond delay="0"/>
+                                  </p:stCondLst>
+                                  <p:childTnLst>
+                                    <p:set>
+                                      <p:cBhvr>
+                                        <p:cTn id="10" dur="1" fill="hold">
+                                          <p:stCondLst>
+                                            <p:cond delay="0"/>
+                                          </p:stCondLst>
+                                        </p:cTn>
+                                        <p:tgtEl>
+                                          <p:spTgt spid="10"/>
+                                        </p:tgtEl>
+                                        <p:attrNameLst>
+                                          <p:attrName>style.visibility</p:attrName>
+                                        </p:attrNameLst>
+                                      </p:cBhvr>
+                                      <p:to>
+                                        <p:strVal val="visible"/>
+                                      </p:to>
+                                    </p:set>
+                                  </p:childTnLst>
+                                </p:cTn>
+                              </p:par>
+                            </p:childTnLst>
+                          </p:cTn>
+                        </p:par>
+                      </p:childTnLst>
+                    </p:cTn>
+                  </p:par>
+                  <p:par>
+                    <p:cTn id="11" fill="hold">
+                      <p:stCondLst>
+                        <p:cond delay="indefinite"/>
+                      </p:stCondLst>
+                      <p:childTnLst>
+                        <p:par>
+                          <p:cTn id="12" fill="hold">
+                            <p:stCondLst>
+                              <p:cond delay="0"/>
+                            </p:stCondLst>
+                            <p:childTnLst>
+                              <p:par>
+                                <p:cTn id="13" presetID="1" presetClass="entr" presetSubtype="0" fill="hold" nodeType="clickEffect">
+                                  <p:stCondLst>
+                                    <p:cond delay="0"/>
+                                  </p:stCondLst>
+                                  <p:childTnLst>
+                                    <p:set>
+                                      <p:cBhvr>
+                                        <p:cTn id="14" dur="1" fill="hold">
+                                          <p:stCondLst>
+                                            <p:cond delay="0"/>
+                                          </p:stCondLst>
+                                        </p:cTn>
+                                        <p:tgtEl>
+                                          <p:spTgt spid="9"/>
+                                        </p:tgtEl>
+                                        <p:attrNameLst>
+                                          <p:attrName>style.visibility</p:attrName>
+                                        </p:attrNameLst>
+                                      </p:cBhvr>
+                                      <p:to>
+                                        <p:strVal val="visible"/>
+                                      </p:to>
+                                    </p:set>
+                                  </p:childTnLst>
+                                </p:cTn>
+                              </p:par>
+                            </p:childTnLst>
+                          </p:cTn>
+                        </p:par>
+                      </p:childTnLst>
+                    </p:cTn>
+                  </p:par>
+                  <p:par>
+                    <p:cTn id="15" fill="hold">
+                      <p:stCondLst>
+                        <p:cond delay="indefinite"/>
+                      </p:stCondLst>
+                      <p:childTnLst>
+                        <p:par>
+                          <p:cTn id="16" fill="hold">
+                            <p:stCondLst>
+                              <p:cond delay="0"/>
+                            </p:stCondLst>
+                            <p:childTnLst>
+                              <p:par>
+                                <p:cTn id="17" presetID="1" presetClass="entr" presetSubtype="0" fill="hold" grpId="0" nodeType="clickEffect">
+                                  <p:stCondLst>
+                                    <p:cond delay="0"/>
+                                  </p:stCondLst>
+                                  <p:childTnLst>
+                                    <p:set>
+                                      <p:cBhvr>
+                                        <p:cTn id="18" dur="1" fill="hold">
+                                          <p:stCondLst>
+                                            <p:cond delay="0"/>
+                                          </p:stCondLst>
+                                        </p:cTn>
+                                        <p:tgtEl>
+                                          <p:spTgt spid="14"/>
+                                        </p:tgtEl>
+                                        <p:attrNameLst>
+                                          <p:attrName>style.visibility</p:attrName>
+                                        </p:attrNameLst>
+                                      </p:cBhvr>
+                                      <p:to>
+                                        <p:strVal val="visible"/>
+                                      </p:to>
+                                    </p:set>
+                                  </p:childTnLst>
+                                </p:cTn>
+                              </p:par>
+                            </p:childTnLst>
+                          </p:cTn>
+                        </p:par>
+                      </p:childTnLst>
+                    </p:cTn>
+                  </p:par>
+                  <p:par>
+                    <p:cTn id="19" fill="hold">
+                      <p:stCondLst>
+                        <p:cond delay="indefinite"/>
+                      </p:stCondLst>
+                      <p:childTnLst>
+                        <p:par>
+                          <p:cTn id="20" fill="hold">
+                            <p:stCondLst>
+                              <p:cond delay="0"/>
+                            </p:stCondLst>
+                            <p:childTnLst>
+                              <p:par>
+                                <p:cTn id="21" presetID="1" presetClass="entr" presetSubtype="0" fill="hold" nodeType="clickEffect">
+                                  <p:stCondLst>
+                                    <p:cond delay="0"/>
+                                  </p:stCondLst>
+                                  <p:childTnLst>
+                                    <p:set>
+                                      <p:cBhvr>
+                                        <p:cTn id="22" dur="1" fill="hold">
+                                          <p:stCondLst>
+                                            <p:cond delay="0"/>
+                                          </p:stCondLst>
+                                        </p:cTn>
+                                        <p:tgtEl>
+                                          <p:spTgt spid="11"/>
+                                        </p:tgtEl>
+                                        <p:attrNameLst>
+                                          <p:attrName>style.visibility</p:attrName>
+                                        </p:attrNameLst>
+                                      </p:cBhvr>
+                                      <p:to>
+                                        <p:strVal val="visible"/>
+                                      </p:to>
+                                    </p:set>
+                                  </p:childTnLst>
+                                </p:cTn>
+                              </p:par>
+                            </p:childTnLst>
+                          </p:cTn>
+                        </p:par>
+                      </p:childTnLst>
+                    </p:cTn>
+                  </p:par>
+                </p:childTnLst>
+              </p:cTn>
+              <p:prevCondLst>
+                <p:cond evt="onPrev" delay="0">
+                  <p:tgtEl>
+                    <p:sldTgt/>
+                  </p:tgtEl>
+                </p:cond>
+              </p:prevCondLst>
+              <p:nextCondLst>
+                <p:cond evt="onNext" delay="0">
+                  <p:tgtEl>
+                    <p:sldTgt/>
+                  </p:tgtEl>
+                </p:cond>
+              </p:nextCondLst>
+            </p:seq>
+          </p:childTnLst>
+        </p:cTn>
+      </p:par>
+    </p:tnLst>
+    <p:bldLst>
+      <p:bldP spid="3" grpId="0" build="p"/>
+      <p:bldP spid="14" grpId="0" animBg="1"/>
+    </p:bldLst>
+  </p:timing>
 </p:sld>
 </file>
 
@@ -10698,7 +10985,7 @@
           <a:p>
             <a:r>
               <a:rPr lang="en-US" dirty="0"/>
-              <a:t>What is the Jitter of a Signal ?</a:t>
+              <a:t>What is the Jitter of a signal ?</a:t>
             </a:r>
           </a:p>
         </p:txBody>
@@ -10802,7 +11089,7 @@
         </p:nvGrpSpPr>
         <p:grpSpPr>
           <a:xfrm>
-            <a:off x="7082118" y="2053740"/>
+            <a:off x="7082118" y="1987263"/>
             <a:ext cx="4271682" cy="3955214"/>
             <a:chOff x="6844376" y="2065543"/>
             <a:chExt cx="4271682" cy="3955214"/>
@@ -10900,10 +11187,10 @@
       </p:grpSp>
       <p:grpSp>
         <p:nvGrpSpPr>
-          <p:cNvPr id="3" name="Group 2">
+          <p:cNvPr id="16" name="Group 15">
             <a:extLst>
               <a:ext uri="{FF2B5EF4-FFF2-40B4-BE49-F238E27FC236}">
-                <a16:creationId xmlns:a16="http://schemas.microsoft.com/office/drawing/2014/main" id="{0E31201C-FA10-4FC1-99D6-E70101143EE8}"/>
+                <a16:creationId xmlns:a16="http://schemas.microsoft.com/office/drawing/2014/main" id="{8EA72E02-E482-42BA-A637-1CA845166F45}"/>
               </a:ext>
             </a:extLst>
           </p:cNvPr>
@@ -10912,124 +11199,103 @@
         </p:nvGrpSpPr>
         <p:grpSpPr>
           <a:xfrm>
-            <a:off x="763554" y="2392044"/>
-            <a:ext cx="5635691" cy="3616910"/>
-            <a:chOff x="763554" y="2392044"/>
-            <a:chExt cx="5635691" cy="3616910"/>
+            <a:off x="763554" y="2290851"/>
+            <a:ext cx="5635691" cy="3651626"/>
+            <a:chOff x="763554" y="2290851"/>
+            <a:chExt cx="5635691" cy="3651626"/>
           </a:xfrm>
         </p:grpSpPr>
-        <p:grpSp>
-          <p:nvGrpSpPr>
-            <p:cNvPr id="18" name="Group 17">
+        <p:pic>
+          <p:nvPicPr>
+            <p:cNvPr id="11" name="Picture 10">
               <a:extLst>
                 <a:ext uri="{FF2B5EF4-FFF2-40B4-BE49-F238E27FC236}">
-                  <a16:creationId xmlns:a16="http://schemas.microsoft.com/office/drawing/2014/main" id="{F493C95B-BD41-4A92-B34C-2413B2992526}"/>
+                  <a16:creationId xmlns:a16="http://schemas.microsoft.com/office/drawing/2014/main" id="{5C0E786F-3BFA-40D8-BA5E-63B270FBAB3F}"/>
                 </a:ext>
               </a:extLst>
             </p:cNvPr>
-            <p:cNvGrpSpPr/>
+            <p:cNvPicPr>
+              <a:picLocks noChangeAspect="1"/>
+            </p:cNvPicPr>
             <p:nvPr/>
-          </p:nvGrpSpPr>
-          <p:grpSpPr>
+          </p:nvPicPr>
+          <p:blipFill rotWithShape="1">
+            <a:blip r:embed="rId3"/>
+            <a:srcRect b="18868"/>
+            <a:stretch/>
+          </p:blipFill>
+          <p:spPr>
             <a:xfrm>
-              <a:off x="1023479" y="2392044"/>
+              <a:off x="952132" y="2290851"/>
               <a:ext cx="5258534" cy="2909273"/>
-              <a:chOff x="1023479" y="2392044"/>
-              <a:chExt cx="5258534" cy="2909273"/>
             </a:xfrm>
-          </p:grpSpPr>
-          <p:pic>
-            <p:nvPicPr>
-              <p:cNvPr id="11" name="Picture 10">
-                <a:extLst>
-                  <a:ext uri="{FF2B5EF4-FFF2-40B4-BE49-F238E27FC236}">
-                    <a16:creationId xmlns:a16="http://schemas.microsoft.com/office/drawing/2014/main" id="{5C0E786F-3BFA-40D8-BA5E-63B270FBAB3F}"/>
-                  </a:ext>
-                </a:extLst>
-              </p:cNvPr>
-              <p:cNvPicPr>
-                <a:picLocks noChangeAspect="1"/>
-              </p:cNvPicPr>
-              <p:nvPr/>
-            </p:nvPicPr>
-            <p:blipFill rotWithShape="1">
-              <a:blip r:embed="rId3"/>
-              <a:srcRect b="18868"/>
-              <a:stretch/>
-            </p:blipFill>
-            <p:spPr>
-              <a:xfrm>
-                <a:off x="1023479" y="2392044"/>
-                <a:ext cx="5258534" cy="2909273"/>
-              </a:xfrm>
-              <a:prstGeom prst="rect">
-                <a:avLst/>
-              </a:prstGeom>
-            </p:spPr>
-          </p:pic>
-          <p:pic>
-            <p:nvPicPr>
-              <p:cNvPr id="13" name="Picture 12">
-                <a:extLst>
-                  <a:ext uri="{FF2B5EF4-FFF2-40B4-BE49-F238E27FC236}">
-                    <a16:creationId xmlns:a16="http://schemas.microsoft.com/office/drawing/2014/main" id="{21DDD81B-3D2C-4DA4-BE1F-70D43D51A8BA}"/>
-                  </a:ext>
-                </a:extLst>
-              </p:cNvPr>
-              <p:cNvPicPr>
-                <a:picLocks noChangeAspect="1"/>
-              </p:cNvPicPr>
-              <p:nvPr/>
-            </p:nvPicPr>
-            <p:blipFill>
-              <a:blip r:embed="rId4">
-                <a:extLst>
-                  <a:ext uri="{BEBA8EAE-BF5A-486C-A8C5-ECC9F3942E4B}">
-                    <a14:imgProps xmlns:a14="http://schemas.microsoft.com/office/drawing/2010/main">
-                      <a14:imgLayer r:embed="rId5">
-                        <a14:imgEffect>
-                          <a14:sharpenSoften amount="-5000"/>
-                        </a14:imgEffect>
-                        <a14:imgEffect>
-                          <a14:brightnessContrast bright="55000"/>
-                        </a14:imgEffect>
-                      </a14:imgLayer>
-                    </a14:imgProps>
-                  </a:ext>
-                </a:extLst>
-              </a:blip>
-              <a:stretch>
-                <a:fillRect/>
-              </a:stretch>
-            </p:blipFill>
-            <p:spPr>
-              <a:xfrm>
-                <a:off x="4125664" y="2512029"/>
-                <a:ext cx="1260844" cy="995884"/>
-              </a:xfrm>
-              <a:prstGeom prst="rect">
-                <a:avLst/>
-              </a:prstGeom>
+            <a:prstGeom prst="rect">
+              <a:avLst/>
+            </a:prstGeom>
+          </p:spPr>
+        </p:pic>
+        <p:pic>
+          <p:nvPicPr>
+            <p:cNvPr id="13" name="Picture 12">
+              <a:extLst>
+                <a:ext uri="{FF2B5EF4-FFF2-40B4-BE49-F238E27FC236}">
+                  <a16:creationId xmlns:a16="http://schemas.microsoft.com/office/drawing/2014/main" id="{21DDD81B-3D2C-4DA4-BE1F-70D43D51A8BA}"/>
+                </a:ext>
+              </a:extLst>
+            </p:cNvPr>
+            <p:cNvPicPr>
+              <a:picLocks noChangeAspect="1"/>
+            </p:cNvPicPr>
+            <p:nvPr/>
+          </p:nvPicPr>
+          <p:blipFill>
+            <a:blip r:embed="rId4">
+              <a:extLst>
+                <a:ext uri="{BEBA8EAE-BF5A-486C-A8C5-ECC9F3942E4B}">
+                  <a14:imgProps xmlns:a14="http://schemas.microsoft.com/office/drawing/2010/main">
+                    <a14:imgLayer r:embed="rId5">
+                      <a14:imgEffect>
+                        <a14:sharpenSoften amount="-5000"/>
+                      </a14:imgEffect>
+                      <a14:imgEffect>
+                        <a14:brightnessContrast bright="55000"/>
+                      </a14:imgEffect>
+                    </a14:imgLayer>
+                  </a14:imgProps>
+                </a:ext>
+              </a:extLst>
+            </a:blip>
+            <a:stretch>
+              <a:fillRect/>
+            </a:stretch>
+          </p:blipFill>
+          <p:spPr>
+            <a:xfrm>
+              <a:off x="4078685" y="2419439"/>
+              <a:ext cx="1260844" cy="995884"/>
+            </a:xfrm>
+            <a:prstGeom prst="rect">
+              <a:avLst/>
+            </a:prstGeom>
+            <a:solidFill>
+              <a:schemeClr val="bg1"/>
+            </a:solidFill>
+            <a:ln>
               <a:solidFill>
-                <a:schemeClr val="bg1"/>
+                <a:schemeClr val="accent1"/>
               </a:solidFill>
-              <a:ln>
-                <a:solidFill>
-                  <a:schemeClr val="accent1"/>
-                </a:solidFill>
-              </a:ln>
-              <a:effectLst>
-                <a:glow>
-                  <a:schemeClr val="accent1"/>
-                </a:glow>
-                <a:outerShdw blurRad="50800" dist="50800" dir="5400000" sx="91000" sy="91000" algn="ctr" rotWithShape="0">
-                  <a:srgbClr val="000000"/>
-                </a:outerShdw>
-                <a:reflection endPos="0" dist="50800" dir="5400000" sy="-100000" algn="bl" rotWithShape="0"/>
-              </a:effectLst>
-            </p:spPr>
-          </p:pic>
-        </p:grpSp>
+            </a:ln>
+            <a:effectLst>
+              <a:glow>
+                <a:schemeClr val="accent1"/>
+              </a:glow>
+              <a:outerShdw blurRad="50800" dist="50800" dir="5400000" sx="91000" sy="91000" algn="ctr" rotWithShape="0">
+                <a:srgbClr val="000000"/>
+              </a:outerShdw>
+              <a:reflection endPos="0" dist="50800" dir="5400000" sy="-100000" algn="bl" rotWithShape="0"/>
+            </a:effectLst>
+          </p:spPr>
+        </p:pic>
         <p:sp>
           <p:nvSpPr>
             <p:cNvPr id="17" name="TextBox 16">
@@ -11044,7 +11310,7 @@
           </p:nvSpPr>
           <p:spPr>
             <a:xfrm>
-              <a:off x="763554" y="5762733"/>
+              <a:off x="763554" y="5696256"/>
               <a:ext cx="5635691" cy="246221"/>
             </a:xfrm>
             <a:prstGeom prst="rect">
@@ -11242,7 +11508,7 @@
                                           </p:stCondLst>
                                         </p:cTn>
                                         <p:tgtEl>
-                                          <p:spTgt spid="3"/>
+                                          <p:spTgt spid="16"/>
                                         </p:tgtEl>
                                         <p:attrNameLst>
                                           <p:attrName>style.visibility</p:attrName>
@@ -11319,7 +11585,7 @@
                             </p:stCondLst>
                             <p:childTnLst>
                               <p:par>
-                                <p:cTn id="13" presetID="1" presetClass="exit" presetSubtype="0" fill="hold" grpId="1" nodeType="clickEffect">
+                                <p:cTn id="13" presetID="1" presetClass="entr" presetSubtype="0" fill="hold" nodeType="clickEffect">
                                   <p:stCondLst>
                                     <p:cond delay="0"/>
                                   </p:stCondLst>
@@ -11327,51 +11593,6 @@
                                     <p:set>
                                       <p:cBhvr>
                                         <p:cTn id="14" dur="1" fill="hold">
-                                          <p:stCondLst>
-                                            <p:cond delay="0"/>
-                                          </p:stCondLst>
-                                        </p:cTn>
-                                        <p:tgtEl>
-                                          <p:spTgt spid="12"/>
-                                        </p:tgtEl>
-                                        <p:attrNameLst>
-                                          <p:attrName>style.visibility</p:attrName>
-                                        </p:attrNameLst>
-                                      </p:cBhvr>
-                                      <p:to>
-                                        <p:strVal val="hidden"/>
-                                      </p:to>
-                                    </p:set>
-                                  </p:childTnLst>
-                                </p:cTn>
-                              </p:par>
-                            </p:childTnLst>
-                          </p:cTn>
-                        </p:par>
-                      </p:childTnLst>
-                    </p:cTn>
-                  </p:par>
-                  <p:par>
-                    <p:cTn id="15" fill="hold">
-                      <p:stCondLst>
-                        <p:cond delay="indefinite"/>
-                      </p:stCondLst>
-                      <p:childTnLst>
-                        <p:par>
-                          <p:cTn id="16" fill="hold">
-                            <p:stCondLst>
-                              <p:cond delay="0"/>
-                            </p:stCondLst>
-                            <p:childTnLst>
-                              <p:par>
-                                <p:cTn id="17" presetID="1" presetClass="entr" presetSubtype="0" fill="hold" nodeType="clickEffect">
-                                  <p:stCondLst>
-                                    <p:cond delay="0"/>
-                                  </p:stCondLst>
-                                  <p:childTnLst>
-                                    <p:set>
-                                      <p:cBhvr>
-                                        <p:cTn id="18" dur="1" fill="hold">
                                           <p:stCondLst>
                                             <p:cond delay="0"/>
                                           </p:stCondLst>
@@ -11397,26 +11618,26 @@
                     </p:cTn>
                   </p:par>
                   <p:par>
-                    <p:cTn id="19" fill="hold">
+                    <p:cTn id="15" fill="hold">
                       <p:stCondLst>
                         <p:cond delay="indefinite"/>
                       </p:stCondLst>
                       <p:childTnLst>
                         <p:par>
-                          <p:cTn id="20" fill="hold">
+                          <p:cTn id="16" fill="hold">
                             <p:stCondLst>
                               <p:cond delay="0"/>
                             </p:stCondLst>
                             <p:childTnLst>
                               <p:par>
-                                <p:cTn id="21" presetID="1" presetClass="entr" presetSubtype="0" fill="hold" grpId="0" nodeType="clickEffect">
+                                <p:cTn id="17" presetID="1" presetClass="entr" presetSubtype="0" fill="hold" grpId="0" nodeType="clickEffect">
                                   <p:stCondLst>
                                     <p:cond delay="0"/>
                                   </p:stCondLst>
                                   <p:childTnLst>
                                     <p:set>
                                       <p:cBhvr>
-                                        <p:cTn id="22" dur="1" fill="hold">
+                                        <p:cTn id="18" dur="1" fill="hold">
                                           <p:stCondLst>
                                             <p:cond delay="0"/>
                                           </p:stCondLst>
@@ -11464,7 +11685,6 @@
     </p:tnLst>
     <p:bldLst>
       <p:bldP spid="12" grpId="0" animBg="1"/>
-      <p:bldP spid="12" grpId="1" animBg="1"/>
       <p:bldP spid="20" grpId="0" animBg="1"/>
     </p:bldLst>
   </p:timing>
@@ -11516,7 +11736,7 @@
           <a:p>
             <a:r>
               <a:rPr lang="en-US" dirty="0"/>
-              <a:t>Implementing the Study in Our Setup</a:t>
+              <a:t>Implementing the study in our setup</a:t>
             </a:r>
           </a:p>
         </p:txBody>
@@ -11606,630 +11826,6 @@
           </a:p>
         </p:txBody>
       </p:sp>
-      <p:grpSp>
-        <p:nvGrpSpPr>
-          <p:cNvPr id="16" name="Group 15">
-            <a:extLst>
-              <a:ext uri="{FF2B5EF4-FFF2-40B4-BE49-F238E27FC236}">
-                <a16:creationId xmlns:a16="http://schemas.microsoft.com/office/drawing/2014/main" id="{834DA825-28A9-4173-87E4-99B3B1E8F72F}"/>
-              </a:ext>
-            </a:extLst>
-          </p:cNvPr>
-          <p:cNvGrpSpPr/>
-          <p:nvPr/>
-        </p:nvGrpSpPr>
-        <p:grpSpPr>
-          <a:xfrm>
-            <a:off x="838200" y="2230749"/>
-            <a:ext cx="4304091" cy="3066863"/>
-            <a:chOff x="623621" y="1957921"/>
-            <a:chExt cx="4304091" cy="3066863"/>
-          </a:xfrm>
-        </p:grpSpPr>
-        <p:grpSp>
-          <p:nvGrpSpPr>
-            <p:cNvPr id="18" name="Group 17">
-              <a:extLst>
-                <a:ext uri="{FF2B5EF4-FFF2-40B4-BE49-F238E27FC236}">
-                  <a16:creationId xmlns:a16="http://schemas.microsoft.com/office/drawing/2014/main" id="{85470342-BECD-4B85-8637-AAA4712425A6}"/>
-                </a:ext>
-              </a:extLst>
-            </p:cNvPr>
-            <p:cNvGrpSpPr/>
-            <p:nvPr/>
-          </p:nvGrpSpPr>
-          <p:grpSpPr>
-            <a:xfrm>
-              <a:off x="623621" y="4110384"/>
-              <a:ext cx="3619565" cy="914400"/>
-              <a:chOff x="563724" y="1847464"/>
-              <a:chExt cx="4217023" cy="914400"/>
-            </a:xfrm>
-          </p:grpSpPr>
-          <p:sp>
-            <p:nvSpPr>
-              <p:cNvPr id="26" name="Rectangle 25">
-                <a:extLst>
-                  <a:ext uri="{FF2B5EF4-FFF2-40B4-BE49-F238E27FC236}">
-                    <a16:creationId xmlns:a16="http://schemas.microsoft.com/office/drawing/2014/main" id="{61E9F271-F942-406F-A607-68678B8F461F}"/>
-                  </a:ext>
-                </a:extLst>
-              </p:cNvPr>
-              <p:cNvSpPr/>
-              <p:nvPr/>
-            </p:nvSpPr>
-            <p:spPr>
-              <a:xfrm>
-                <a:off x="563724" y="1847464"/>
-                <a:ext cx="1040339" cy="914400"/>
-              </a:xfrm>
-              <a:prstGeom prst="rect">
-                <a:avLst/>
-              </a:prstGeom>
-            </p:spPr>
-            <p:style>
-              <a:lnRef idx="2">
-                <a:schemeClr val="accent1">
-                  <a:shade val="50000"/>
-                </a:schemeClr>
-              </a:lnRef>
-              <a:fillRef idx="1">
-                <a:schemeClr val="accent1"/>
-              </a:fillRef>
-              <a:effectRef idx="0">
-                <a:schemeClr val="accent1"/>
-              </a:effectRef>
-              <a:fontRef idx="minor">
-                <a:schemeClr val="lt1"/>
-              </a:fontRef>
-            </p:style>
-            <p:txBody>
-              <a:bodyPr rtlCol="0" anchor="ctr"/>
-              <a:lstStyle/>
-              <a:p>
-                <a:pPr algn="ctr"/>
-                <a:r>
-                  <a:rPr lang="en-US" b="1" dirty="0"/>
-                  <a:t>CW Laser</a:t>
-                </a:r>
-              </a:p>
-            </p:txBody>
-          </p:sp>
-          <p:cxnSp>
-            <p:nvCxnSpPr>
-              <p:cNvPr id="27" name="Straight Connector 26">
-                <a:extLst>
-                  <a:ext uri="{FF2B5EF4-FFF2-40B4-BE49-F238E27FC236}">
-                    <a16:creationId xmlns:a16="http://schemas.microsoft.com/office/drawing/2014/main" id="{35156985-15C6-4E9D-A107-7ED097D51B99}"/>
-                  </a:ext>
-                </a:extLst>
-              </p:cNvPr>
-              <p:cNvCxnSpPr>
-                <a:cxnSpLocks/>
-                <a:stCxn id="26" idx="3"/>
-                <a:endCxn id="29" idx="1"/>
-              </p:cNvCxnSpPr>
-              <p:nvPr/>
-            </p:nvCxnSpPr>
-            <p:spPr>
-              <a:xfrm>
-                <a:off x="1604063" y="2304664"/>
-                <a:ext cx="610973" cy="0"/>
-              </a:xfrm>
-              <a:prstGeom prst="line">
-                <a:avLst/>
-              </a:prstGeom>
-              <a:ln w="57150">
-                <a:solidFill>
-                  <a:srgbClr val="0000FF"/>
-                </a:solidFill>
-              </a:ln>
-            </p:spPr>
-            <p:style>
-              <a:lnRef idx="1">
-                <a:schemeClr val="accent1"/>
-              </a:lnRef>
-              <a:fillRef idx="0">
-                <a:schemeClr val="accent1"/>
-              </a:fillRef>
-              <a:effectRef idx="0">
-                <a:schemeClr val="accent1"/>
-              </a:effectRef>
-              <a:fontRef idx="minor">
-                <a:schemeClr val="tx1"/>
-              </a:fontRef>
-            </p:style>
-          </p:cxnSp>
-          <p:sp>
-            <p:nvSpPr>
-              <p:cNvPr id="29" name="Rectangle 28">
-                <a:extLst>
-                  <a:ext uri="{FF2B5EF4-FFF2-40B4-BE49-F238E27FC236}">
-                    <a16:creationId xmlns:a16="http://schemas.microsoft.com/office/drawing/2014/main" id="{D7BE5A7C-9540-4571-B23B-6405593EB1DD}"/>
-                  </a:ext>
-                </a:extLst>
-              </p:cNvPr>
-              <p:cNvSpPr/>
-              <p:nvPr/>
-            </p:nvSpPr>
-            <p:spPr>
-              <a:xfrm>
-                <a:off x="2215036" y="1847464"/>
-                <a:ext cx="1040339" cy="914400"/>
-              </a:xfrm>
-              <a:prstGeom prst="rect">
-                <a:avLst/>
-              </a:prstGeom>
-            </p:spPr>
-            <p:style>
-              <a:lnRef idx="2">
-                <a:schemeClr val="accent1">
-                  <a:shade val="50000"/>
-                </a:schemeClr>
-              </a:lnRef>
-              <a:fillRef idx="1">
-                <a:schemeClr val="accent1"/>
-              </a:fillRef>
-              <a:effectRef idx="0">
-                <a:schemeClr val="accent1"/>
-              </a:effectRef>
-              <a:fontRef idx="minor">
-                <a:schemeClr val="lt1"/>
-              </a:fontRef>
-            </p:style>
-            <p:txBody>
-              <a:bodyPr rtlCol="0" anchor="ctr"/>
-              <a:lstStyle/>
-              <a:p>
-                <a:pPr algn="ctr"/>
-                <a:r>
-                  <a:rPr lang="en-US" b="1" dirty="0"/>
-                  <a:t>EOM</a:t>
-                </a:r>
-                <a:r>
-                  <a:rPr lang="en-US" dirty="0"/>
-                  <a:t> </a:t>
-                </a:r>
-              </a:p>
-            </p:txBody>
-          </p:sp>
-          <p:sp>
-            <p:nvSpPr>
-              <p:cNvPr id="30" name="Rectangle 29">
-                <a:extLst>
-                  <a:ext uri="{FF2B5EF4-FFF2-40B4-BE49-F238E27FC236}">
-                    <a16:creationId xmlns:a16="http://schemas.microsoft.com/office/drawing/2014/main" id="{886B2C3F-D3C7-42FB-94D1-45F83A172610}"/>
-                  </a:ext>
-                </a:extLst>
-              </p:cNvPr>
-              <p:cNvSpPr/>
-              <p:nvPr/>
-            </p:nvSpPr>
-            <p:spPr>
-              <a:xfrm>
-                <a:off x="3740409" y="1847464"/>
-                <a:ext cx="1040338" cy="914400"/>
-              </a:xfrm>
-              <a:prstGeom prst="rect">
-                <a:avLst/>
-              </a:prstGeom>
-            </p:spPr>
-            <p:style>
-              <a:lnRef idx="2">
-                <a:schemeClr val="accent1">
-                  <a:shade val="50000"/>
-                </a:schemeClr>
-              </a:lnRef>
-              <a:fillRef idx="1">
-                <a:schemeClr val="accent1"/>
-              </a:fillRef>
-              <a:effectRef idx="0">
-                <a:schemeClr val="accent1"/>
-              </a:effectRef>
-              <a:fontRef idx="minor">
-                <a:schemeClr val="lt1"/>
-              </a:fontRef>
-            </p:style>
-            <p:txBody>
-              <a:bodyPr rtlCol="0" anchor="ctr"/>
-              <a:lstStyle/>
-              <a:p>
-                <a:pPr algn="ctr"/>
-                <a:r>
-                  <a:rPr lang="en-US" b="1" dirty="0"/>
-                  <a:t>EOM</a:t>
-                </a:r>
-              </a:p>
-            </p:txBody>
-          </p:sp>
-          <p:cxnSp>
-            <p:nvCxnSpPr>
-              <p:cNvPr id="31" name="Straight Connector 30">
-                <a:extLst>
-                  <a:ext uri="{FF2B5EF4-FFF2-40B4-BE49-F238E27FC236}">
-                    <a16:creationId xmlns:a16="http://schemas.microsoft.com/office/drawing/2014/main" id="{BF99A27E-431C-4CB5-98F6-22D2D9EE5DC1}"/>
-                  </a:ext>
-                </a:extLst>
-              </p:cNvPr>
-              <p:cNvCxnSpPr>
-                <a:cxnSpLocks/>
-                <a:stCxn id="29" idx="3"/>
-                <a:endCxn id="30" idx="1"/>
-              </p:cNvCxnSpPr>
-              <p:nvPr/>
-            </p:nvCxnSpPr>
-            <p:spPr>
-              <a:xfrm>
-                <a:off x="3255375" y="2304664"/>
-                <a:ext cx="485035" cy="0"/>
-              </a:xfrm>
-              <a:prstGeom prst="line">
-                <a:avLst/>
-              </a:prstGeom>
-              <a:ln w="57150">
-                <a:solidFill>
-                  <a:srgbClr val="0000FF"/>
-                </a:solidFill>
-              </a:ln>
-            </p:spPr>
-            <p:style>
-              <a:lnRef idx="3">
-                <a:schemeClr val="accent1"/>
-              </a:lnRef>
-              <a:fillRef idx="0">
-                <a:schemeClr val="accent1"/>
-              </a:fillRef>
-              <a:effectRef idx="2">
-                <a:schemeClr val="accent1"/>
-              </a:effectRef>
-              <a:fontRef idx="minor">
-                <a:schemeClr val="tx1"/>
-              </a:fontRef>
-            </p:style>
-          </p:cxnSp>
-        </p:grpSp>
-        <p:sp>
-          <p:nvSpPr>
-            <p:cNvPr id="19" name="Rectangle 18">
-              <a:extLst>
-                <a:ext uri="{FF2B5EF4-FFF2-40B4-BE49-F238E27FC236}">
-                  <a16:creationId xmlns:a16="http://schemas.microsoft.com/office/drawing/2014/main" id="{FEBA0278-264B-4D61-9270-EFCC7E2976A0}"/>
-                </a:ext>
-              </a:extLst>
-            </p:cNvPr>
-            <p:cNvSpPr/>
-            <p:nvPr/>
-          </p:nvSpPr>
-          <p:spPr>
-            <a:xfrm>
-              <a:off x="3846190" y="1957921"/>
-              <a:ext cx="1081522" cy="473470"/>
-            </a:xfrm>
-            <a:prstGeom prst="rect">
-              <a:avLst/>
-            </a:prstGeom>
-          </p:spPr>
-          <p:style>
-            <a:lnRef idx="2">
-              <a:schemeClr val="accent1">
-                <a:shade val="50000"/>
-              </a:schemeClr>
-            </a:lnRef>
-            <a:fillRef idx="1">
-              <a:schemeClr val="accent1"/>
-            </a:fillRef>
-            <a:effectRef idx="0">
-              <a:schemeClr val="accent1"/>
-            </a:effectRef>
-            <a:fontRef idx="minor">
-              <a:schemeClr val="lt1"/>
-            </a:fontRef>
-          </p:style>
-          <p:txBody>
-            <a:bodyPr rtlCol="0" anchor="ctr"/>
-            <a:lstStyle/>
-            <a:p>
-              <a:pPr algn="ctr"/>
-              <a:r>
-                <a:rPr lang="en-US" b="1" dirty="0"/>
-                <a:t>Clock</a:t>
-              </a:r>
-            </a:p>
-          </p:txBody>
-        </p:sp>
-        <p:sp>
-          <p:nvSpPr>
-            <p:cNvPr id="20" name="Rectangle 19">
-              <a:extLst>
-                <a:ext uri="{FF2B5EF4-FFF2-40B4-BE49-F238E27FC236}">
-                  <a16:creationId xmlns:a16="http://schemas.microsoft.com/office/drawing/2014/main" id="{4A613C81-EDDC-48BA-B55E-BD40733CE7CA}"/>
-                </a:ext>
-              </a:extLst>
-            </p:cNvPr>
-            <p:cNvSpPr/>
-            <p:nvPr/>
-          </p:nvSpPr>
-          <p:spPr>
-            <a:xfrm>
-              <a:off x="2316799" y="2996011"/>
-              <a:ext cx="1523078" cy="641237"/>
-            </a:xfrm>
-            <a:prstGeom prst="rect">
-              <a:avLst/>
-            </a:prstGeom>
-          </p:spPr>
-          <p:style>
-            <a:lnRef idx="2">
-              <a:schemeClr val="accent1">
-                <a:shade val="50000"/>
-              </a:schemeClr>
-            </a:lnRef>
-            <a:fillRef idx="1">
-              <a:schemeClr val="accent1"/>
-            </a:fillRef>
-            <a:effectRef idx="0">
-              <a:schemeClr val="accent1"/>
-            </a:effectRef>
-            <a:fontRef idx="minor">
-              <a:schemeClr val="lt1"/>
-            </a:fontRef>
-          </p:style>
-          <p:txBody>
-            <a:bodyPr rtlCol="0" anchor="ctr"/>
-            <a:lstStyle/>
-            <a:p>
-              <a:pPr algn="ctr"/>
-              <a:r>
-                <a:rPr lang="en-US" b="1" dirty="0"/>
-                <a:t>Pulse compressor</a:t>
-              </a:r>
-            </a:p>
-          </p:txBody>
-        </p:sp>
-        <p:cxnSp>
-          <p:nvCxnSpPr>
-            <p:cNvPr id="21" name="Connector: Curved 20">
-              <a:extLst>
-                <a:ext uri="{FF2B5EF4-FFF2-40B4-BE49-F238E27FC236}">
-                  <a16:creationId xmlns:a16="http://schemas.microsoft.com/office/drawing/2014/main" id="{F5BEB18D-484E-499B-A18B-2534E401122C}"/>
-                </a:ext>
-              </a:extLst>
-            </p:cNvPr>
-            <p:cNvCxnSpPr>
-              <a:cxnSpLocks/>
-              <a:stCxn id="29" idx="0"/>
-              <a:endCxn id="20" idx="2"/>
-            </p:cNvCxnSpPr>
-            <p:nvPr/>
-          </p:nvCxnSpPr>
-          <p:spPr>
-            <a:xfrm rot="5400000" flipH="1" flipV="1">
-              <a:off x="2546327" y="3578373"/>
-              <a:ext cx="473136" cy="590886"/>
-            </a:xfrm>
-            <a:prstGeom prst="curvedConnector3">
-              <a:avLst>
-                <a:gd name="adj1" fmla="val 50000"/>
-              </a:avLst>
-            </a:prstGeom>
-            <a:ln w="28575">
-              <a:solidFill>
-                <a:schemeClr val="accent2">
-                  <a:lumMod val="50000"/>
-                </a:schemeClr>
-              </a:solidFill>
-            </a:ln>
-          </p:spPr>
-          <p:style>
-            <a:lnRef idx="1">
-              <a:schemeClr val="accent1"/>
-            </a:lnRef>
-            <a:fillRef idx="0">
-              <a:schemeClr val="accent1"/>
-            </a:fillRef>
-            <a:effectRef idx="0">
-              <a:schemeClr val="accent1"/>
-            </a:effectRef>
-            <a:fontRef idx="minor">
-              <a:schemeClr val="tx1"/>
-            </a:fontRef>
-          </p:style>
-        </p:cxnSp>
-        <p:cxnSp>
-          <p:nvCxnSpPr>
-            <p:cNvPr id="22" name="Connector: Curved 21">
-              <a:extLst>
-                <a:ext uri="{FF2B5EF4-FFF2-40B4-BE49-F238E27FC236}">
-                  <a16:creationId xmlns:a16="http://schemas.microsoft.com/office/drawing/2014/main" id="{C97BA3E4-6F17-41AB-8294-3ADFB9F80BC4}"/>
-                </a:ext>
-              </a:extLst>
-            </p:cNvPr>
-            <p:cNvCxnSpPr>
-              <a:cxnSpLocks/>
-              <a:stCxn id="20" idx="2"/>
-              <a:endCxn id="30" idx="0"/>
-            </p:cNvCxnSpPr>
-            <p:nvPr/>
-          </p:nvCxnSpPr>
-          <p:spPr>
-            <a:xfrm rot="16200000" flipH="1">
-              <a:off x="3200958" y="3514628"/>
-              <a:ext cx="473136" cy="718376"/>
-            </a:xfrm>
-            <a:prstGeom prst="curvedConnector3">
-              <a:avLst>
-                <a:gd name="adj1" fmla="val 50000"/>
-              </a:avLst>
-            </a:prstGeom>
-            <a:ln w="28575">
-              <a:solidFill>
-                <a:schemeClr val="accent2">
-                  <a:lumMod val="50000"/>
-                </a:schemeClr>
-              </a:solidFill>
-            </a:ln>
-          </p:spPr>
-          <p:style>
-            <a:lnRef idx="1">
-              <a:schemeClr val="accent1"/>
-            </a:lnRef>
-            <a:fillRef idx="0">
-              <a:schemeClr val="accent1"/>
-            </a:fillRef>
-            <a:effectRef idx="0">
-              <a:schemeClr val="accent1"/>
-            </a:effectRef>
-            <a:fontRef idx="minor">
-              <a:schemeClr val="tx1"/>
-            </a:fontRef>
-          </p:style>
-        </p:cxnSp>
-        <p:sp>
-          <p:nvSpPr>
-            <p:cNvPr id="23" name="Rectangle 22">
-              <a:extLst>
-                <a:ext uri="{FF2B5EF4-FFF2-40B4-BE49-F238E27FC236}">
-                  <a16:creationId xmlns:a16="http://schemas.microsoft.com/office/drawing/2014/main" id="{5FAABC77-6152-473A-9E49-87CC395DA4B4}"/>
-                </a:ext>
-              </a:extLst>
-            </p:cNvPr>
-            <p:cNvSpPr/>
-            <p:nvPr/>
-          </p:nvSpPr>
-          <p:spPr>
-            <a:xfrm>
-              <a:off x="748499" y="2115327"/>
-              <a:ext cx="1233546" cy="583459"/>
-            </a:xfrm>
-            <a:prstGeom prst="rect">
-              <a:avLst/>
-            </a:prstGeom>
-          </p:spPr>
-          <p:style>
-            <a:lnRef idx="2">
-              <a:schemeClr val="accent1">
-                <a:shade val="50000"/>
-              </a:schemeClr>
-            </a:lnRef>
-            <a:fillRef idx="1">
-              <a:schemeClr val="accent1"/>
-            </a:fillRef>
-            <a:effectRef idx="0">
-              <a:schemeClr val="accent1"/>
-            </a:effectRef>
-            <a:fontRef idx="minor">
-              <a:schemeClr val="lt1"/>
-            </a:fontRef>
-          </p:style>
-          <p:txBody>
-            <a:bodyPr rtlCol="0" anchor="ctr"/>
-            <a:lstStyle/>
-            <a:p>
-              <a:pPr algn="ctr"/>
-              <a:r>
-                <a:rPr lang="en-US" sz="2500" dirty="0"/>
-                <a:t>FPGA</a:t>
-              </a:r>
-            </a:p>
-          </p:txBody>
-        </p:sp>
-        <p:cxnSp>
-          <p:nvCxnSpPr>
-            <p:cNvPr id="24" name="Connector: Curved 23">
-              <a:extLst>
-                <a:ext uri="{FF2B5EF4-FFF2-40B4-BE49-F238E27FC236}">
-                  <a16:creationId xmlns:a16="http://schemas.microsoft.com/office/drawing/2014/main" id="{9AF012F2-550D-49CE-926F-AE4EE0C9577F}"/>
-                </a:ext>
-              </a:extLst>
-            </p:cNvPr>
-            <p:cNvCxnSpPr>
-              <a:cxnSpLocks/>
-              <a:stCxn id="23" idx="2"/>
-              <a:endCxn id="20" idx="0"/>
-            </p:cNvCxnSpPr>
-            <p:nvPr/>
-          </p:nvCxnSpPr>
-          <p:spPr>
-            <a:xfrm rot="16200000" flipH="1">
-              <a:off x="2073193" y="1990865"/>
-              <a:ext cx="297225" cy="1713066"/>
-            </a:xfrm>
-            <a:prstGeom prst="curvedConnector3">
-              <a:avLst>
-                <a:gd name="adj1" fmla="val 50000"/>
-              </a:avLst>
-            </a:prstGeom>
-            <a:ln w="28575">
-              <a:solidFill>
-                <a:schemeClr val="accent2">
-                  <a:lumMod val="50000"/>
-                </a:schemeClr>
-              </a:solidFill>
-            </a:ln>
-          </p:spPr>
-          <p:style>
-            <a:lnRef idx="1">
-              <a:schemeClr val="accent1"/>
-            </a:lnRef>
-            <a:fillRef idx="0">
-              <a:schemeClr val="accent1"/>
-            </a:fillRef>
-            <a:effectRef idx="0">
-              <a:schemeClr val="accent1"/>
-            </a:effectRef>
-            <a:fontRef idx="minor">
-              <a:schemeClr val="tx1"/>
-            </a:fontRef>
-          </p:style>
-        </p:cxnSp>
-        <p:cxnSp>
-          <p:nvCxnSpPr>
-            <p:cNvPr id="25" name="Connector: Curved 24">
-              <a:extLst>
-                <a:ext uri="{FF2B5EF4-FFF2-40B4-BE49-F238E27FC236}">
-                  <a16:creationId xmlns:a16="http://schemas.microsoft.com/office/drawing/2014/main" id="{E955F80E-806C-4F87-989B-7914E8EC6B4F}"/>
-                </a:ext>
-              </a:extLst>
-            </p:cNvPr>
-            <p:cNvCxnSpPr>
-              <a:cxnSpLocks/>
-              <a:stCxn id="19" idx="1"/>
-              <a:endCxn id="20" idx="0"/>
-            </p:cNvCxnSpPr>
-            <p:nvPr/>
-          </p:nvCxnSpPr>
-          <p:spPr>
-            <a:xfrm rot="10800000" flipV="1">
-              <a:off x="3078338" y="2194655"/>
-              <a:ext cx="767852" cy="801355"/>
-            </a:xfrm>
-            <a:prstGeom prst="curvedConnector2">
-              <a:avLst/>
-            </a:prstGeom>
-            <a:ln w="28575">
-              <a:solidFill>
-                <a:schemeClr val="accent2">
-                  <a:lumMod val="50000"/>
-                </a:schemeClr>
-              </a:solidFill>
-            </a:ln>
-          </p:spPr>
-          <p:style>
-            <a:lnRef idx="1">
-              <a:schemeClr val="accent1"/>
-            </a:lnRef>
-            <a:fillRef idx="0">
-              <a:schemeClr val="accent1"/>
-            </a:fillRef>
-            <a:effectRef idx="0">
-              <a:schemeClr val="accent1"/>
-            </a:effectRef>
-            <a:fontRef idx="minor">
-              <a:schemeClr val="tx1"/>
-            </a:fontRef>
-          </p:style>
-        </p:cxnSp>
-      </p:grpSp>
       <p:sp>
         <p:nvSpPr>
           <p:cNvPr id="32" name="Thought Bubble: Cloud 31">
@@ -12372,50 +11968,695 @@
           </a:p>
         </p:txBody>
       </p:sp>
-      <p:cxnSp>
-        <p:nvCxnSpPr>
-          <p:cNvPr id="8" name="Straight Connector 7">
+      <p:grpSp>
+        <p:nvGrpSpPr>
+          <p:cNvPr id="3" name="Group 2">
             <a:extLst>
               <a:ext uri="{FF2B5EF4-FFF2-40B4-BE49-F238E27FC236}">
-                <a16:creationId xmlns:a16="http://schemas.microsoft.com/office/drawing/2014/main" id="{D5057234-02F3-4767-98A6-A428BBF4D307}"/>
+                <a16:creationId xmlns:a16="http://schemas.microsoft.com/office/drawing/2014/main" id="{9EC110DA-1079-42EE-915F-1A0151B760BF}"/>
               </a:ext>
             </a:extLst>
           </p:cNvPr>
-          <p:cNvCxnSpPr>
-            <a:cxnSpLocks/>
-            <a:stCxn id="30" idx="3"/>
-          </p:cNvCxnSpPr>
+          <p:cNvGrpSpPr/>
           <p:nvPr/>
-        </p:nvCxnSpPr>
-        <p:spPr>
+        </p:nvGrpSpPr>
+        <p:grpSpPr>
           <a:xfrm>
-            <a:off x="4457765" y="4840412"/>
-            <a:ext cx="1744768" cy="0"/>
+            <a:off x="838200" y="2230749"/>
+            <a:ext cx="5364333" cy="3066863"/>
+            <a:chOff x="838200" y="2230749"/>
+            <a:chExt cx="5364333" cy="3066863"/>
           </a:xfrm>
-          <a:prstGeom prst="line">
-            <a:avLst/>
-          </a:prstGeom>
-          <a:ln w="76200">
-            <a:solidFill>
-              <a:srgbClr val="0000FF"/>
-            </a:solidFill>
-          </a:ln>
-        </p:spPr>
-        <p:style>
-          <a:lnRef idx="1">
-            <a:schemeClr val="accent1"/>
-          </a:lnRef>
-          <a:fillRef idx="0">
-            <a:schemeClr val="accent1"/>
-          </a:fillRef>
-          <a:effectRef idx="0">
-            <a:schemeClr val="accent1"/>
-          </a:effectRef>
-          <a:fontRef idx="minor">
-            <a:schemeClr val="tx1"/>
-          </a:fontRef>
-        </p:style>
-      </p:cxnSp>
+        </p:grpSpPr>
+        <p:grpSp>
+          <p:nvGrpSpPr>
+            <p:cNvPr id="16" name="Group 15">
+              <a:extLst>
+                <a:ext uri="{FF2B5EF4-FFF2-40B4-BE49-F238E27FC236}">
+                  <a16:creationId xmlns:a16="http://schemas.microsoft.com/office/drawing/2014/main" id="{834DA825-28A9-4173-87E4-99B3B1E8F72F}"/>
+                </a:ext>
+              </a:extLst>
+            </p:cNvPr>
+            <p:cNvGrpSpPr/>
+            <p:nvPr/>
+          </p:nvGrpSpPr>
+          <p:grpSpPr>
+            <a:xfrm>
+              <a:off x="838200" y="2230749"/>
+              <a:ext cx="4304091" cy="3066863"/>
+              <a:chOff x="623621" y="1957921"/>
+              <a:chExt cx="4304091" cy="3066863"/>
+            </a:xfrm>
+          </p:grpSpPr>
+          <p:grpSp>
+            <p:nvGrpSpPr>
+              <p:cNvPr id="18" name="Group 17">
+                <a:extLst>
+                  <a:ext uri="{FF2B5EF4-FFF2-40B4-BE49-F238E27FC236}">
+                    <a16:creationId xmlns:a16="http://schemas.microsoft.com/office/drawing/2014/main" id="{85470342-BECD-4B85-8637-AAA4712425A6}"/>
+                  </a:ext>
+                </a:extLst>
+              </p:cNvPr>
+              <p:cNvGrpSpPr/>
+              <p:nvPr/>
+            </p:nvGrpSpPr>
+            <p:grpSpPr>
+              <a:xfrm>
+                <a:off x="623621" y="4110384"/>
+                <a:ext cx="3619565" cy="914400"/>
+                <a:chOff x="563724" y="1847464"/>
+                <a:chExt cx="4217023" cy="914400"/>
+              </a:xfrm>
+            </p:grpSpPr>
+            <p:sp>
+              <p:nvSpPr>
+                <p:cNvPr id="26" name="Rectangle 25">
+                  <a:extLst>
+                    <a:ext uri="{FF2B5EF4-FFF2-40B4-BE49-F238E27FC236}">
+                      <a16:creationId xmlns:a16="http://schemas.microsoft.com/office/drawing/2014/main" id="{61E9F271-F942-406F-A607-68678B8F461F}"/>
+                    </a:ext>
+                  </a:extLst>
+                </p:cNvPr>
+                <p:cNvSpPr/>
+                <p:nvPr/>
+              </p:nvSpPr>
+              <p:spPr>
+                <a:xfrm>
+                  <a:off x="563724" y="1847464"/>
+                  <a:ext cx="1040339" cy="914400"/>
+                </a:xfrm>
+                <a:prstGeom prst="rect">
+                  <a:avLst/>
+                </a:prstGeom>
+              </p:spPr>
+              <p:style>
+                <a:lnRef idx="2">
+                  <a:schemeClr val="accent1">
+                    <a:shade val="50000"/>
+                  </a:schemeClr>
+                </a:lnRef>
+                <a:fillRef idx="1">
+                  <a:schemeClr val="accent1"/>
+                </a:fillRef>
+                <a:effectRef idx="0">
+                  <a:schemeClr val="accent1"/>
+                </a:effectRef>
+                <a:fontRef idx="minor">
+                  <a:schemeClr val="lt1"/>
+                </a:fontRef>
+              </p:style>
+              <p:txBody>
+                <a:bodyPr rtlCol="0" anchor="ctr"/>
+                <a:lstStyle/>
+                <a:p>
+                  <a:pPr algn="ctr"/>
+                  <a:r>
+                    <a:rPr lang="en-US" b="1" dirty="0"/>
+                    <a:t>CW Laser</a:t>
+                  </a:r>
+                </a:p>
+              </p:txBody>
+            </p:sp>
+            <p:cxnSp>
+              <p:nvCxnSpPr>
+                <p:cNvPr id="27" name="Straight Connector 26">
+                  <a:extLst>
+                    <a:ext uri="{FF2B5EF4-FFF2-40B4-BE49-F238E27FC236}">
+                      <a16:creationId xmlns:a16="http://schemas.microsoft.com/office/drawing/2014/main" id="{35156985-15C6-4E9D-A107-7ED097D51B99}"/>
+                    </a:ext>
+                  </a:extLst>
+                </p:cNvPr>
+                <p:cNvCxnSpPr>
+                  <a:cxnSpLocks/>
+                  <a:stCxn id="26" idx="3"/>
+                  <a:endCxn id="29" idx="1"/>
+                </p:cNvCxnSpPr>
+                <p:nvPr/>
+              </p:nvCxnSpPr>
+              <p:spPr>
+                <a:xfrm>
+                  <a:off x="1604063" y="2304664"/>
+                  <a:ext cx="610973" cy="0"/>
+                </a:xfrm>
+                <a:prstGeom prst="line">
+                  <a:avLst/>
+                </a:prstGeom>
+                <a:ln w="57150">
+                  <a:solidFill>
+                    <a:srgbClr val="0000FF"/>
+                  </a:solidFill>
+                </a:ln>
+              </p:spPr>
+              <p:style>
+                <a:lnRef idx="1">
+                  <a:schemeClr val="accent1"/>
+                </a:lnRef>
+                <a:fillRef idx="0">
+                  <a:schemeClr val="accent1"/>
+                </a:fillRef>
+                <a:effectRef idx="0">
+                  <a:schemeClr val="accent1"/>
+                </a:effectRef>
+                <a:fontRef idx="minor">
+                  <a:schemeClr val="tx1"/>
+                </a:fontRef>
+              </p:style>
+            </p:cxnSp>
+            <p:sp>
+              <p:nvSpPr>
+                <p:cNvPr id="29" name="Rectangle 28">
+                  <a:extLst>
+                    <a:ext uri="{FF2B5EF4-FFF2-40B4-BE49-F238E27FC236}">
+                      <a16:creationId xmlns:a16="http://schemas.microsoft.com/office/drawing/2014/main" id="{D7BE5A7C-9540-4571-B23B-6405593EB1DD}"/>
+                    </a:ext>
+                  </a:extLst>
+                </p:cNvPr>
+                <p:cNvSpPr/>
+                <p:nvPr/>
+              </p:nvSpPr>
+              <p:spPr>
+                <a:xfrm>
+                  <a:off x="2215036" y="1847464"/>
+                  <a:ext cx="1040339" cy="914400"/>
+                </a:xfrm>
+                <a:prstGeom prst="rect">
+                  <a:avLst/>
+                </a:prstGeom>
+              </p:spPr>
+              <p:style>
+                <a:lnRef idx="2">
+                  <a:schemeClr val="accent1">
+                    <a:shade val="50000"/>
+                  </a:schemeClr>
+                </a:lnRef>
+                <a:fillRef idx="1">
+                  <a:schemeClr val="accent1"/>
+                </a:fillRef>
+                <a:effectRef idx="0">
+                  <a:schemeClr val="accent1"/>
+                </a:effectRef>
+                <a:fontRef idx="minor">
+                  <a:schemeClr val="lt1"/>
+                </a:fontRef>
+              </p:style>
+              <p:txBody>
+                <a:bodyPr rtlCol="0" anchor="ctr"/>
+                <a:lstStyle/>
+                <a:p>
+                  <a:pPr algn="ctr"/>
+                  <a:r>
+                    <a:rPr lang="en-US" b="1" dirty="0"/>
+                    <a:t>EOM</a:t>
+                  </a:r>
+                  <a:r>
+                    <a:rPr lang="en-US" dirty="0"/>
+                    <a:t> </a:t>
+                  </a:r>
+                </a:p>
+              </p:txBody>
+            </p:sp>
+            <p:sp>
+              <p:nvSpPr>
+                <p:cNvPr id="30" name="Rectangle 29">
+                  <a:extLst>
+                    <a:ext uri="{FF2B5EF4-FFF2-40B4-BE49-F238E27FC236}">
+                      <a16:creationId xmlns:a16="http://schemas.microsoft.com/office/drawing/2014/main" id="{886B2C3F-D3C7-42FB-94D1-45F83A172610}"/>
+                    </a:ext>
+                  </a:extLst>
+                </p:cNvPr>
+                <p:cNvSpPr/>
+                <p:nvPr/>
+              </p:nvSpPr>
+              <p:spPr>
+                <a:xfrm>
+                  <a:off x="3740409" y="1847464"/>
+                  <a:ext cx="1040338" cy="914400"/>
+                </a:xfrm>
+                <a:prstGeom prst="rect">
+                  <a:avLst/>
+                </a:prstGeom>
+              </p:spPr>
+              <p:style>
+                <a:lnRef idx="2">
+                  <a:schemeClr val="accent1">
+                    <a:shade val="50000"/>
+                  </a:schemeClr>
+                </a:lnRef>
+                <a:fillRef idx="1">
+                  <a:schemeClr val="accent1"/>
+                </a:fillRef>
+                <a:effectRef idx="0">
+                  <a:schemeClr val="accent1"/>
+                </a:effectRef>
+                <a:fontRef idx="minor">
+                  <a:schemeClr val="lt1"/>
+                </a:fontRef>
+              </p:style>
+              <p:txBody>
+                <a:bodyPr rtlCol="0" anchor="ctr"/>
+                <a:lstStyle/>
+                <a:p>
+                  <a:pPr algn="ctr"/>
+                  <a:r>
+                    <a:rPr lang="en-US" b="1" dirty="0"/>
+                    <a:t>EOM</a:t>
+                  </a:r>
+                </a:p>
+              </p:txBody>
+            </p:sp>
+            <p:cxnSp>
+              <p:nvCxnSpPr>
+                <p:cNvPr id="31" name="Straight Connector 30">
+                  <a:extLst>
+                    <a:ext uri="{FF2B5EF4-FFF2-40B4-BE49-F238E27FC236}">
+                      <a16:creationId xmlns:a16="http://schemas.microsoft.com/office/drawing/2014/main" id="{BF99A27E-431C-4CB5-98F6-22D2D9EE5DC1}"/>
+                    </a:ext>
+                  </a:extLst>
+                </p:cNvPr>
+                <p:cNvCxnSpPr>
+                  <a:cxnSpLocks/>
+                  <a:stCxn id="29" idx="3"/>
+                  <a:endCxn id="30" idx="1"/>
+                </p:cNvCxnSpPr>
+                <p:nvPr/>
+              </p:nvCxnSpPr>
+              <p:spPr>
+                <a:xfrm>
+                  <a:off x="3255375" y="2304664"/>
+                  <a:ext cx="485035" cy="0"/>
+                </a:xfrm>
+                <a:prstGeom prst="line">
+                  <a:avLst/>
+                </a:prstGeom>
+                <a:ln w="57150">
+                  <a:solidFill>
+                    <a:srgbClr val="0000FF"/>
+                  </a:solidFill>
+                </a:ln>
+              </p:spPr>
+              <p:style>
+                <a:lnRef idx="3">
+                  <a:schemeClr val="accent1"/>
+                </a:lnRef>
+                <a:fillRef idx="0">
+                  <a:schemeClr val="accent1"/>
+                </a:fillRef>
+                <a:effectRef idx="2">
+                  <a:schemeClr val="accent1"/>
+                </a:effectRef>
+                <a:fontRef idx="minor">
+                  <a:schemeClr val="tx1"/>
+                </a:fontRef>
+              </p:style>
+            </p:cxnSp>
+          </p:grpSp>
+          <p:sp>
+            <p:nvSpPr>
+              <p:cNvPr id="19" name="Rectangle 18">
+                <a:extLst>
+                  <a:ext uri="{FF2B5EF4-FFF2-40B4-BE49-F238E27FC236}">
+                    <a16:creationId xmlns:a16="http://schemas.microsoft.com/office/drawing/2014/main" id="{FEBA0278-264B-4D61-9270-EFCC7E2976A0}"/>
+                  </a:ext>
+                </a:extLst>
+              </p:cNvPr>
+              <p:cNvSpPr/>
+              <p:nvPr/>
+            </p:nvSpPr>
+            <p:spPr>
+              <a:xfrm>
+                <a:off x="3846190" y="1957921"/>
+                <a:ext cx="1081522" cy="473470"/>
+              </a:xfrm>
+              <a:prstGeom prst="rect">
+                <a:avLst/>
+              </a:prstGeom>
+            </p:spPr>
+            <p:style>
+              <a:lnRef idx="2">
+                <a:schemeClr val="accent1">
+                  <a:shade val="50000"/>
+                </a:schemeClr>
+              </a:lnRef>
+              <a:fillRef idx="1">
+                <a:schemeClr val="accent1"/>
+              </a:fillRef>
+              <a:effectRef idx="0">
+                <a:schemeClr val="accent1"/>
+              </a:effectRef>
+              <a:fontRef idx="minor">
+                <a:schemeClr val="lt1"/>
+              </a:fontRef>
+            </p:style>
+            <p:txBody>
+              <a:bodyPr rtlCol="0" anchor="ctr"/>
+              <a:lstStyle/>
+              <a:p>
+                <a:pPr algn="ctr"/>
+                <a:r>
+                  <a:rPr lang="en-US" b="1" dirty="0"/>
+                  <a:t>Clock</a:t>
+                </a:r>
+              </a:p>
+            </p:txBody>
+          </p:sp>
+          <p:sp>
+            <p:nvSpPr>
+              <p:cNvPr id="20" name="Rectangle 19">
+                <a:extLst>
+                  <a:ext uri="{FF2B5EF4-FFF2-40B4-BE49-F238E27FC236}">
+                    <a16:creationId xmlns:a16="http://schemas.microsoft.com/office/drawing/2014/main" id="{4A613C81-EDDC-48BA-B55E-BD40733CE7CA}"/>
+                  </a:ext>
+                </a:extLst>
+              </p:cNvPr>
+              <p:cNvSpPr/>
+              <p:nvPr/>
+            </p:nvSpPr>
+            <p:spPr>
+              <a:xfrm>
+                <a:off x="2316799" y="2996011"/>
+                <a:ext cx="1523078" cy="641237"/>
+              </a:xfrm>
+              <a:prstGeom prst="rect">
+                <a:avLst/>
+              </a:prstGeom>
+            </p:spPr>
+            <p:style>
+              <a:lnRef idx="2">
+                <a:schemeClr val="accent1">
+                  <a:shade val="50000"/>
+                </a:schemeClr>
+              </a:lnRef>
+              <a:fillRef idx="1">
+                <a:schemeClr val="accent1"/>
+              </a:fillRef>
+              <a:effectRef idx="0">
+                <a:schemeClr val="accent1"/>
+              </a:effectRef>
+              <a:fontRef idx="minor">
+                <a:schemeClr val="lt1"/>
+              </a:fontRef>
+            </p:style>
+            <p:txBody>
+              <a:bodyPr rtlCol="0" anchor="ctr"/>
+              <a:lstStyle/>
+              <a:p>
+                <a:pPr algn="ctr"/>
+                <a:r>
+                  <a:rPr lang="en-US" b="1" dirty="0"/>
+                  <a:t>Pulse compressor</a:t>
+                </a:r>
+              </a:p>
+            </p:txBody>
+          </p:sp>
+          <p:cxnSp>
+            <p:nvCxnSpPr>
+              <p:cNvPr id="21" name="Connector: Curved 20">
+                <a:extLst>
+                  <a:ext uri="{FF2B5EF4-FFF2-40B4-BE49-F238E27FC236}">
+                    <a16:creationId xmlns:a16="http://schemas.microsoft.com/office/drawing/2014/main" id="{F5BEB18D-484E-499B-A18B-2534E401122C}"/>
+                  </a:ext>
+                </a:extLst>
+              </p:cNvPr>
+              <p:cNvCxnSpPr>
+                <a:cxnSpLocks/>
+                <a:stCxn id="29" idx="0"/>
+                <a:endCxn id="20" idx="2"/>
+              </p:cNvCxnSpPr>
+              <p:nvPr/>
+            </p:nvCxnSpPr>
+            <p:spPr>
+              <a:xfrm rot="5400000" flipH="1" flipV="1">
+                <a:off x="2546327" y="3578373"/>
+                <a:ext cx="473136" cy="590886"/>
+              </a:xfrm>
+              <a:prstGeom prst="curvedConnector3">
+                <a:avLst>
+                  <a:gd name="adj1" fmla="val 50000"/>
+                </a:avLst>
+              </a:prstGeom>
+              <a:ln w="28575">
+                <a:solidFill>
+                  <a:schemeClr val="accent2">
+                    <a:lumMod val="50000"/>
+                  </a:schemeClr>
+                </a:solidFill>
+              </a:ln>
+            </p:spPr>
+            <p:style>
+              <a:lnRef idx="1">
+                <a:schemeClr val="accent1"/>
+              </a:lnRef>
+              <a:fillRef idx="0">
+                <a:schemeClr val="accent1"/>
+              </a:fillRef>
+              <a:effectRef idx="0">
+                <a:schemeClr val="accent1"/>
+              </a:effectRef>
+              <a:fontRef idx="minor">
+                <a:schemeClr val="tx1"/>
+              </a:fontRef>
+            </p:style>
+          </p:cxnSp>
+          <p:cxnSp>
+            <p:nvCxnSpPr>
+              <p:cNvPr id="22" name="Connector: Curved 21">
+                <a:extLst>
+                  <a:ext uri="{FF2B5EF4-FFF2-40B4-BE49-F238E27FC236}">
+                    <a16:creationId xmlns:a16="http://schemas.microsoft.com/office/drawing/2014/main" id="{C97BA3E4-6F17-41AB-8294-3ADFB9F80BC4}"/>
+                  </a:ext>
+                </a:extLst>
+              </p:cNvPr>
+              <p:cNvCxnSpPr>
+                <a:cxnSpLocks/>
+                <a:stCxn id="20" idx="2"/>
+                <a:endCxn id="30" idx="0"/>
+              </p:cNvCxnSpPr>
+              <p:nvPr/>
+            </p:nvCxnSpPr>
+            <p:spPr>
+              <a:xfrm rot="16200000" flipH="1">
+                <a:off x="3200958" y="3514628"/>
+                <a:ext cx="473136" cy="718376"/>
+              </a:xfrm>
+              <a:prstGeom prst="curvedConnector3">
+                <a:avLst>
+                  <a:gd name="adj1" fmla="val 50000"/>
+                </a:avLst>
+              </a:prstGeom>
+              <a:ln w="28575">
+                <a:solidFill>
+                  <a:schemeClr val="accent2">
+                    <a:lumMod val="50000"/>
+                  </a:schemeClr>
+                </a:solidFill>
+              </a:ln>
+            </p:spPr>
+            <p:style>
+              <a:lnRef idx="1">
+                <a:schemeClr val="accent1"/>
+              </a:lnRef>
+              <a:fillRef idx="0">
+                <a:schemeClr val="accent1"/>
+              </a:fillRef>
+              <a:effectRef idx="0">
+                <a:schemeClr val="accent1"/>
+              </a:effectRef>
+              <a:fontRef idx="minor">
+                <a:schemeClr val="tx1"/>
+              </a:fontRef>
+            </p:style>
+          </p:cxnSp>
+          <p:sp>
+            <p:nvSpPr>
+              <p:cNvPr id="23" name="Rectangle 22">
+                <a:extLst>
+                  <a:ext uri="{FF2B5EF4-FFF2-40B4-BE49-F238E27FC236}">
+                    <a16:creationId xmlns:a16="http://schemas.microsoft.com/office/drawing/2014/main" id="{5FAABC77-6152-473A-9E49-87CC395DA4B4}"/>
+                  </a:ext>
+                </a:extLst>
+              </p:cNvPr>
+              <p:cNvSpPr/>
+              <p:nvPr/>
+            </p:nvSpPr>
+            <p:spPr>
+              <a:xfrm>
+                <a:off x="748499" y="2115327"/>
+                <a:ext cx="1233546" cy="583459"/>
+              </a:xfrm>
+              <a:prstGeom prst="rect">
+                <a:avLst/>
+              </a:prstGeom>
+            </p:spPr>
+            <p:style>
+              <a:lnRef idx="2">
+                <a:schemeClr val="accent1">
+                  <a:shade val="50000"/>
+                </a:schemeClr>
+              </a:lnRef>
+              <a:fillRef idx="1">
+                <a:schemeClr val="accent1"/>
+              </a:fillRef>
+              <a:effectRef idx="0">
+                <a:schemeClr val="accent1"/>
+              </a:effectRef>
+              <a:fontRef idx="minor">
+                <a:schemeClr val="lt1"/>
+              </a:fontRef>
+            </p:style>
+            <p:txBody>
+              <a:bodyPr rtlCol="0" anchor="ctr"/>
+              <a:lstStyle/>
+              <a:p>
+                <a:pPr algn="ctr"/>
+                <a:r>
+                  <a:rPr lang="en-US" sz="2500" dirty="0"/>
+                  <a:t>FPGA</a:t>
+                </a:r>
+              </a:p>
+            </p:txBody>
+          </p:sp>
+          <p:cxnSp>
+            <p:nvCxnSpPr>
+              <p:cNvPr id="24" name="Connector: Curved 23">
+                <a:extLst>
+                  <a:ext uri="{FF2B5EF4-FFF2-40B4-BE49-F238E27FC236}">
+                    <a16:creationId xmlns:a16="http://schemas.microsoft.com/office/drawing/2014/main" id="{9AF012F2-550D-49CE-926F-AE4EE0C9577F}"/>
+                  </a:ext>
+                </a:extLst>
+              </p:cNvPr>
+              <p:cNvCxnSpPr>
+                <a:cxnSpLocks/>
+                <a:stCxn id="23" idx="2"/>
+                <a:endCxn id="20" idx="0"/>
+              </p:cNvCxnSpPr>
+              <p:nvPr/>
+            </p:nvCxnSpPr>
+            <p:spPr>
+              <a:xfrm rot="16200000" flipH="1">
+                <a:off x="2073193" y="1990865"/>
+                <a:ext cx="297225" cy="1713066"/>
+              </a:xfrm>
+              <a:prstGeom prst="curvedConnector3">
+                <a:avLst>
+                  <a:gd name="adj1" fmla="val 50000"/>
+                </a:avLst>
+              </a:prstGeom>
+              <a:ln w="28575">
+                <a:solidFill>
+                  <a:schemeClr val="accent2">
+                    <a:lumMod val="50000"/>
+                  </a:schemeClr>
+                </a:solidFill>
+              </a:ln>
+            </p:spPr>
+            <p:style>
+              <a:lnRef idx="1">
+                <a:schemeClr val="accent1"/>
+              </a:lnRef>
+              <a:fillRef idx="0">
+                <a:schemeClr val="accent1"/>
+              </a:fillRef>
+              <a:effectRef idx="0">
+                <a:schemeClr val="accent1"/>
+              </a:effectRef>
+              <a:fontRef idx="minor">
+                <a:schemeClr val="tx1"/>
+              </a:fontRef>
+            </p:style>
+          </p:cxnSp>
+          <p:cxnSp>
+            <p:nvCxnSpPr>
+              <p:cNvPr id="25" name="Connector: Curved 24">
+                <a:extLst>
+                  <a:ext uri="{FF2B5EF4-FFF2-40B4-BE49-F238E27FC236}">
+                    <a16:creationId xmlns:a16="http://schemas.microsoft.com/office/drawing/2014/main" id="{E955F80E-806C-4F87-989B-7914E8EC6B4F}"/>
+                  </a:ext>
+                </a:extLst>
+              </p:cNvPr>
+              <p:cNvCxnSpPr>
+                <a:cxnSpLocks/>
+                <a:stCxn id="19" idx="1"/>
+                <a:endCxn id="20" idx="0"/>
+              </p:cNvCxnSpPr>
+              <p:nvPr/>
+            </p:nvCxnSpPr>
+            <p:spPr>
+              <a:xfrm rot="10800000" flipV="1">
+                <a:off x="3078338" y="2194655"/>
+                <a:ext cx="767852" cy="801355"/>
+              </a:xfrm>
+              <a:prstGeom prst="curvedConnector2">
+                <a:avLst/>
+              </a:prstGeom>
+              <a:ln w="28575">
+                <a:solidFill>
+                  <a:schemeClr val="accent2">
+                    <a:lumMod val="50000"/>
+                  </a:schemeClr>
+                </a:solidFill>
+              </a:ln>
+            </p:spPr>
+            <p:style>
+              <a:lnRef idx="1">
+                <a:schemeClr val="accent1"/>
+              </a:lnRef>
+              <a:fillRef idx="0">
+                <a:schemeClr val="accent1"/>
+              </a:fillRef>
+              <a:effectRef idx="0">
+                <a:schemeClr val="accent1"/>
+              </a:effectRef>
+              <a:fontRef idx="minor">
+                <a:schemeClr val="tx1"/>
+              </a:fontRef>
+            </p:style>
+          </p:cxnSp>
+        </p:grpSp>
+        <p:cxnSp>
+          <p:nvCxnSpPr>
+            <p:cNvPr id="8" name="Straight Connector 7">
+              <a:extLst>
+                <a:ext uri="{FF2B5EF4-FFF2-40B4-BE49-F238E27FC236}">
+                  <a16:creationId xmlns:a16="http://schemas.microsoft.com/office/drawing/2014/main" id="{D5057234-02F3-4767-98A6-A428BBF4D307}"/>
+                </a:ext>
+              </a:extLst>
+            </p:cNvPr>
+            <p:cNvCxnSpPr>
+              <a:cxnSpLocks/>
+              <a:stCxn id="30" idx="3"/>
+            </p:cNvCxnSpPr>
+            <p:nvPr/>
+          </p:nvCxnSpPr>
+          <p:spPr>
+            <a:xfrm>
+              <a:off x="4457765" y="4840412"/>
+              <a:ext cx="1744768" cy="0"/>
+            </a:xfrm>
+            <a:prstGeom prst="line">
+              <a:avLst/>
+            </a:prstGeom>
+            <a:ln w="76200">
+              <a:solidFill>
+                <a:srgbClr val="0000FF"/>
+              </a:solidFill>
+            </a:ln>
+          </p:spPr>
+          <p:style>
+            <a:lnRef idx="1">
+              <a:schemeClr val="accent1"/>
+            </a:lnRef>
+            <a:fillRef idx="0">
+              <a:schemeClr val="accent1"/>
+            </a:fillRef>
+            <a:effectRef idx="0">
+              <a:schemeClr val="accent1"/>
+            </a:effectRef>
+            <a:fontRef idx="minor">
+              <a:schemeClr val="tx1"/>
+            </a:fontRef>
+          </p:style>
+        </p:cxnSp>
+      </p:grpSp>
       <p:grpSp>
         <p:nvGrpSpPr>
           <p:cNvPr id="36" name="Group 35">
@@ -12583,7 +12824,7 @@
                                           </p:stCondLst>
                                         </p:cTn>
                                         <p:tgtEl>
-                                          <p:spTgt spid="16"/>
+                                          <p:spTgt spid="3"/>
                                         </p:tgtEl>
                                         <p:attrNameLst>
                                           <p:attrName>style.visibility</p:attrName>
@@ -12813,7 +13054,7 @@
           <a:p>
             <a:r>
               <a:rPr lang="en-US" sz="3600" dirty="0"/>
-              <a:t>Current Focus – Part I: Hanbury Brown–Twiss on Excitation Pulses</a:t>
+              <a:t>Current focus – Part I: Hanbury Brown–Twiss on excitation pulses</a:t>
             </a:r>
             <a:endParaRPr lang="en-US" sz="3430" dirty="0"/>
           </a:p>
@@ -12904,94 +13145,6 @@
           </a:p>
         </p:txBody>
       </p:sp>
-      <p:cxnSp>
-        <p:nvCxnSpPr>
-          <p:cNvPr id="28" name="Connector: Curved 27">
-            <a:extLst>
-              <a:ext uri="{FF2B5EF4-FFF2-40B4-BE49-F238E27FC236}">
-                <a16:creationId xmlns:a16="http://schemas.microsoft.com/office/drawing/2014/main" id="{3EF04B9A-3E6A-495A-B830-60BD67EA59E0}"/>
-              </a:ext>
-            </a:extLst>
-          </p:cNvPr>
-          <p:cNvCxnSpPr>
-            <a:cxnSpLocks/>
-            <a:endCxn id="26" idx="0"/>
-          </p:cNvCxnSpPr>
-          <p:nvPr/>
-        </p:nvCxnSpPr>
-        <p:spPr>
-          <a:xfrm>
-            <a:off x="7202514" y="2458024"/>
-            <a:ext cx="3242140" cy="537987"/>
-          </a:xfrm>
-          <a:prstGeom prst="curvedConnector2">
-            <a:avLst/>
-          </a:prstGeom>
-          <a:ln w="57150">
-            <a:solidFill>
-              <a:srgbClr val="FF0000"/>
-            </a:solidFill>
-          </a:ln>
-        </p:spPr>
-        <p:style>
-          <a:lnRef idx="2">
-            <a:schemeClr val="accent2"/>
-          </a:lnRef>
-          <a:fillRef idx="0">
-            <a:schemeClr val="accent2"/>
-          </a:fillRef>
-          <a:effectRef idx="1">
-            <a:schemeClr val="accent2"/>
-          </a:effectRef>
-          <a:fontRef idx="minor">
-            <a:schemeClr val="tx1"/>
-          </a:fontRef>
-        </p:style>
-      </p:cxnSp>
-      <p:cxnSp>
-        <p:nvCxnSpPr>
-          <p:cNvPr id="33" name="Connector: Curved 32">
-            <a:extLst>
-              <a:ext uri="{FF2B5EF4-FFF2-40B4-BE49-F238E27FC236}">
-                <a16:creationId xmlns:a16="http://schemas.microsoft.com/office/drawing/2014/main" id="{CF0E3C38-CDBD-4BCE-ABC8-B52FC8D892FF}"/>
-              </a:ext>
-            </a:extLst>
-          </p:cNvPr>
-          <p:cNvCxnSpPr>
-            <a:cxnSpLocks/>
-            <a:endCxn id="26" idx="1"/>
-          </p:cNvCxnSpPr>
-          <p:nvPr/>
-        </p:nvCxnSpPr>
-        <p:spPr>
-          <a:xfrm flipV="1">
-            <a:off x="7844152" y="3453211"/>
-            <a:ext cx="1691356" cy="408779"/>
-          </a:xfrm>
-          <a:prstGeom prst="curvedConnector3">
-            <a:avLst/>
-          </a:prstGeom>
-          <a:ln w="57150">
-            <a:solidFill>
-              <a:srgbClr val="FF0000"/>
-            </a:solidFill>
-          </a:ln>
-        </p:spPr>
-        <p:style>
-          <a:lnRef idx="1">
-            <a:schemeClr val="accent2"/>
-          </a:lnRef>
-          <a:fillRef idx="0">
-            <a:schemeClr val="accent2"/>
-          </a:fillRef>
-          <a:effectRef idx="0">
-            <a:schemeClr val="accent2"/>
-          </a:effectRef>
-          <a:fontRef idx="minor">
-            <a:schemeClr val="tx1"/>
-          </a:fontRef>
-        </p:style>
-      </p:cxnSp>
       <p:cxnSp>
         <p:nvCxnSpPr>
           <p:cNvPr id="51" name="Straight Connector 50">
@@ -13015,50 +13168,6 @@
           <a:prstGeom prst="line">
             <a:avLst/>
           </a:prstGeom>
-        </p:spPr>
-        <p:style>
-          <a:lnRef idx="1">
-            <a:schemeClr val="accent1"/>
-          </a:lnRef>
-          <a:fillRef idx="0">
-            <a:schemeClr val="accent1"/>
-          </a:fillRef>
-          <a:effectRef idx="0">
-            <a:schemeClr val="accent1"/>
-          </a:effectRef>
-          <a:fontRef idx="minor">
-            <a:schemeClr val="tx1"/>
-          </a:fontRef>
-        </p:style>
-      </p:cxnSp>
-      <p:cxnSp>
-        <p:nvCxnSpPr>
-          <p:cNvPr id="53" name="Connector: Curved 52">
-            <a:extLst>
-              <a:ext uri="{FF2B5EF4-FFF2-40B4-BE49-F238E27FC236}">
-                <a16:creationId xmlns:a16="http://schemas.microsoft.com/office/drawing/2014/main" id="{54A66A5D-7A96-45CE-93E3-52199D3EFD34}"/>
-              </a:ext>
-            </a:extLst>
-          </p:cNvPr>
-          <p:cNvCxnSpPr>
-            <a:cxnSpLocks/>
-            <a:stCxn id="11" idx="3"/>
-          </p:cNvCxnSpPr>
-          <p:nvPr/>
-        </p:nvCxnSpPr>
-        <p:spPr>
-          <a:xfrm flipV="1">
-            <a:off x="4097387" y="3453211"/>
-            <a:ext cx="1998613" cy="1141006"/>
-          </a:xfrm>
-          <a:prstGeom prst="curvedConnector3">
-            <a:avLst/>
-          </a:prstGeom>
-          <a:ln w="76200">
-            <a:solidFill>
-              <a:srgbClr val="0000FF"/>
-            </a:solidFill>
-          </a:ln>
         </p:spPr>
         <p:style>
           <a:lnRef idx="1">
@@ -13446,7 +13555,7 @@
               <a:pPr algn="ctr"/>
               <a:r>
                 <a:rPr lang="en-US" dirty="0"/>
-                <a:t>Pulse compressor</a:t>
+                <a:t>Pulse Generator</a:t>
               </a:r>
             </a:p>
           </p:txBody>
@@ -13697,248 +13806,6 @@
       </p:grpSp>
       <p:grpSp>
         <p:nvGrpSpPr>
-          <p:cNvPr id="100" name="Group 99">
-            <a:extLst>
-              <a:ext uri="{FF2B5EF4-FFF2-40B4-BE49-F238E27FC236}">
-                <a16:creationId xmlns:a16="http://schemas.microsoft.com/office/drawing/2014/main" id="{84327733-F76A-4675-8B5E-8C22D3878707}"/>
-              </a:ext>
-            </a:extLst>
-          </p:cNvPr>
-          <p:cNvGrpSpPr/>
-          <p:nvPr/>
-        </p:nvGrpSpPr>
-        <p:grpSpPr>
-          <a:xfrm>
-            <a:off x="4890008" y="2084291"/>
-            <a:ext cx="6463792" cy="2263822"/>
-            <a:chOff x="4890008" y="2084291"/>
-            <a:chExt cx="6463792" cy="2263822"/>
-          </a:xfrm>
-        </p:grpSpPr>
-        <p:pic>
-          <p:nvPicPr>
-            <p:cNvPr id="16" name="Picture 15">
-              <a:extLst>
-                <a:ext uri="{FF2B5EF4-FFF2-40B4-BE49-F238E27FC236}">
-                  <a16:creationId xmlns:a16="http://schemas.microsoft.com/office/drawing/2014/main" id="{1BA0E70A-CC40-48DA-837C-56B30EACC049}"/>
-                </a:ext>
-              </a:extLst>
-            </p:cNvPr>
-            <p:cNvPicPr>
-              <a:picLocks noChangeAspect="1"/>
-            </p:cNvPicPr>
-            <p:nvPr/>
-          </p:nvPicPr>
-          <p:blipFill>
-            <a:blip r:embed="rId3"/>
-            <a:stretch>
-              <a:fillRect/>
-            </a:stretch>
-          </p:blipFill>
-          <p:spPr>
-            <a:xfrm rot="812521">
-              <a:off x="6011577" y="2341335"/>
-              <a:ext cx="2505425" cy="1852069"/>
-            </a:xfrm>
-            <a:prstGeom prst="rect">
-              <a:avLst/>
-            </a:prstGeom>
-          </p:spPr>
-        </p:pic>
-        <p:sp>
-          <p:nvSpPr>
-            <p:cNvPr id="17" name="TextBox 16">
-              <a:extLst>
-                <a:ext uri="{FF2B5EF4-FFF2-40B4-BE49-F238E27FC236}">
-                  <a16:creationId xmlns:a16="http://schemas.microsoft.com/office/drawing/2014/main" id="{C94F9262-39EB-4683-8E3F-C97888C54B42}"/>
-                </a:ext>
-              </a:extLst>
-            </p:cNvPr>
-            <p:cNvSpPr txBox="1"/>
-            <p:nvPr/>
-          </p:nvSpPr>
-          <p:spPr>
-            <a:xfrm>
-              <a:off x="5602396" y="3978781"/>
-              <a:ext cx="1600118" cy="369332"/>
-            </a:xfrm>
-            <a:prstGeom prst="rect">
-              <a:avLst/>
-            </a:prstGeom>
-            <a:solidFill>
-              <a:schemeClr val="accent3">
-                <a:lumMod val="60000"/>
-                <a:lumOff val="40000"/>
-              </a:schemeClr>
-            </a:solidFill>
-          </p:spPr>
-          <p:txBody>
-            <a:bodyPr wrap="none" rtlCol="0">
-              <a:spAutoFit/>
-            </a:bodyPr>
-            <a:lstStyle/>
-            <a:p>
-              <a:r>
-                <a:rPr lang="en-US" dirty="0"/>
-                <a:t>Beam Splitter</a:t>
-              </a:r>
-            </a:p>
-          </p:txBody>
-        </p:sp>
-        <p:sp>
-          <p:nvSpPr>
-            <p:cNvPr id="26" name="Rectangle 25">
-              <a:extLst>
-                <a:ext uri="{FF2B5EF4-FFF2-40B4-BE49-F238E27FC236}">
-                  <a16:creationId xmlns:a16="http://schemas.microsoft.com/office/drawing/2014/main" id="{C3418A9E-C4F6-4845-A05A-2BF9A8DBADE2}"/>
-                </a:ext>
-              </a:extLst>
-            </p:cNvPr>
-            <p:cNvSpPr/>
-            <p:nvPr/>
-          </p:nvSpPr>
-          <p:spPr>
-            <a:xfrm>
-              <a:off x="9535508" y="2996011"/>
-              <a:ext cx="1818292" cy="914400"/>
-            </a:xfrm>
-            <a:prstGeom prst="rect">
-              <a:avLst/>
-            </a:prstGeom>
-          </p:spPr>
-          <p:style>
-            <a:lnRef idx="2">
-              <a:schemeClr val="accent1">
-                <a:shade val="50000"/>
-              </a:schemeClr>
-            </a:lnRef>
-            <a:fillRef idx="1">
-              <a:schemeClr val="accent1"/>
-            </a:fillRef>
-            <a:effectRef idx="0">
-              <a:schemeClr val="accent1"/>
-            </a:effectRef>
-            <a:fontRef idx="minor">
-              <a:schemeClr val="lt1"/>
-            </a:fontRef>
-          </p:style>
-          <p:txBody>
-            <a:bodyPr rtlCol="0" anchor="ctr"/>
-            <a:lstStyle/>
-            <a:p>
-              <a:pPr algn="ctr"/>
-              <a:r>
-                <a:rPr lang="en-US" dirty="0"/>
-                <a:t>SNSPD</a:t>
-              </a:r>
-            </a:p>
-          </p:txBody>
-        </p:sp>
-        <p:sp>
-          <p:nvSpPr>
-            <p:cNvPr id="79" name="Arc 78">
-              <a:extLst>
-                <a:ext uri="{FF2B5EF4-FFF2-40B4-BE49-F238E27FC236}">
-                  <a16:creationId xmlns:a16="http://schemas.microsoft.com/office/drawing/2014/main" id="{942D4431-9DAD-4845-934F-D14D9C4306D8}"/>
-                </a:ext>
-              </a:extLst>
-            </p:cNvPr>
-            <p:cNvSpPr/>
-            <p:nvPr/>
-          </p:nvSpPr>
-          <p:spPr>
-            <a:xfrm>
-              <a:off x="6488425" y="2090411"/>
-              <a:ext cx="4367208" cy="1829530"/>
-            </a:xfrm>
-            <a:prstGeom prst="arc">
-              <a:avLst>
-                <a:gd name="adj1" fmla="val 15757006"/>
-                <a:gd name="adj2" fmla="val 0"/>
-              </a:avLst>
-            </a:prstGeom>
-            <a:ln w="28575">
-              <a:solidFill>
-                <a:schemeClr val="accent2">
-                  <a:lumMod val="50000"/>
-                </a:schemeClr>
-              </a:solidFill>
-            </a:ln>
-          </p:spPr>
-          <p:style>
-            <a:lnRef idx="1">
-              <a:schemeClr val="accent1"/>
-            </a:lnRef>
-            <a:fillRef idx="0">
-              <a:schemeClr val="accent1"/>
-            </a:fillRef>
-            <a:effectRef idx="0">
-              <a:schemeClr val="accent1"/>
-            </a:effectRef>
-            <a:fontRef idx="minor">
-              <a:schemeClr val="tx1"/>
-            </a:fontRef>
-          </p:style>
-          <p:txBody>
-            <a:bodyPr rtlCol="0" anchor="ctr"/>
-            <a:lstStyle/>
-            <a:p>
-              <a:pPr algn="ctr"/>
-              <a:endParaRPr lang="en-US" dirty="0"/>
-            </a:p>
-          </p:txBody>
-        </p:sp>
-        <p:cxnSp>
-          <p:nvCxnSpPr>
-            <p:cNvPr id="81" name="Connector: Curved 80">
-              <a:extLst>
-                <a:ext uri="{FF2B5EF4-FFF2-40B4-BE49-F238E27FC236}">
-                  <a16:creationId xmlns:a16="http://schemas.microsoft.com/office/drawing/2014/main" id="{99E5F0DE-A750-4874-9F11-770A14FD7F63}"/>
-                </a:ext>
-              </a:extLst>
-            </p:cNvPr>
-            <p:cNvCxnSpPr>
-              <a:cxnSpLocks/>
-              <a:stCxn id="35" idx="3"/>
-            </p:cNvCxnSpPr>
-            <p:nvPr/>
-          </p:nvCxnSpPr>
-          <p:spPr>
-            <a:xfrm flipV="1">
-              <a:off x="4890008" y="2084291"/>
-              <a:ext cx="3682888" cy="136998"/>
-            </a:xfrm>
-            <a:prstGeom prst="curvedConnector3">
-              <a:avLst>
-                <a:gd name="adj1" fmla="val -1344"/>
-              </a:avLst>
-            </a:prstGeom>
-            <a:ln w="28575">
-              <a:solidFill>
-                <a:schemeClr val="accent2">
-                  <a:lumMod val="50000"/>
-                </a:schemeClr>
-              </a:solidFill>
-            </a:ln>
-          </p:spPr>
-          <p:style>
-            <a:lnRef idx="1">
-              <a:schemeClr val="accent1"/>
-            </a:lnRef>
-            <a:fillRef idx="0">
-              <a:schemeClr val="accent1"/>
-            </a:fillRef>
-            <a:effectRef idx="0">
-              <a:schemeClr val="accent1"/>
-            </a:effectRef>
-            <a:fontRef idx="minor">
-              <a:schemeClr val="tx1"/>
-            </a:fontRef>
-          </p:style>
-        </p:cxnSp>
-      </p:grpSp>
-      <p:grpSp>
-        <p:nvGrpSpPr>
           <p:cNvPr id="101" name="Group 100">
             <a:extLst>
               <a:ext uri="{FF2B5EF4-FFF2-40B4-BE49-F238E27FC236}">
@@ -14091,57 +13958,715 @@
           </p:txBody>
         </p:sp>
       </p:grpSp>
-      <p:sp>
-        <p:nvSpPr>
-          <p:cNvPr id="93" name="Rectangle: Single Corner Rounded 92">
+      <p:grpSp>
+        <p:nvGrpSpPr>
+          <p:cNvPr id="30" name="Group 29">
             <a:extLst>
               <a:ext uri="{FF2B5EF4-FFF2-40B4-BE49-F238E27FC236}">
-                <a16:creationId xmlns:a16="http://schemas.microsoft.com/office/drawing/2014/main" id="{F4850765-D3D5-4E61-8AA5-91513AB8CFED}"/>
+                <a16:creationId xmlns:a16="http://schemas.microsoft.com/office/drawing/2014/main" id="{BF07C4FF-58DD-494A-A9FB-2B2FDD4D8611}"/>
               </a:ext>
             </a:extLst>
           </p:cNvPr>
-          <p:cNvSpPr/>
+          <p:cNvGrpSpPr/>
+          <p:nvPr/>
+        </p:nvGrpSpPr>
+        <p:grpSpPr>
+          <a:xfrm>
+            <a:off x="4097387" y="2111100"/>
+            <a:ext cx="7256413" cy="2721022"/>
+            <a:chOff x="4097387" y="2111100"/>
+            <a:chExt cx="7256413" cy="2721022"/>
+          </a:xfrm>
+        </p:grpSpPr>
+        <p:grpSp>
+          <p:nvGrpSpPr>
+            <p:cNvPr id="24" name="Group 23">
+              <a:extLst>
+                <a:ext uri="{FF2B5EF4-FFF2-40B4-BE49-F238E27FC236}">
+                  <a16:creationId xmlns:a16="http://schemas.microsoft.com/office/drawing/2014/main" id="{C08E7538-59AD-497B-8F82-1E8A4F2F2E95}"/>
+                </a:ext>
+              </a:extLst>
+            </p:cNvPr>
+            <p:cNvGrpSpPr/>
+            <p:nvPr/>
+          </p:nvGrpSpPr>
+          <p:grpSpPr>
+            <a:xfrm>
+              <a:off x="4097387" y="2111100"/>
+              <a:ext cx="7256413" cy="2721022"/>
+              <a:chOff x="4097387" y="2111100"/>
+              <a:chExt cx="7256413" cy="2721022"/>
+            </a:xfrm>
+          </p:grpSpPr>
+          <p:grpSp>
+            <p:nvGrpSpPr>
+              <p:cNvPr id="22" name="Group 21">
+                <a:extLst>
+                  <a:ext uri="{FF2B5EF4-FFF2-40B4-BE49-F238E27FC236}">
+                    <a16:creationId xmlns:a16="http://schemas.microsoft.com/office/drawing/2014/main" id="{3F271CF4-BABA-4209-BF30-AEEFAE50706D}"/>
+                  </a:ext>
+                </a:extLst>
+              </p:cNvPr>
+              <p:cNvGrpSpPr/>
+              <p:nvPr/>
+            </p:nvGrpSpPr>
+            <p:grpSpPr>
+              <a:xfrm>
+                <a:off x="4097387" y="2111100"/>
+                <a:ext cx="7256413" cy="2540821"/>
+                <a:chOff x="4097387" y="2084291"/>
+                <a:chExt cx="7256413" cy="2540821"/>
+              </a:xfrm>
+            </p:grpSpPr>
+            <p:grpSp>
+              <p:nvGrpSpPr>
+                <p:cNvPr id="14" name="Group 13">
+                  <a:extLst>
+                    <a:ext uri="{FF2B5EF4-FFF2-40B4-BE49-F238E27FC236}">
+                      <a16:creationId xmlns:a16="http://schemas.microsoft.com/office/drawing/2014/main" id="{90A291A4-0A86-433A-9C51-C7C20C40534F}"/>
+                    </a:ext>
+                  </a:extLst>
+                </p:cNvPr>
+                <p:cNvGrpSpPr/>
+                <p:nvPr/>
+              </p:nvGrpSpPr>
+              <p:grpSpPr>
+                <a:xfrm>
+                  <a:off x="4097387" y="2084291"/>
+                  <a:ext cx="7256413" cy="2540821"/>
+                  <a:chOff x="4097387" y="2084291"/>
+                  <a:chExt cx="7256413" cy="2540821"/>
+                </a:xfrm>
+              </p:grpSpPr>
+              <p:cxnSp>
+                <p:nvCxnSpPr>
+                  <p:cNvPr id="53" name="Connector: Curved 52">
+                    <a:extLst>
+                      <a:ext uri="{FF2B5EF4-FFF2-40B4-BE49-F238E27FC236}">
+                        <a16:creationId xmlns:a16="http://schemas.microsoft.com/office/drawing/2014/main" id="{54A66A5D-7A96-45CE-93E3-52199D3EFD34}"/>
+                      </a:ext>
+                    </a:extLst>
+                  </p:cNvPr>
+                  <p:cNvCxnSpPr>
+                    <a:cxnSpLocks/>
+                    <a:stCxn id="11" idx="3"/>
+                  </p:cNvCxnSpPr>
+                  <p:nvPr/>
+                </p:nvCxnSpPr>
+                <p:spPr>
+                  <a:xfrm flipV="1">
+                    <a:off x="4097387" y="3453211"/>
+                    <a:ext cx="1998613" cy="1141006"/>
+                  </a:xfrm>
+                  <a:prstGeom prst="curvedConnector3">
+                    <a:avLst/>
+                  </a:prstGeom>
+                  <a:ln w="76200">
+                    <a:solidFill>
+                      <a:srgbClr val="0000FF"/>
+                    </a:solidFill>
+                  </a:ln>
+                </p:spPr>
+                <p:style>
+                  <a:lnRef idx="1">
+                    <a:schemeClr val="accent1"/>
+                  </a:lnRef>
+                  <a:fillRef idx="0">
+                    <a:schemeClr val="accent1"/>
+                  </a:fillRef>
+                  <a:effectRef idx="0">
+                    <a:schemeClr val="accent1"/>
+                  </a:effectRef>
+                  <a:fontRef idx="minor">
+                    <a:schemeClr val="tx1"/>
+                  </a:fontRef>
+                </p:style>
+              </p:cxnSp>
+              <p:grpSp>
+                <p:nvGrpSpPr>
+                  <p:cNvPr id="13" name="Group 12">
+                    <a:extLst>
+                      <a:ext uri="{FF2B5EF4-FFF2-40B4-BE49-F238E27FC236}">
+                        <a16:creationId xmlns:a16="http://schemas.microsoft.com/office/drawing/2014/main" id="{E1CC043A-5C00-425A-845D-070ADA0C9411}"/>
+                      </a:ext>
+                    </a:extLst>
+                  </p:cNvPr>
+                  <p:cNvGrpSpPr/>
+                  <p:nvPr/>
+                </p:nvGrpSpPr>
+                <p:grpSpPr>
+                  <a:xfrm>
+                    <a:off x="4890008" y="2084291"/>
+                    <a:ext cx="6463792" cy="2540821"/>
+                    <a:chOff x="4890008" y="2084291"/>
+                    <a:chExt cx="6463792" cy="2540821"/>
+                  </a:xfrm>
+                </p:grpSpPr>
+                <p:cxnSp>
+                  <p:nvCxnSpPr>
+                    <p:cNvPr id="28" name="Connector: Curved 27">
+                      <a:extLst>
+                        <a:ext uri="{FF2B5EF4-FFF2-40B4-BE49-F238E27FC236}">
+                          <a16:creationId xmlns:a16="http://schemas.microsoft.com/office/drawing/2014/main" id="{3EF04B9A-3E6A-495A-B830-60BD67EA59E0}"/>
+                        </a:ext>
+                      </a:extLst>
+                    </p:cNvPr>
+                    <p:cNvCxnSpPr>
+                      <a:cxnSpLocks/>
+                      <a:endCxn id="26" idx="0"/>
+                    </p:cNvCxnSpPr>
+                    <p:nvPr/>
+                  </p:nvCxnSpPr>
+                  <p:spPr>
+                    <a:xfrm>
+                      <a:off x="7202514" y="2458024"/>
+                      <a:ext cx="3242140" cy="537987"/>
+                    </a:xfrm>
+                    <a:prstGeom prst="curvedConnector2">
+                      <a:avLst/>
+                    </a:prstGeom>
+                    <a:ln w="57150">
+                      <a:solidFill>
+                        <a:srgbClr val="FF0000"/>
+                      </a:solidFill>
+                    </a:ln>
+                  </p:spPr>
+                  <p:style>
+                    <a:lnRef idx="2">
+                      <a:schemeClr val="accent2"/>
+                    </a:lnRef>
+                    <a:fillRef idx="0">
+                      <a:schemeClr val="accent2"/>
+                    </a:fillRef>
+                    <a:effectRef idx="1">
+                      <a:schemeClr val="accent2"/>
+                    </a:effectRef>
+                    <a:fontRef idx="minor">
+                      <a:schemeClr val="tx1"/>
+                    </a:fontRef>
+                  </p:style>
+                </p:cxnSp>
+                <p:cxnSp>
+                  <p:nvCxnSpPr>
+                    <p:cNvPr id="33" name="Connector: Curved 32">
+                      <a:extLst>
+                        <a:ext uri="{FF2B5EF4-FFF2-40B4-BE49-F238E27FC236}">
+                          <a16:creationId xmlns:a16="http://schemas.microsoft.com/office/drawing/2014/main" id="{CF0E3C38-CDBD-4BCE-ABC8-B52FC8D892FF}"/>
+                        </a:ext>
+                      </a:extLst>
+                    </p:cNvPr>
+                    <p:cNvCxnSpPr>
+                      <a:cxnSpLocks/>
+                      <a:endCxn id="26" idx="1"/>
+                    </p:cNvCxnSpPr>
+                    <p:nvPr/>
+                  </p:nvCxnSpPr>
+                  <p:spPr>
+                    <a:xfrm flipV="1">
+                      <a:off x="7844152" y="3453211"/>
+                      <a:ext cx="1691356" cy="408779"/>
+                    </a:xfrm>
+                    <a:prstGeom prst="curvedConnector3">
+                      <a:avLst/>
+                    </a:prstGeom>
+                    <a:ln w="57150">
+                      <a:solidFill>
+                        <a:srgbClr val="FF0000"/>
+                      </a:solidFill>
+                    </a:ln>
+                  </p:spPr>
+                  <p:style>
+                    <a:lnRef idx="1">
+                      <a:schemeClr val="accent2"/>
+                    </a:lnRef>
+                    <a:fillRef idx="0">
+                      <a:schemeClr val="accent2"/>
+                    </a:fillRef>
+                    <a:effectRef idx="0">
+                      <a:schemeClr val="accent2"/>
+                    </a:effectRef>
+                    <a:fontRef idx="minor">
+                      <a:schemeClr val="tx1"/>
+                    </a:fontRef>
+                  </p:style>
+                </p:cxnSp>
+                <p:grpSp>
+                  <p:nvGrpSpPr>
+                    <p:cNvPr id="100" name="Group 99">
+                      <a:extLst>
+                        <a:ext uri="{FF2B5EF4-FFF2-40B4-BE49-F238E27FC236}">
+                          <a16:creationId xmlns:a16="http://schemas.microsoft.com/office/drawing/2014/main" id="{84327733-F76A-4675-8B5E-8C22D3878707}"/>
+                        </a:ext>
+                      </a:extLst>
+                    </p:cNvPr>
+                    <p:cNvGrpSpPr/>
+                    <p:nvPr/>
+                  </p:nvGrpSpPr>
+                  <p:grpSpPr>
+                    <a:xfrm>
+                      <a:off x="4890008" y="2084291"/>
+                      <a:ext cx="6463792" cy="2540821"/>
+                      <a:chOff x="4890008" y="2084291"/>
+                      <a:chExt cx="6463792" cy="2540821"/>
+                    </a:xfrm>
+                  </p:grpSpPr>
+                  <p:pic>
+                    <p:nvPicPr>
+                      <p:cNvPr id="16" name="Picture 15">
+                        <a:extLst>
+                          <a:ext uri="{FF2B5EF4-FFF2-40B4-BE49-F238E27FC236}">
+                            <a16:creationId xmlns:a16="http://schemas.microsoft.com/office/drawing/2014/main" id="{1BA0E70A-CC40-48DA-837C-56B30EACC049}"/>
+                          </a:ext>
+                        </a:extLst>
+                      </p:cNvPr>
+                      <p:cNvPicPr>
+                        <a:picLocks noChangeAspect="1"/>
+                      </p:cNvPicPr>
+                      <p:nvPr/>
+                    </p:nvPicPr>
+                    <p:blipFill>
+                      <a:blip r:embed="rId3"/>
+                      <a:stretch>
+                        <a:fillRect/>
+                      </a:stretch>
+                    </p:blipFill>
+                    <p:spPr>
+                      <a:xfrm rot="812521">
+                        <a:off x="6011577" y="2341335"/>
+                        <a:ext cx="2505425" cy="1852069"/>
+                      </a:xfrm>
+                      <a:prstGeom prst="rect">
+                        <a:avLst/>
+                      </a:prstGeom>
+                    </p:spPr>
+                  </p:pic>
+                  <p:sp>
+                    <p:nvSpPr>
+                      <p:cNvPr id="17" name="TextBox 16">
+                        <a:extLst>
+                          <a:ext uri="{FF2B5EF4-FFF2-40B4-BE49-F238E27FC236}">
+                            <a16:creationId xmlns:a16="http://schemas.microsoft.com/office/drawing/2014/main" id="{C94F9262-39EB-4683-8E3F-C97888C54B42}"/>
+                          </a:ext>
+                        </a:extLst>
+                      </p:cNvPr>
+                      <p:cNvSpPr txBox="1"/>
+                      <p:nvPr/>
+                    </p:nvSpPr>
+                    <p:spPr>
+                      <a:xfrm>
+                        <a:off x="5602396" y="3978781"/>
+                        <a:ext cx="1600118" cy="646331"/>
+                      </a:xfrm>
+                      <a:prstGeom prst="rect">
+                        <a:avLst/>
+                      </a:prstGeom>
+                      <a:solidFill>
+                        <a:schemeClr val="accent3">
+                          <a:lumMod val="60000"/>
+                          <a:lumOff val="40000"/>
+                        </a:schemeClr>
+                      </a:solidFill>
+                    </p:spPr>
+                    <p:txBody>
+                      <a:bodyPr wrap="none" rtlCol="0">
+                        <a:spAutoFit/>
+                      </a:bodyPr>
+                      <a:lstStyle/>
+                      <a:p>
+                        <a:r>
+                          <a:rPr lang="en-US" dirty="0"/>
+                          <a:t>Beam Splitter</a:t>
+                        </a:r>
+                      </a:p>
+                      <a:p>
+                        <a:pPr algn="ctr"/>
+                        <a:r>
+                          <a:rPr lang="en-US" dirty="0"/>
+                          <a:t>@45º</a:t>
+                        </a:r>
+                      </a:p>
+                    </p:txBody>
+                  </p:sp>
+                  <p:sp>
+                    <p:nvSpPr>
+                      <p:cNvPr id="26" name="Rectangle 25">
+                        <a:extLst>
+                          <a:ext uri="{FF2B5EF4-FFF2-40B4-BE49-F238E27FC236}">
+                            <a16:creationId xmlns:a16="http://schemas.microsoft.com/office/drawing/2014/main" id="{C3418A9E-C4F6-4845-A05A-2BF9A8DBADE2}"/>
+                          </a:ext>
+                        </a:extLst>
+                      </p:cNvPr>
+                      <p:cNvSpPr/>
+                      <p:nvPr/>
+                    </p:nvSpPr>
+                    <p:spPr>
+                      <a:xfrm>
+                        <a:off x="9535508" y="2996011"/>
+                        <a:ext cx="1818292" cy="914400"/>
+                      </a:xfrm>
+                      <a:prstGeom prst="rect">
+                        <a:avLst/>
+                      </a:prstGeom>
+                    </p:spPr>
+                    <p:style>
+                      <a:lnRef idx="2">
+                        <a:schemeClr val="accent1">
+                          <a:shade val="50000"/>
+                        </a:schemeClr>
+                      </a:lnRef>
+                      <a:fillRef idx="1">
+                        <a:schemeClr val="accent1"/>
+                      </a:fillRef>
+                      <a:effectRef idx="0">
+                        <a:schemeClr val="accent1"/>
+                      </a:effectRef>
+                      <a:fontRef idx="minor">
+                        <a:schemeClr val="lt1"/>
+                      </a:fontRef>
+                    </p:style>
+                    <p:txBody>
+                      <a:bodyPr rtlCol="0" anchor="ctr"/>
+                      <a:lstStyle/>
+                      <a:p>
+                        <a:pPr algn="ctr"/>
+                        <a:r>
+                          <a:rPr lang="en-US" dirty="0"/>
+                          <a:t>SNSPD</a:t>
+                        </a:r>
+                      </a:p>
+                    </p:txBody>
+                  </p:sp>
+                  <p:sp>
+                    <p:nvSpPr>
+                      <p:cNvPr id="79" name="Arc 78">
+                        <a:extLst>
+                          <a:ext uri="{FF2B5EF4-FFF2-40B4-BE49-F238E27FC236}">
+                            <a16:creationId xmlns:a16="http://schemas.microsoft.com/office/drawing/2014/main" id="{942D4431-9DAD-4845-934F-D14D9C4306D8}"/>
+                          </a:ext>
+                        </a:extLst>
+                      </p:cNvPr>
+                      <p:cNvSpPr/>
+                      <p:nvPr/>
+                    </p:nvSpPr>
+                    <p:spPr>
+                      <a:xfrm>
+                        <a:off x="6488425" y="2090411"/>
+                        <a:ext cx="4367208" cy="1829530"/>
+                      </a:xfrm>
+                      <a:prstGeom prst="arc">
+                        <a:avLst>
+                          <a:gd name="adj1" fmla="val 15757006"/>
+                          <a:gd name="adj2" fmla="val 0"/>
+                        </a:avLst>
+                      </a:prstGeom>
+                      <a:ln w="28575">
+                        <a:solidFill>
+                          <a:schemeClr val="accent2">
+                            <a:lumMod val="50000"/>
+                          </a:schemeClr>
+                        </a:solidFill>
+                      </a:ln>
+                    </p:spPr>
+                    <p:style>
+                      <a:lnRef idx="1">
+                        <a:schemeClr val="accent1"/>
+                      </a:lnRef>
+                      <a:fillRef idx="0">
+                        <a:schemeClr val="accent1"/>
+                      </a:fillRef>
+                      <a:effectRef idx="0">
+                        <a:schemeClr val="accent1"/>
+                      </a:effectRef>
+                      <a:fontRef idx="minor">
+                        <a:schemeClr val="tx1"/>
+                      </a:fontRef>
+                    </p:style>
+                    <p:txBody>
+                      <a:bodyPr rtlCol="0" anchor="ctr"/>
+                      <a:lstStyle/>
+                      <a:p>
+                        <a:pPr algn="ctr"/>
+                        <a:endParaRPr lang="en-US" dirty="0"/>
+                      </a:p>
+                    </p:txBody>
+                  </p:sp>
+                  <p:cxnSp>
+                    <p:nvCxnSpPr>
+                      <p:cNvPr id="81" name="Connector: Curved 80">
+                        <a:extLst>
+                          <a:ext uri="{FF2B5EF4-FFF2-40B4-BE49-F238E27FC236}">
+                            <a16:creationId xmlns:a16="http://schemas.microsoft.com/office/drawing/2014/main" id="{99E5F0DE-A750-4874-9F11-770A14FD7F63}"/>
+                          </a:ext>
+                        </a:extLst>
+                      </p:cNvPr>
+                      <p:cNvCxnSpPr>
+                        <a:cxnSpLocks/>
+                        <a:stCxn id="35" idx="3"/>
+                      </p:cNvCxnSpPr>
+                      <p:nvPr/>
+                    </p:nvCxnSpPr>
+                    <p:spPr>
+                      <a:xfrm flipV="1">
+                        <a:off x="4890008" y="2084291"/>
+                        <a:ext cx="3682888" cy="136998"/>
+                      </a:xfrm>
+                      <a:prstGeom prst="curvedConnector3">
+                        <a:avLst>
+                          <a:gd name="adj1" fmla="val -1344"/>
+                        </a:avLst>
+                      </a:prstGeom>
+                      <a:ln w="28575">
+                        <a:solidFill>
+                          <a:schemeClr val="accent2">
+                            <a:lumMod val="50000"/>
+                          </a:schemeClr>
+                        </a:solidFill>
+                      </a:ln>
+                    </p:spPr>
+                    <p:style>
+                      <a:lnRef idx="1">
+                        <a:schemeClr val="accent1"/>
+                      </a:lnRef>
+                      <a:fillRef idx="0">
+                        <a:schemeClr val="accent1"/>
+                      </a:fillRef>
+                      <a:effectRef idx="0">
+                        <a:schemeClr val="accent1"/>
+                      </a:effectRef>
+                      <a:fontRef idx="minor">
+                        <a:schemeClr val="tx1"/>
+                      </a:fontRef>
+                    </p:style>
+                  </p:cxnSp>
+                </p:grpSp>
+              </p:grpSp>
+            </p:grpSp>
+            <p:cxnSp>
+              <p:nvCxnSpPr>
+                <p:cNvPr id="18" name="Connector: Curved 17">
+                  <a:extLst>
+                    <a:ext uri="{FF2B5EF4-FFF2-40B4-BE49-F238E27FC236}">
+                      <a16:creationId xmlns:a16="http://schemas.microsoft.com/office/drawing/2014/main" id="{8F8A52D1-2C7B-4780-BE3B-19200F32A32F}"/>
+                    </a:ext>
+                  </a:extLst>
+                </p:cNvPr>
+                <p:cNvCxnSpPr/>
+                <p:nvPr/>
+              </p:nvCxnSpPr>
+              <p:spPr>
+                <a:xfrm>
+                  <a:off x="5938463" y="3474838"/>
+                  <a:ext cx="157537" cy="12700"/>
+                </a:xfrm>
+                <a:prstGeom prst="curvedConnector3">
+                  <a:avLst/>
+                </a:prstGeom>
+                <a:ln w="57150">
+                  <a:solidFill>
+                    <a:srgbClr val="0000FF"/>
+                  </a:solidFill>
+                </a:ln>
+              </p:spPr>
+              <p:style>
+                <a:lnRef idx="1">
+                  <a:schemeClr val="accent1"/>
+                </a:lnRef>
+                <a:fillRef idx="0">
+                  <a:schemeClr val="accent1"/>
+                </a:fillRef>
+                <a:effectRef idx="0">
+                  <a:schemeClr val="accent1"/>
+                </a:effectRef>
+                <a:fontRef idx="minor">
+                  <a:schemeClr val="tx1"/>
+                </a:fontRef>
+              </p:style>
+            </p:cxnSp>
+            <p:cxnSp>
+              <p:nvCxnSpPr>
+                <p:cNvPr id="20" name="Connector: Curved 19">
+                  <a:extLst>
+                    <a:ext uri="{FF2B5EF4-FFF2-40B4-BE49-F238E27FC236}">
+                      <a16:creationId xmlns:a16="http://schemas.microsoft.com/office/drawing/2014/main" id="{3A1ACA79-E578-424A-9683-9D898AF50828}"/>
+                    </a:ext>
+                  </a:extLst>
+                </p:cNvPr>
+                <p:cNvCxnSpPr/>
+                <p:nvPr/>
+              </p:nvCxnSpPr>
+              <p:spPr>
+                <a:xfrm>
+                  <a:off x="7202514" y="2446464"/>
+                  <a:ext cx="153783" cy="12700"/>
+                </a:xfrm>
+                <a:prstGeom prst="curvedConnector3">
+                  <a:avLst/>
+                </a:prstGeom>
+                <a:ln w="57150">
+                  <a:solidFill>
+                    <a:srgbClr val="FF0000"/>
+                  </a:solidFill>
+                </a:ln>
+              </p:spPr>
+              <p:style>
+                <a:lnRef idx="1">
+                  <a:schemeClr val="accent1"/>
+                </a:lnRef>
+                <a:fillRef idx="0">
+                  <a:schemeClr val="accent1"/>
+                </a:fillRef>
+                <a:effectRef idx="0">
+                  <a:schemeClr val="accent1"/>
+                </a:effectRef>
+                <a:fontRef idx="minor">
+                  <a:schemeClr val="tx1"/>
+                </a:fontRef>
+              </p:style>
+            </p:cxnSp>
+          </p:grpSp>
+          <p:sp>
+            <p:nvSpPr>
+              <p:cNvPr id="93" name="Rectangle: Single Corner Rounded 92">
+                <a:extLst>
+                  <a:ext uri="{FF2B5EF4-FFF2-40B4-BE49-F238E27FC236}">
+                    <a16:creationId xmlns:a16="http://schemas.microsoft.com/office/drawing/2014/main" id="{F4850765-D3D5-4E61-8AA5-91513AB8CFED}"/>
+                  </a:ext>
+                </a:extLst>
+              </p:cNvPr>
+              <p:cNvSpPr/>
+              <p:nvPr/>
+            </p:nvSpPr>
+            <p:spPr>
+              <a:xfrm>
+                <a:off x="7740272" y="3917722"/>
+                <a:ext cx="914400" cy="914400"/>
+              </a:xfrm>
+              <a:prstGeom prst="round1Rect">
+                <a:avLst/>
+              </a:prstGeom>
+              <a:solidFill>
+                <a:schemeClr val="bg1"/>
+              </a:solidFill>
+              <a:ln>
+                <a:solidFill>
+                  <a:schemeClr val="bg1"/>
+                </a:solidFill>
+              </a:ln>
+            </p:spPr>
+            <p:style>
+              <a:lnRef idx="2">
+                <a:schemeClr val="accent1">
+                  <a:shade val="50000"/>
+                </a:schemeClr>
+              </a:lnRef>
+              <a:fillRef idx="1">
+                <a:schemeClr val="accent1"/>
+              </a:fillRef>
+              <a:effectRef idx="0">
+                <a:schemeClr val="accent1"/>
+              </a:effectRef>
+              <a:fontRef idx="minor">
+                <a:schemeClr val="lt1"/>
+              </a:fontRef>
+            </p:style>
+            <p:txBody>
+              <a:bodyPr rtlCol="0" anchor="ctr"/>
+              <a:lstStyle/>
+              <a:p>
+                <a:pPr algn="ctr"/>
+                <a:endParaRPr lang="en-US" dirty="0"/>
+              </a:p>
+            </p:txBody>
+          </p:sp>
+        </p:grpSp>
+        <p:cxnSp>
+          <p:nvCxnSpPr>
+            <p:cNvPr id="27" name="Connector: Curved 26">
+              <a:extLst>
+                <a:ext uri="{FF2B5EF4-FFF2-40B4-BE49-F238E27FC236}">
+                  <a16:creationId xmlns:a16="http://schemas.microsoft.com/office/drawing/2014/main" id="{363F9E18-BD99-46B8-9817-D24AB7125CD6}"/>
+                </a:ext>
+              </a:extLst>
+            </p:cNvPr>
+            <p:cNvCxnSpPr/>
+            <p:nvPr/>
+          </p:nvCxnSpPr>
+          <p:spPr>
+            <a:xfrm flipV="1">
+              <a:off x="7844152" y="3851189"/>
+              <a:ext cx="353320" cy="37610"/>
+            </a:xfrm>
+            <a:prstGeom prst="curvedConnector3">
+              <a:avLst>
+                <a:gd name="adj1" fmla="val 58724"/>
+              </a:avLst>
+            </a:prstGeom>
+            <a:ln w="76200">
+              <a:solidFill>
+                <a:srgbClr val="FF0000"/>
+              </a:solidFill>
+            </a:ln>
+          </p:spPr>
+          <p:style>
+            <a:lnRef idx="1">
+              <a:schemeClr val="accent1"/>
+            </a:lnRef>
+            <a:fillRef idx="0">
+              <a:schemeClr val="accent1"/>
+            </a:fillRef>
+            <a:effectRef idx="0">
+              <a:schemeClr val="accent1"/>
+            </a:effectRef>
+            <a:fontRef idx="minor">
+              <a:schemeClr val="tx1"/>
+            </a:fontRef>
+          </p:style>
+        </p:cxnSp>
+      </p:grpSp>
+      <p:sp>
+        <p:nvSpPr>
+          <p:cNvPr id="32" name="TextBox 31">
+            <a:extLst>
+              <a:ext uri="{FF2B5EF4-FFF2-40B4-BE49-F238E27FC236}">
+                <a16:creationId xmlns:a16="http://schemas.microsoft.com/office/drawing/2014/main" id="{79A5611C-1694-440D-8970-480496F78447}"/>
+              </a:ext>
+            </a:extLst>
+          </p:cNvPr>
+          <p:cNvSpPr txBox="1"/>
           <p:nvPr/>
         </p:nvSpPr>
         <p:spPr>
           <a:xfrm>
-            <a:off x="7658496" y="3881804"/>
-            <a:ext cx="914400" cy="914400"/>
+            <a:off x="585917" y="5470978"/>
+            <a:ext cx="6556567" cy="738664"/>
           </a:xfrm>
-          <a:prstGeom prst="round1Rect">
+          <a:prstGeom prst="rect">
             <a:avLst/>
           </a:prstGeom>
-          <a:solidFill>
-            <a:schemeClr val="bg1"/>
-          </a:solidFill>
-          <a:ln>
-            <a:solidFill>
-              <a:schemeClr val="bg1"/>
-            </a:solidFill>
-          </a:ln>
+          <a:noFill/>
         </p:spPr>
-        <p:style>
-          <a:lnRef idx="2">
-            <a:schemeClr val="accent1">
-              <a:shade val="50000"/>
-            </a:schemeClr>
-          </a:lnRef>
-          <a:fillRef idx="1">
-            <a:schemeClr val="accent1"/>
-          </a:fillRef>
-          <a:effectRef idx="0">
-            <a:schemeClr val="accent1"/>
-          </a:effectRef>
-          <a:fontRef idx="minor">
-            <a:schemeClr val="lt1"/>
-          </a:fontRef>
-        </p:style>
         <p:txBody>
-          <a:bodyPr rtlCol="0" anchor="ctr"/>
+          <a:bodyPr wrap="square" rtlCol="0">
+            <a:spAutoFit/>
+          </a:bodyPr>
           <a:lstStyle/>
           <a:p>
-            <a:pPr algn="ctr"/>
-            <a:endParaRPr lang="en-US"/>
+            <a:r>
+              <a:rPr lang="en-US" sz="1400" dirty="0"/>
+              <a:t>FPGA : Field-programmable gate array</a:t>
+            </a:r>
+          </a:p>
+          <a:p>
+            <a:r>
+              <a:rPr lang="en-US" sz="1400" dirty="0"/>
+              <a:t>EOM :  Electro-optic modulator</a:t>
+            </a:r>
+          </a:p>
+          <a:p>
+            <a:r>
+              <a:rPr lang="en-US" sz="1400" dirty="0"/>
+              <a:t>SNSPD : Superconducting nanowire single-photon detector</a:t>
+            </a:r>
           </a:p>
         </p:txBody>
       </p:sp>
@@ -14221,7 +14746,7 @@
                             </p:stCondLst>
                             <p:childTnLst>
                               <p:par>
-                                <p:cTn id="9" presetID="1" presetClass="entr" presetSubtype="0" fill="hold" nodeType="clickEffect">
+                                <p:cTn id="9" presetID="1" presetClass="entr" presetSubtype="0" fill="hold" grpId="0" nodeType="clickEffect">
                                   <p:stCondLst>
                                     <p:cond delay="0"/>
                                   </p:stCondLst>
@@ -14234,7 +14759,7 @@
                                           </p:stCondLst>
                                         </p:cTn>
                                         <p:tgtEl>
-                                          <p:spTgt spid="100"/>
+                                          <p:spTgt spid="32"/>
                                         </p:tgtEl>
                                         <p:attrNameLst>
                                           <p:attrName>style.visibility</p:attrName>
@@ -14274,6 +14799,51 @@
                                     <p:set>
                                       <p:cBhvr>
                                         <p:cTn id="14" dur="1" fill="hold">
+                                          <p:stCondLst>
+                                            <p:cond delay="0"/>
+                                          </p:stCondLst>
+                                        </p:cTn>
+                                        <p:tgtEl>
+                                          <p:spTgt spid="30"/>
+                                        </p:tgtEl>
+                                        <p:attrNameLst>
+                                          <p:attrName>style.visibility</p:attrName>
+                                        </p:attrNameLst>
+                                      </p:cBhvr>
+                                      <p:to>
+                                        <p:strVal val="visible"/>
+                                      </p:to>
+                                    </p:set>
+                                  </p:childTnLst>
+                                </p:cTn>
+                              </p:par>
+                            </p:childTnLst>
+                          </p:cTn>
+                        </p:par>
+                      </p:childTnLst>
+                    </p:cTn>
+                  </p:par>
+                  <p:par>
+                    <p:cTn id="15" fill="hold">
+                      <p:stCondLst>
+                        <p:cond delay="indefinite"/>
+                      </p:stCondLst>
+                      <p:childTnLst>
+                        <p:par>
+                          <p:cTn id="16" fill="hold">
+                            <p:stCondLst>
+                              <p:cond delay="0"/>
+                            </p:stCondLst>
+                            <p:childTnLst>
+                              <p:par>
+                                <p:cTn id="17" presetID="1" presetClass="entr" presetSubtype="0" fill="hold" nodeType="clickEffect">
+                                  <p:stCondLst>
+                                    <p:cond delay="0"/>
+                                  </p:stCondLst>
+                                  <p:childTnLst>
+                                    <p:set>
+                                      <p:cBhvr>
+                                        <p:cTn id="18" dur="1" fill="hold">
                                           <p:stCondLst>
                                             <p:cond delay="0"/>
                                           </p:stCondLst>
@@ -14319,6 +14889,9 @@
         </p:cTn>
       </p:par>
     </p:tnLst>
+    <p:bldLst>
+      <p:bldP spid="32" grpId="0"/>
+    </p:bldLst>
   </p:timing>
 </p:sld>
 </file>
@@ -14370,7 +14943,7 @@
           <a:p>
             <a:r>
               <a:rPr lang="en-US" dirty="0"/>
-              <a:t>From Timestamps to Coincidences Histograms</a:t>
+              <a:t>From timestamps to coincidences histograms</a:t>
             </a:r>
           </a:p>
         </p:txBody>
@@ -15013,7 +15586,14 @@
             <a:lstStyle/>
             <a:p>
               <a:pPr algn="ctr"/>
-              <a:endParaRPr lang="en-US"/>
+              <a:r>
+                <a:rPr lang="en-US" dirty="0">
+                  <a:solidFill>
+                    <a:schemeClr val="tx1"/>
+                  </a:solidFill>
+                </a:rPr>
+                <a:t>1.5</a:t>
+              </a:r>
             </a:p>
           </p:txBody>
         </p:sp>
@@ -15067,7 +15647,14 @@
             <a:lstStyle/>
             <a:p>
               <a:pPr algn="ctr"/>
-              <a:endParaRPr lang="en-US"/>
+              <a:r>
+                <a:rPr lang="en-US" dirty="0">
+                  <a:solidFill>
+                    <a:schemeClr val="tx1"/>
+                  </a:solidFill>
+                </a:rPr>
+                <a:t>1.8</a:t>
+              </a:r>
             </a:p>
           </p:txBody>
         </p:sp>
@@ -15121,7 +15708,14 @@
             <a:lstStyle/>
             <a:p>
               <a:pPr algn="ctr"/>
-              <a:endParaRPr lang="en-US"/>
+              <a:r>
+                <a:rPr lang="en-US" dirty="0">
+                  <a:solidFill>
+                    <a:schemeClr val="tx1"/>
+                  </a:solidFill>
+                </a:rPr>
+                <a:t>1.4</a:t>
+              </a:r>
             </a:p>
           </p:txBody>
         </p:sp>
@@ -15175,7 +15769,14 @@
             <a:lstStyle/>
             <a:p>
               <a:pPr algn="ctr"/>
-              <a:endParaRPr lang="en-US"/>
+              <a:r>
+                <a:rPr lang="en-US" dirty="0">
+                  <a:solidFill>
+                    <a:schemeClr val="tx1"/>
+                  </a:solidFill>
+                </a:rPr>
+                <a:t>1.6</a:t>
+              </a:r>
             </a:p>
           </p:txBody>
         </p:sp>
@@ -15192,7 +15793,7 @@
             <p:nvPr/>
           </p:nvSpPr>
           <p:spPr>
-            <a:xfrm rot="10800000">
+            <a:xfrm>
               <a:off x="2142889" y="4832057"/>
               <a:ext cx="540392" cy="365125"/>
             </a:xfrm>
@@ -15229,7 +15830,14 @@
             <a:lstStyle/>
             <a:p>
               <a:pPr algn="ctr"/>
-              <a:endParaRPr lang="en-US"/>
+              <a:r>
+                <a:rPr lang="en-US" dirty="0">
+                  <a:solidFill>
+                    <a:schemeClr val="tx1"/>
+                  </a:solidFill>
+                </a:rPr>
+                <a:t>1.5</a:t>
+              </a:r>
             </a:p>
           </p:txBody>
         </p:sp>
@@ -15370,7 +15978,14 @@
             <a:lstStyle/>
             <a:p>
               <a:pPr algn="ctr"/>
-              <a:endParaRPr lang="en-US"/>
+              <a:r>
+                <a:rPr lang="en-US" dirty="0">
+                  <a:solidFill>
+                    <a:schemeClr val="tx1"/>
+                  </a:solidFill>
+                </a:rPr>
+                <a:t>2.2</a:t>
+              </a:r>
             </a:p>
           </p:txBody>
         </p:sp>
@@ -15424,7 +16039,14 @@
             <a:lstStyle/>
             <a:p>
               <a:pPr algn="ctr"/>
-              <a:endParaRPr lang="en-US"/>
+              <a:r>
+                <a:rPr lang="en-US" dirty="0">
+                  <a:solidFill>
+                    <a:schemeClr val="tx1"/>
+                  </a:solidFill>
+                </a:rPr>
+                <a:t>1.5</a:t>
+              </a:r>
             </a:p>
           </p:txBody>
         </p:sp>
@@ -15478,7 +16100,14 @@
             <a:lstStyle/>
             <a:p>
               <a:pPr algn="ctr"/>
-              <a:endParaRPr lang="en-US"/>
+              <a:r>
+                <a:rPr lang="en-US" dirty="0">
+                  <a:solidFill>
+                    <a:schemeClr val="tx1"/>
+                  </a:solidFill>
+                </a:rPr>
+                <a:t>1.4</a:t>
+              </a:r>
             </a:p>
           </p:txBody>
         </p:sp>
@@ -15532,7 +16161,14 @@
             <a:lstStyle/>
             <a:p>
               <a:pPr algn="ctr"/>
-              <a:endParaRPr lang="en-US"/>
+              <a:r>
+                <a:rPr lang="en-US" dirty="0">
+                  <a:solidFill>
+                    <a:schemeClr val="tx1"/>
+                  </a:solidFill>
+                </a:rPr>
+                <a:t>1.5</a:t>
+              </a:r>
             </a:p>
           </p:txBody>
         </p:sp>
@@ -15549,7 +16185,7 @@
             <p:nvPr/>
           </p:nvSpPr>
           <p:spPr>
-            <a:xfrm rot="10800000">
+            <a:xfrm>
               <a:off x="2142889" y="4832057"/>
               <a:ext cx="540392" cy="365125"/>
             </a:xfrm>
@@ -15586,7 +16222,14 @@
             <a:lstStyle/>
             <a:p>
               <a:pPr algn="ctr"/>
-              <a:endParaRPr lang="en-US"/>
+              <a:r>
+                <a:rPr lang="en-US" dirty="0">
+                  <a:solidFill>
+                    <a:schemeClr val="tx1"/>
+                  </a:solidFill>
+                </a:rPr>
+                <a:t>1.6</a:t>
+              </a:r>
             </a:p>
           </p:txBody>
         </p:sp>
@@ -16164,7 +16807,7 @@
                                           </p:stCondLst>
                                         </p:cTn>
                                         <p:tgtEl>
-                                          <p:spTgt spid="23"/>
+                                          <p:spTgt spid="33"/>
                                         </p:tgtEl>
                                         <p:attrNameLst>
                                           <p:attrName>style.visibility</p:attrName>
@@ -16196,7 +16839,7 @@
                             </p:stCondLst>
                             <p:childTnLst>
                               <p:par>
-                                <p:cTn id="33" presetID="1" presetClass="entr" presetSubtype="0" fill="hold" grpId="0" nodeType="clickEffect">
+                                <p:cTn id="33" presetID="1" presetClass="exit" presetSubtype="0" fill="hold" grpId="1" nodeType="clickEffect">
                                   <p:stCondLst>
                                     <p:cond delay="0"/>
                                   </p:stCondLst>
@@ -16204,51 +16847,6 @@
                                     <p:set>
                                       <p:cBhvr>
                                         <p:cTn id="34" dur="1" fill="hold">
-                                          <p:stCondLst>
-                                            <p:cond delay="0"/>
-                                          </p:stCondLst>
-                                        </p:cTn>
-                                        <p:tgtEl>
-                                          <p:spTgt spid="33"/>
-                                        </p:tgtEl>
-                                        <p:attrNameLst>
-                                          <p:attrName>style.visibility</p:attrName>
-                                        </p:attrNameLst>
-                                      </p:cBhvr>
-                                      <p:to>
-                                        <p:strVal val="visible"/>
-                                      </p:to>
-                                    </p:set>
-                                  </p:childTnLst>
-                                </p:cTn>
-                              </p:par>
-                            </p:childTnLst>
-                          </p:cTn>
-                        </p:par>
-                      </p:childTnLst>
-                    </p:cTn>
-                  </p:par>
-                  <p:par>
-                    <p:cTn id="35" fill="hold">
-                      <p:stCondLst>
-                        <p:cond delay="indefinite"/>
-                      </p:stCondLst>
-                      <p:childTnLst>
-                        <p:par>
-                          <p:cTn id="36" fill="hold">
-                            <p:stCondLst>
-                              <p:cond delay="0"/>
-                            </p:stCondLst>
-                            <p:childTnLst>
-                              <p:par>
-                                <p:cTn id="37" presetID="1" presetClass="exit" presetSubtype="0" fill="hold" grpId="1" nodeType="clickEffect">
-                                  <p:stCondLst>
-                                    <p:cond delay="0"/>
-                                  </p:stCondLst>
-                                  <p:childTnLst>
-                                    <p:set>
-                                      <p:cBhvr>
-                                        <p:cTn id="38" dur="1" fill="hold">
                                           <p:stCondLst>
                                             <p:cond delay="0"/>
                                           </p:stCondLst>
@@ -16274,6 +16872,51 @@
                     </p:cTn>
                   </p:par>
                   <p:par>
+                    <p:cTn id="35" fill="hold">
+                      <p:stCondLst>
+                        <p:cond delay="indefinite"/>
+                      </p:stCondLst>
+                      <p:childTnLst>
+                        <p:par>
+                          <p:cTn id="36" fill="hold">
+                            <p:stCondLst>
+                              <p:cond delay="0"/>
+                            </p:stCondLst>
+                            <p:childTnLst>
+                              <p:par>
+                                <p:cTn id="37" presetID="1" presetClass="entr" presetSubtype="0" fill="hold" nodeType="clickEffect">
+                                  <p:stCondLst>
+                                    <p:cond delay="0"/>
+                                  </p:stCondLst>
+                                  <p:childTnLst>
+                                    <p:set>
+                                      <p:cBhvr>
+                                        <p:cTn id="38" dur="1" fill="hold">
+                                          <p:stCondLst>
+                                            <p:cond delay="0"/>
+                                          </p:stCondLst>
+                                        </p:cTn>
+                                        <p:tgtEl>
+                                          <p:spTgt spid="24"/>
+                                        </p:tgtEl>
+                                        <p:attrNameLst>
+                                          <p:attrName>style.visibility</p:attrName>
+                                        </p:attrNameLst>
+                                      </p:cBhvr>
+                                      <p:to>
+                                        <p:strVal val="visible"/>
+                                      </p:to>
+                                    </p:set>
+                                  </p:childTnLst>
+                                </p:cTn>
+                              </p:par>
+                            </p:childTnLst>
+                          </p:cTn>
+                        </p:par>
+                      </p:childTnLst>
+                    </p:cTn>
+                  </p:par>
+                  <p:par>
                     <p:cTn id="39" fill="hold">
                       <p:stCondLst>
                         <p:cond delay="indefinite"/>
@@ -16286,7 +16929,7 @@
                             </p:stCondLst>
                             <p:childTnLst>
                               <p:par>
-                                <p:cTn id="41" presetID="1" presetClass="exit" presetSubtype="0" fill="hold" grpId="1" nodeType="clickEffect">
+                                <p:cTn id="41" presetID="1" presetClass="entr" presetSubtype="0" fill="hold" grpId="0" nodeType="clickEffect">
                                   <p:stCondLst>
                                     <p:cond delay="0"/>
                                   </p:stCondLst>
@@ -16306,7 +16949,7 @@
                                         </p:attrNameLst>
                                       </p:cBhvr>
                                       <p:to>
-                                        <p:strVal val="hidden"/>
+                                        <p:strVal val="visible"/>
                                       </p:to>
                                     </p:set>
                                   </p:childTnLst>
@@ -16331,7 +16974,7 @@
                             </p:stCondLst>
                             <p:childTnLst>
                               <p:par>
-                                <p:cTn id="45" presetID="1" presetClass="entr" presetSubtype="0" fill="hold" nodeType="clickEffect">
+                                <p:cTn id="45" presetID="1" presetClass="entr" presetSubtype="0" fill="hold" grpId="0" nodeType="clickEffect">
                                   <p:stCondLst>
                                     <p:cond delay="0"/>
                                   </p:stCondLst>
@@ -16344,7 +16987,7 @@
                                           </p:stCondLst>
                                         </p:cTn>
                                         <p:tgtEl>
-                                          <p:spTgt spid="24"/>
+                                          <p:spTgt spid="34"/>
                                         </p:tgtEl>
                                         <p:attrNameLst>
                                           <p:attrName>style.visibility</p:attrName>
@@ -16389,7 +17032,7 @@
                                           </p:stCondLst>
                                         </p:cTn>
                                         <p:tgtEl>
-                                          <p:spTgt spid="34"/>
+                                          <p:spTgt spid="30"/>
                                         </p:tgtEl>
                                         <p:attrNameLst>
                                           <p:attrName>style.visibility</p:attrName>
@@ -16434,7 +17077,7 @@
                                           </p:stCondLst>
                                         </p:cTn>
                                         <p:tgtEl>
-                                          <p:spTgt spid="30"/>
+                                          <p:spTgt spid="31"/>
                                         </p:tgtEl>
                                         <p:attrNameLst>
                                           <p:attrName>style.visibility</p:attrName>
@@ -16479,7 +17122,7 @@
                                           </p:stCondLst>
                                         </p:cTn>
                                         <p:tgtEl>
-                                          <p:spTgt spid="31"/>
+                                          <p:spTgt spid="32"/>
                                         </p:tgtEl>
                                         <p:attrNameLst>
                                           <p:attrName>style.visibility</p:attrName>
@@ -16511,7 +17154,7 @@
                             </p:stCondLst>
                             <p:childTnLst>
                               <p:par>
-                                <p:cTn id="61" presetID="1" presetClass="entr" presetSubtype="0" fill="hold" grpId="0" nodeType="clickEffect">
+                                <p:cTn id="61" presetID="1" presetClass="exit" presetSubtype="0" fill="hold" grpId="1" nodeType="clickEffect">
                                   <p:stCondLst>
                                     <p:cond delay="0"/>
                                   </p:stCondLst>
@@ -16524,14 +17167,14 @@
                                           </p:stCondLst>
                                         </p:cTn>
                                         <p:tgtEl>
-                                          <p:spTgt spid="32"/>
+                                          <p:spTgt spid="23"/>
                                         </p:tgtEl>
                                         <p:attrNameLst>
                                           <p:attrName>style.visibility</p:attrName>
                                         </p:attrNameLst>
                                       </p:cBhvr>
                                       <p:to>
-                                        <p:strVal val="visible"/>
+                                        <p:strVal val="hidden"/>
                                       </p:to>
                                     </p:set>
                                   </p:childTnLst>
@@ -16644,250 +17287,8 @@
           <a:chExt cx="0" cy="0"/>
         </a:xfrm>
       </p:grpSpPr>
-      <mc:AlternateContent xmlns:mc="http://schemas.openxmlformats.org/markup-compatibility/2006" xmlns:a14="http://schemas.microsoft.com/office/drawing/2010/main">
-        <mc:Choice Requires="a14">
-          <p:sp>
-            <p:nvSpPr>
-              <p:cNvPr id="2" name="Title 1">
-                <a:extLst>
-                  <a:ext uri="{FF2B5EF4-FFF2-40B4-BE49-F238E27FC236}">
-                    <a16:creationId xmlns:a16="http://schemas.microsoft.com/office/drawing/2014/main" id="{19B203B0-0669-4B5D-9782-C84C8EDE8095}"/>
-                  </a:ext>
-                </a:extLst>
-              </p:cNvPr>
-              <p:cNvSpPr>
-                <a:spLocks noGrp="1"/>
-              </p:cNvSpPr>
-              <p:nvPr>
-                <p:ph type="title"/>
-              </p:nvPr>
-            </p:nvSpPr>
-            <p:spPr/>
-            <p:txBody>
-              <a:bodyPr/>
-              <a:lstStyle/>
-              <a:p>
-                <a:r>
-                  <a:rPr lang="en-US" dirty="0"/>
-                  <a:t>Seeking Normalization of the counts to achieve g</a:t>
-                </a:r>
-                <a:r>
-                  <a:rPr lang="en-US" baseline="-25000" dirty="0"/>
-                  <a:t>2</a:t>
-                </a:r>
-                <a:r>
-                  <a:rPr lang="en-US" dirty="0"/>
-                  <a:t>(</a:t>
-                </a:r>
-                <a14:m>
-                  <m:oMath xmlns:m="http://schemas.openxmlformats.org/officeDocument/2006/math">
-                    <m:r>
-                      <a:rPr lang="en-US" i="1" smtClean="0">
-                        <a:latin typeface="Cambria Math" panose="02040503050406030204" pitchFamily="18" charset="0"/>
-                        <a:ea typeface="Cambria Math" panose="02040503050406030204" pitchFamily="18" charset="0"/>
-                      </a:rPr>
-                      <m:t>𝜏</m:t>
-                    </m:r>
-                  </m:oMath>
-                </a14:m>
-                <a:r>
-                  <a:rPr lang="en-US" dirty="0"/>
-                  <a:t>)</a:t>
-                </a:r>
-              </a:p>
-            </p:txBody>
-          </p:sp>
-        </mc:Choice>
-        <mc:Fallback xmlns="">
-          <p:sp>
-            <p:nvSpPr>
-              <p:cNvPr id="2" name="Title 1">
-                <a:extLst>
-                  <a:ext uri="{FF2B5EF4-FFF2-40B4-BE49-F238E27FC236}">
-                    <a16:creationId xmlns:a16="http://schemas.microsoft.com/office/drawing/2014/main" id="{19B203B0-0669-4B5D-9782-C84C8EDE8095}"/>
-                  </a:ext>
-                </a:extLst>
-              </p:cNvPr>
-              <p:cNvSpPr>
-                <a:spLocks noGrp="1" noRot="1" noChangeAspect="1" noMove="1" noResize="1" noEditPoints="1" noAdjustHandles="1" noChangeArrowheads="1" noChangeShapeType="1" noTextEdit="1"/>
-              </p:cNvSpPr>
-              <p:nvPr>
-                <p:ph type="title"/>
-              </p:nvPr>
-            </p:nvSpPr>
-            <p:spPr>
-              <a:blipFill>
-                <a:blip r:embed="rId2"/>
-                <a:stretch>
-                  <a:fillRect l="-2377"/>
-                </a:stretch>
-              </a:blipFill>
-            </p:spPr>
-            <p:txBody>
-              <a:bodyPr/>
-              <a:lstStyle/>
-              <a:p>
-                <a:r>
-                  <a:rPr lang="en-US">
-                    <a:noFill/>
-                  </a:rPr>
-                  <a:t> </a:t>
-                </a:r>
-              </a:p>
-            </p:txBody>
-          </p:sp>
-        </mc:Fallback>
-      </mc:AlternateContent>
-      <p:sp>
-        <p:nvSpPr>
-          <p:cNvPr id="3" name="Content Placeholder 2">
-            <a:extLst>
-              <a:ext uri="{FF2B5EF4-FFF2-40B4-BE49-F238E27FC236}">
-                <a16:creationId xmlns:a16="http://schemas.microsoft.com/office/drawing/2014/main" id="{B3F38CE0-5C34-4F16-97D5-4C6455E3DE91}"/>
-              </a:ext>
-            </a:extLst>
-          </p:cNvPr>
-          <p:cNvSpPr>
-            <a:spLocks noGrp="1"/>
-          </p:cNvSpPr>
-          <p:nvPr>
-            <p:ph idx="1"/>
-          </p:nvPr>
-        </p:nvSpPr>
-        <p:spPr>
-          <a:xfrm>
-            <a:off x="838200" y="1847850"/>
-            <a:ext cx="10515600" cy="4351338"/>
-          </a:xfrm>
-        </p:spPr>
-        <p:txBody>
-          <a:bodyPr/>
-          <a:lstStyle/>
-          <a:p>
-            <a:r>
-              <a:rPr lang="en-US" dirty="0"/>
-              <a:t>Ingredients : </a:t>
-            </a:r>
-          </a:p>
-        </p:txBody>
-      </p:sp>
-      <p:sp>
-        <p:nvSpPr>
-          <p:cNvPr id="4" name="Date Placeholder 3">
-            <a:extLst>
-              <a:ext uri="{FF2B5EF4-FFF2-40B4-BE49-F238E27FC236}">
-                <a16:creationId xmlns:a16="http://schemas.microsoft.com/office/drawing/2014/main" id="{4DC98316-8EDB-482A-B3A4-8BDB4F38BF6F}"/>
-              </a:ext>
-            </a:extLst>
-          </p:cNvPr>
-          <p:cNvSpPr>
-            <a:spLocks noGrp="1"/>
-          </p:cNvSpPr>
-          <p:nvPr>
-            <p:ph type="dt" sz="half" idx="10"/>
-          </p:nvPr>
-        </p:nvSpPr>
-        <p:spPr/>
-        <p:txBody>
-          <a:bodyPr/>
-          <a:lstStyle/>
-          <a:p>
-            <a:r>
-              <a:rPr lang="en-US"/>
-              <a:t>5/16/2025</a:t>
-            </a:r>
-          </a:p>
-        </p:txBody>
-      </p:sp>
-      <p:sp>
-        <p:nvSpPr>
-          <p:cNvPr id="5" name="Footer Placeholder 4">
-            <a:extLst>
-              <a:ext uri="{FF2B5EF4-FFF2-40B4-BE49-F238E27FC236}">
-                <a16:creationId xmlns:a16="http://schemas.microsoft.com/office/drawing/2014/main" id="{7C1C8F77-D73F-4E50-AF22-4A71AEDA621B}"/>
-              </a:ext>
-            </a:extLst>
-          </p:cNvPr>
-          <p:cNvSpPr>
-            <a:spLocks noGrp="1"/>
-          </p:cNvSpPr>
-          <p:nvPr>
-            <p:ph type="ftr" sz="quarter" idx="11"/>
-          </p:nvPr>
-        </p:nvSpPr>
-        <p:spPr/>
-        <p:txBody>
-          <a:bodyPr/>
-          <a:lstStyle/>
-          <a:p>
-            <a:r>
-              <a:rPr lang="en-US"/>
-              <a:t>Andrea Maccarinelli </a:t>
-            </a:r>
-          </a:p>
-        </p:txBody>
-      </p:sp>
-      <p:sp>
-        <p:nvSpPr>
-          <p:cNvPr id="6" name="Slide Number Placeholder 5">
-            <a:extLst>
-              <a:ext uri="{FF2B5EF4-FFF2-40B4-BE49-F238E27FC236}">
-                <a16:creationId xmlns:a16="http://schemas.microsoft.com/office/drawing/2014/main" id="{98CB5242-0E63-4124-8633-1D91BFA7BBE8}"/>
-              </a:ext>
-            </a:extLst>
-          </p:cNvPr>
-          <p:cNvSpPr>
-            <a:spLocks noGrp="1"/>
-          </p:cNvSpPr>
-          <p:nvPr>
-            <p:ph type="sldNum" sz="quarter" idx="12"/>
-          </p:nvPr>
-        </p:nvSpPr>
-        <p:spPr/>
-        <p:txBody>
-          <a:bodyPr/>
-          <a:lstStyle/>
-          <a:p>
-            <a:fld id="{FE39BC62-9EE5-48A8-B4F4-3A999EDF6DA3}" type="slidenum">
-              <a:rPr lang="en-US" smtClean="0"/>
-              <a:t>8</a:t>
-            </a:fld>
-            <a:endParaRPr lang="en-US"/>
-          </a:p>
-        </p:txBody>
-      </p:sp>
-    </p:spTree>
-    <p:extLst>
-      <p:ext uri="{BB962C8B-B14F-4D97-AF65-F5344CB8AC3E}">
-        <p14:creationId xmlns:p14="http://schemas.microsoft.com/office/powerpoint/2010/main" val="689145416"/>
-      </p:ext>
-    </p:extLst>
-  </p:cSld>
-  <p:clrMapOvr>
-    <a:masterClrMapping/>
-  </p:clrMapOvr>
-</p:sld>
-</file>
-
-<file path=ppt/slides/slide9.xml><?xml version="1.0" encoding="utf-8"?>
-<p:sld xmlns:a="http://schemas.openxmlformats.org/drawingml/2006/main" xmlns:r="http://schemas.openxmlformats.org/officeDocument/2006/relationships" xmlns:p="http://schemas.openxmlformats.org/presentationml/2006/main">
-  <p:cSld>
-    <p:spTree>
-      <p:nvGrpSpPr>
-        <p:cNvPr id="1" name=""/>
-        <p:cNvGrpSpPr/>
-        <p:nvPr/>
-      </p:nvGrpSpPr>
-      <p:grpSpPr>
-        <a:xfrm>
-          <a:off x="0" y="0"/>
-          <a:ext cx="0" cy="0"/>
-          <a:chOff x="0" y="0"/>
-          <a:chExt cx="0" cy="0"/>
-        </a:xfrm>
-      </p:grpSpPr>
-      <mc:AlternateContent xmlns:mc="http://schemas.openxmlformats.org/markup-compatibility/2006" xmlns:a14="http://schemas.microsoft.com/office/drawing/2010/main">
-        <mc:Choice Requires="a14">
+      <mc:AlternateContent xmlns:mc="http://schemas.openxmlformats.org/markup-compatibility/2006">
+        <mc:Choice xmlns:a14="http://schemas.microsoft.com/office/drawing/2010/main" Requires="a14">
           <p:sp>
             <p:nvSpPr>
               <p:cNvPr id="2" name="Title 1">
@@ -16904,7 +17305,12 @@
                 <p:ph type="title"/>
               </p:nvPr>
             </p:nvSpPr>
-            <p:spPr/>
+            <p:spPr>
+              <a:xfrm>
+                <a:off x="838200" y="-161016"/>
+                <a:ext cx="10515600" cy="1325563"/>
+              </a:xfrm>
+            </p:spPr>
             <p:txBody>
               <a:bodyPr/>
               <a:lstStyle/>
@@ -16940,7 +17346,7 @@
             </p:txBody>
           </p:sp>
         </mc:Choice>
-        <mc:Fallback xmlns="">
+        <mc:Fallback>
           <p:sp>
             <p:nvSpPr>
               <p:cNvPr id="2" name="Title 1">
@@ -16958,6 +17364,10 @@
               </p:nvPr>
             </p:nvSpPr>
             <p:spPr>
+              <a:xfrm>
+                <a:off x="838200" y="-161016"/>
+                <a:ext cx="10515600" cy="1325563"/>
+              </a:xfrm>
               <a:blipFill>
                 <a:blip r:embed="rId3"/>
                 <a:stretch>
@@ -17095,7 +17505,7 @@
           <a:p>
             <a:fld id="{FE39BC62-9EE5-48A8-B4F4-3A999EDF6DA3}" type="slidenum">
               <a:rPr lang="en-US" smtClean="0"/>
-              <a:t>9</a:t>
+              <a:t>8</a:t>
             </a:fld>
             <a:endParaRPr lang="en-US"/>
           </a:p>
@@ -17443,474 +17853,6 @@
           </a:fontRef>
         </p:style>
       </p:cxnSp>
-      <p:pic>
-        <p:nvPicPr>
-          <p:cNvPr id="19" name="Picture 18">
-            <a:extLst>
-              <a:ext uri="{FF2B5EF4-FFF2-40B4-BE49-F238E27FC236}">
-                <a16:creationId xmlns:a16="http://schemas.microsoft.com/office/drawing/2014/main" id="{841595EF-F87A-435B-B808-DD1A00848AF5}"/>
-              </a:ext>
-            </a:extLst>
-          </p:cNvPr>
-          <p:cNvPicPr>
-            <a:picLocks noChangeAspect="1"/>
-          </p:cNvPicPr>
-          <p:nvPr/>
-        </p:nvPicPr>
-        <p:blipFill>
-          <a:blip r:embed="rId6">
-            <a:extLst>
-              <a:ext uri="{28A0092B-C50C-407E-A947-70E740481C1C}">
-                <a14:useLocalDpi xmlns:a14="http://schemas.microsoft.com/office/drawing/2010/main" val="0"/>
-              </a:ext>
-            </a:extLst>
-          </a:blip>
-          <a:stretch>
-            <a:fillRect/>
-          </a:stretch>
-        </p:blipFill>
-        <p:spPr>
-          <a:xfrm>
-            <a:off x="1859132" y="924173"/>
-            <a:ext cx="8484102" cy="5090461"/>
-          </a:xfrm>
-          <a:prstGeom prst="rect">
-            <a:avLst/>
-          </a:prstGeom>
-        </p:spPr>
-      </p:pic>
-      <p:grpSp>
-        <p:nvGrpSpPr>
-          <p:cNvPr id="25" name="Group 24">
-            <a:extLst>
-              <a:ext uri="{FF2B5EF4-FFF2-40B4-BE49-F238E27FC236}">
-                <a16:creationId xmlns:a16="http://schemas.microsoft.com/office/drawing/2014/main" id="{9DC8503A-A93C-470E-82CE-D71A5EBCDC44}"/>
-              </a:ext>
-            </a:extLst>
-          </p:cNvPr>
-          <p:cNvGrpSpPr/>
-          <p:nvPr/>
-        </p:nvGrpSpPr>
-        <p:grpSpPr>
-          <a:xfrm>
-            <a:off x="6489577" y="4411956"/>
-            <a:ext cx="3284737" cy="985666"/>
-            <a:chOff x="6489577" y="4411956"/>
-            <a:chExt cx="3284737" cy="985666"/>
-          </a:xfrm>
-        </p:grpSpPr>
-        <mc:AlternateContent xmlns:mc="http://schemas.openxmlformats.org/markup-compatibility/2006" xmlns:a14="http://schemas.microsoft.com/office/drawing/2010/main">
-          <mc:Choice Requires="a14">
-            <p:sp>
-              <p:nvSpPr>
-                <p:cNvPr id="20" name="Rectangle: Single Corner Rounded 19">
-                  <a:extLst>
-                    <a:ext uri="{FF2B5EF4-FFF2-40B4-BE49-F238E27FC236}">
-                      <a16:creationId xmlns:a16="http://schemas.microsoft.com/office/drawing/2014/main" id="{344FA26C-6297-4288-915C-B25F98CF2CE1}"/>
-                    </a:ext>
-                  </a:extLst>
-                </p:cNvPr>
-                <p:cNvSpPr/>
-                <p:nvPr/>
-              </p:nvSpPr>
-              <p:spPr>
-                <a:xfrm>
-                  <a:off x="7856738" y="4411956"/>
-                  <a:ext cx="1917576" cy="985666"/>
-                </a:xfrm>
-                <a:prstGeom prst="round1Rect">
-                  <a:avLst/>
-                </a:prstGeom>
-                <a:solidFill>
-                  <a:schemeClr val="bg1"/>
-                </a:solidFill>
-                <a:ln>
-                  <a:solidFill>
-                    <a:schemeClr val="tx1"/>
-                  </a:solidFill>
-                </a:ln>
-              </p:spPr>
-              <p:style>
-                <a:lnRef idx="2">
-                  <a:schemeClr val="accent1">
-                    <a:shade val="50000"/>
-                  </a:schemeClr>
-                </a:lnRef>
-                <a:fillRef idx="1">
-                  <a:schemeClr val="accent1"/>
-                </a:fillRef>
-                <a:effectRef idx="0">
-                  <a:schemeClr val="accent1"/>
-                </a:effectRef>
-                <a:fontRef idx="minor">
-                  <a:schemeClr val="lt1"/>
-                </a:fontRef>
-              </p:style>
-              <p:txBody>
-                <a:bodyPr rtlCol="0" anchor="ctr"/>
-                <a:lstStyle/>
-                <a:p>
-                  <a:pPr algn="ctr"/>
-                  <a14:m>
-                    <m:oMathPara xmlns:m="http://schemas.openxmlformats.org/officeDocument/2006/math">
-                      <m:oMathParaPr>
-                        <m:jc m:val="centerGroup"/>
-                      </m:oMathParaPr>
-                      <m:oMath xmlns:m="http://schemas.openxmlformats.org/officeDocument/2006/math">
-                        <m:r>
-                          <a:rPr lang="en-US" i="1" smtClean="0">
-                            <a:solidFill>
-                              <a:schemeClr val="tx1"/>
-                            </a:solidFill>
-                            <a:latin typeface="Cambria Math" panose="02040503050406030204" pitchFamily="18" charset="0"/>
-                            <a:ea typeface="Cambria Math" panose="02040503050406030204" pitchFamily="18" charset="0"/>
-                          </a:rPr>
-                          <m:t>𝜏</m:t>
-                        </m:r>
-                        <m:r>
-                          <a:rPr lang="en-US" b="0" i="0" smtClean="0">
-                            <a:solidFill>
-                              <a:schemeClr val="tx1"/>
-                            </a:solidFill>
-                            <a:latin typeface="Cambria Math" panose="02040503050406030204" pitchFamily="18" charset="0"/>
-                            <a:ea typeface="Cambria Math" panose="02040503050406030204" pitchFamily="18" charset="0"/>
-                          </a:rPr>
-                          <m:t>=0</m:t>
-                        </m:r>
-                      </m:oMath>
-                    </m:oMathPara>
-                  </a14:m>
-                  <a:endParaRPr lang="en-US" dirty="0">
-                    <a:solidFill>
-                      <a:schemeClr val="tx1"/>
-                    </a:solidFill>
-                  </a:endParaRPr>
-                </a:p>
-                <a:p>
-                  <a:pPr algn="ctr"/>
-                  <a:r>
-                    <a:rPr lang="en-US" dirty="0">
-                      <a:solidFill>
-                        <a:schemeClr val="tx1"/>
-                      </a:solidFill>
-                    </a:rPr>
-                    <a:t>SUSPECT NO.1</a:t>
-                  </a:r>
-                </a:p>
-              </p:txBody>
-            </p:sp>
-          </mc:Choice>
-          <mc:Fallback xmlns="">
-            <p:sp>
-              <p:nvSpPr>
-                <p:cNvPr id="20" name="Rectangle: Single Corner Rounded 19">
-                  <a:extLst>
-                    <a:ext uri="{FF2B5EF4-FFF2-40B4-BE49-F238E27FC236}">
-                      <a16:creationId xmlns:a16="http://schemas.microsoft.com/office/drawing/2014/main" id="{344FA26C-6297-4288-915C-B25F98CF2CE1}"/>
-                    </a:ext>
-                  </a:extLst>
-                </p:cNvPr>
-                <p:cNvSpPr>
-                  <a:spLocks noRot="1" noChangeAspect="1" noMove="1" noResize="1" noEditPoints="1" noAdjustHandles="1" noChangeArrowheads="1" noChangeShapeType="1" noTextEdit="1"/>
-                </p:cNvSpPr>
-                <p:nvPr/>
-              </p:nvSpPr>
-              <p:spPr>
-                <a:xfrm>
-                  <a:off x="7856738" y="4411956"/>
-                  <a:ext cx="1917576" cy="985666"/>
-                </a:xfrm>
-                <a:prstGeom prst="round1Rect">
-                  <a:avLst/>
-                </a:prstGeom>
-                <a:blipFill>
-                  <a:blip r:embed="rId7"/>
-                  <a:stretch>
-                    <a:fillRect/>
-                  </a:stretch>
-                </a:blipFill>
-                <a:ln>
-                  <a:solidFill>
-                    <a:schemeClr val="tx1"/>
-                  </a:solidFill>
-                </a:ln>
-              </p:spPr>
-              <p:txBody>
-                <a:bodyPr/>
-                <a:lstStyle/>
-                <a:p>
-                  <a:r>
-                    <a:rPr lang="en-US">
-                      <a:noFill/>
-                    </a:rPr>
-                    <a:t> </a:t>
-                  </a:r>
-                </a:p>
-              </p:txBody>
-            </p:sp>
-          </mc:Fallback>
-        </mc:AlternateContent>
-        <p:cxnSp>
-          <p:nvCxnSpPr>
-            <p:cNvPr id="22" name="Straight Arrow Connector 21">
-              <a:extLst>
-                <a:ext uri="{FF2B5EF4-FFF2-40B4-BE49-F238E27FC236}">
-                  <a16:creationId xmlns:a16="http://schemas.microsoft.com/office/drawing/2014/main" id="{A5AA5516-E031-4293-B983-500609B732B1}"/>
-                </a:ext>
-              </a:extLst>
-            </p:cNvPr>
-            <p:cNvCxnSpPr>
-              <a:cxnSpLocks/>
-            </p:cNvCxnSpPr>
-            <p:nvPr/>
-          </p:nvCxnSpPr>
-          <p:spPr>
-            <a:xfrm flipH="1">
-              <a:off x="6489577" y="4904789"/>
-              <a:ext cx="1367161" cy="93339"/>
-            </a:xfrm>
-            <a:prstGeom prst="straightConnector1">
-              <a:avLst/>
-            </a:prstGeom>
-            <a:ln w="57150">
-              <a:solidFill>
-                <a:srgbClr val="FF0000"/>
-              </a:solidFill>
-              <a:tailEnd type="triangle"/>
-            </a:ln>
-          </p:spPr>
-          <p:style>
-            <a:lnRef idx="1">
-              <a:schemeClr val="accent1"/>
-            </a:lnRef>
-            <a:fillRef idx="0">
-              <a:schemeClr val="accent1"/>
-            </a:fillRef>
-            <a:effectRef idx="0">
-              <a:schemeClr val="accent1"/>
-            </a:effectRef>
-            <a:fontRef idx="minor">
-              <a:schemeClr val="tx1"/>
-            </a:fontRef>
-          </p:style>
-        </p:cxnSp>
-      </p:grpSp>
-      <p:sp>
-        <p:nvSpPr>
-          <p:cNvPr id="26" name="Rectangle: Single Corner Rounded 25">
-            <a:extLst>
-              <a:ext uri="{FF2B5EF4-FFF2-40B4-BE49-F238E27FC236}">
-                <a16:creationId xmlns:a16="http://schemas.microsoft.com/office/drawing/2014/main" id="{39772171-6C12-4E82-865C-B0194354574E}"/>
-              </a:ext>
-            </a:extLst>
-          </p:cNvPr>
-          <p:cNvSpPr/>
-          <p:nvPr/>
-        </p:nvSpPr>
-        <p:spPr>
-          <a:xfrm>
-            <a:off x="671373" y="4998128"/>
-            <a:ext cx="2375517" cy="603150"/>
-          </a:xfrm>
-          <a:prstGeom prst="round1Rect">
-            <a:avLst/>
-          </a:prstGeom>
-          <a:solidFill>
-            <a:schemeClr val="bg1"/>
-          </a:solidFill>
-          <a:ln>
-            <a:solidFill>
-              <a:schemeClr val="tx1"/>
-            </a:solidFill>
-          </a:ln>
-        </p:spPr>
-        <p:style>
-          <a:lnRef idx="2">
-            <a:schemeClr val="accent1">
-              <a:shade val="50000"/>
-            </a:schemeClr>
-          </a:lnRef>
-          <a:fillRef idx="1">
-            <a:schemeClr val="accent1"/>
-          </a:fillRef>
-          <a:effectRef idx="0">
-            <a:schemeClr val="accent1"/>
-          </a:effectRef>
-          <a:fontRef idx="minor">
-            <a:schemeClr val="lt1"/>
-          </a:fontRef>
-        </p:style>
-        <p:txBody>
-          <a:bodyPr rtlCol="0" anchor="ctr"/>
-          <a:lstStyle/>
-          <a:p>
-            <a:pPr algn="ctr"/>
-            <a:r>
-              <a:rPr lang="en-US" dirty="0">
-                <a:solidFill>
-                  <a:schemeClr val="tx1"/>
-                </a:solidFill>
-              </a:rPr>
-              <a:t>Offset Correction</a:t>
-            </a:r>
-          </a:p>
-        </p:txBody>
-      </p:sp>
-      <p:pic>
-        <p:nvPicPr>
-          <p:cNvPr id="27" name="Picture 26">
-            <a:extLst>
-              <a:ext uri="{FF2B5EF4-FFF2-40B4-BE49-F238E27FC236}">
-                <a16:creationId xmlns:a16="http://schemas.microsoft.com/office/drawing/2014/main" id="{464179C5-9D1C-4A0B-884B-F94FCE35EC3C}"/>
-              </a:ext>
-            </a:extLst>
-          </p:cNvPr>
-          <p:cNvPicPr>
-            <a:picLocks noChangeAspect="1"/>
-          </p:cNvPicPr>
-          <p:nvPr/>
-        </p:nvPicPr>
-        <p:blipFill>
-          <a:blip r:embed="rId8"/>
-          <a:stretch>
-            <a:fillRect/>
-          </a:stretch>
-        </p:blipFill>
-        <p:spPr>
-          <a:xfrm>
-            <a:off x="4112136" y="3469404"/>
-            <a:ext cx="3448531" cy="1528724"/>
-          </a:xfrm>
-          <a:prstGeom prst="rect">
-            <a:avLst/>
-          </a:prstGeom>
-        </p:spPr>
-      </p:pic>
-      <p:grpSp>
-        <p:nvGrpSpPr>
-          <p:cNvPr id="30" name="Group 29">
-            <a:extLst>
-              <a:ext uri="{FF2B5EF4-FFF2-40B4-BE49-F238E27FC236}">
-                <a16:creationId xmlns:a16="http://schemas.microsoft.com/office/drawing/2014/main" id="{C524D5E5-FAFD-4455-826A-513BF74D787E}"/>
-              </a:ext>
-            </a:extLst>
-          </p:cNvPr>
-          <p:cNvGrpSpPr/>
-          <p:nvPr/>
-        </p:nvGrpSpPr>
-        <p:grpSpPr>
-          <a:xfrm>
-            <a:off x="8009639" y="3072459"/>
-            <a:ext cx="3668102" cy="1163221"/>
-            <a:chOff x="8009639" y="3072459"/>
-            <a:chExt cx="3668102" cy="1163221"/>
-          </a:xfrm>
-        </p:grpSpPr>
-        <p:sp>
-          <p:nvSpPr>
-            <p:cNvPr id="28" name="Rectangle: Single Corner Rounded 27">
-              <a:extLst>
-                <a:ext uri="{FF2B5EF4-FFF2-40B4-BE49-F238E27FC236}">
-                  <a16:creationId xmlns:a16="http://schemas.microsoft.com/office/drawing/2014/main" id="{6A8C3277-3C3F-4929-AA87-038865C8CDDC}"/>
-                </a:ext>
-              </a:extLst>
-            </p:cNvPr>
-            <p:cNvSpPr/>
-            <p:nvPr/>
-          </p:nvSpPr>
-          <p:spPr>
-            <a:xfrm>
-              <a:off x="9458323" y="3072459"/>
-              <a:ext cx="2219418" cy="1163221"/>
-            </a:xfrm>
-            <a:prstGeom prst="round1Rect">
-              <a:avLst/>
-            </a:prstGeom>
-          </p:spPr>
-          <p:style>
-            <a:lnRef idx="2">
-              <a:schemeClr val="dk1"/>
-            </a:lnRef>
-            <a:fillRef idx="1">
-              <a:schemeClr val="lt1"/>
-            </a:fillRef>
-            <a:effectRef idx="0">
-              <a:schemeClr val="dk1"/>
-            </a:effectRef>
-            <a:fontRef idx="minor">
-              <a:schemeClr val="dk1"/>
-            </a:fontRef>
-          </p:style>
-          <p:txBody>
-            <a:bodyPr rtlCol="0" anchor="ctr"/>
-            <a:lstStyle/>
-            <a:p>
-              <a:pPr algn="ctr"/>
-              <a:r>
-                <a:rPr lang="en-US" dirty="0"/>
-                <a:t>Saving </a:t>
-              </a:r>
-              <a:r>
-                <a:rPr lang="en-US" dirty="0" err="1"/>
-                <a:t>Dataframes</a:t>
-              </a:r>
-              <a:r>
-                <a:rPr lang="en-US" dirty="0"/>
-                <a:t> of every fit into .CSV files</a:t>
-              </a:r>
-            </a:p>
-          </p:txBody>
-        </p:sp>
-        <p:sp>
-          <p:nvSpPr>
-            <p:cNvPr id="29" name="Arrow: Right 28">
-              <a:extLst>
-                <a:ext uri="{FF2B5EF4-FFF2-40B4-BE49-F238E27FC236}">
-                  <a16:creationId xmlns:a16="http://schemas.microsoft.com/office/drawing/2014/main" id="{BB92AF11-DE9D-4F74-8542-70FA6D56EAA3}"/>
-                </a:ext>
-              </a:extLst>
-            </p:cNvPr>
-            <p:cNvSpPr/>
-            <p:nvPr/>
-          </p:nvSpPr>
-          <p:spPr>
-            <a:xfrm>
-              <a:off x="8009639" y="3411753"/>
-              <a:ext cx="978408" cy="484632"/>
-            </a:xfrm>
-            <a:prstGeom prst="rightArrow">
-              <a:avLst/>
-            </a:prstGeom>
-            <a:solidFill>
-              <a:srgbClr val="FF0000"/>
-            </a:solidFill>
-          </p:spPr>
-          <p:style>
-            <a:lnRef idx="2">
-              <a:schemeClr val="accent1">
-                <a:shade val="50000"/>
-              </a:schemeClr>
-            </a:lnRef>
-            <a:fillRef idx="1">
-              <a:schemeClr val="accent1"/>
-            </a:fillRef>
-            <a:effectRef idx="0">
-              <a:schemeClr val="accent1"/>
-            </a:effectRef>
-            <a:fontRef idx="minor">
-              <a:schemeClr val="lt1"/>
-            </a:fontRef>
-          </p:style>
-          <p:txBody>
-            <a:bodyPr rtlCol="0" anchor="ctr"/>
-            <a:lstStyle/>
-            <a:p>
-              <a:pPr algn="ctr"/>
-              <a:endParaRPr lang="en-US"/>
-            </a:p>
-          </p:txBody>
-        </p:sp>
-      </p:grpSp>
     </p:spTree>
     <p:extLst>
       <p:ext uri="{BB962C8B-B14F-4D97-AF65-F5344CB8AC3E}">
@@ -18477,33 +18419,988 @@
                       </p:childTnLst>
                     </p:cTn>
                   </p:par>
+                </p:childTnLst>
+              </p:cTn>
+              <p:prevCondLst>
+                <p:cond evt="onPrev" delay="0">
+                  <p:tgtEl>
+                    <p:sldTgt/>
+                  </p:tgtEl>
+                </p:cond>
+              </p:prevCondLst>
+              <p:nextCondLst>
+                <p:cond evt="onNext" delay="0">
+                  <p:tgtEl>
+                    <p:sldTgt/>
+                  </p:tgtEl>
+                </p:cond>
+              </p:nextCondLst>
+            </p:seq>
+          </p:childTnLst>
+        </p:cTn>
+      </p:par>
+    </p:tnLst>
+    <p:bldLst>
+      <p:bldP spid="3" grpId="0" build="p"/>
+      <p:bldP spid="3" grpId="1" build="p"/>
+      <p:bldP spid="8" grpId="0"/>
+      <p:bldP spid="8" grpId="1"/>
+      <p:bldP spid="14" grpId="0" animBg="1"/>
+      <p:bldP spid="14" grpId="1" animBg="1"/>
+      <p:bldP spid="15" grpId="0"/>
+      <p:bldP spid="15" grpId="1"/>
+    </p:bldLst>
+  </p:timing>
+</p:sld>
+</file>
+
+<file path=ppt/slides/slide9.xml><?xml version="1.0" encoding="utf-8"?>
+<p:sld xmlns:a="http://schemas.openxmlformats.org/drawingml/2006/main" xmlns:r="http://schemas.openxmlformats.org/officeDocument/2006/relationships" xmlns:p="http://schemas.openxmlformats.org/presentationml/2006/main">
+  <p:cSld>
+    <p:spTree>
+      <p:nvGrpSpPr>
+        <p:cNvPr id="1" name=""/>
+        <p:cNvGrpSpPr/>
+        <p:nvPr/>
+      </p:nvGrpSpPr>
+      <p:grpSpPr>
+        <a:xfrm>
+          <a:off x="0" y="0"/>
+          <a:ext cx="0" cy="0"/>
+          <a:chOff x="0" y="0"/>
+          <a:chExt cx="0" cy="0"/>
+        </a:xfrm>
+      </p:grpSpPr>
+      <p:grpSp>
+        <p:nvGrpSpPr>
+          <p:cNvPr id="8" name="Group 7">
+            <a:extLst>
+              <a:ext uri="{FF2B5EF4-FFF2-40B4-BE49-F238E27FC236}">
+                <a16:creationId xmlns:a16="http://schemas.microsoft.com/office/drawing/2014/main" id="{316A717F-5BF6-4EFB-B94F-EA94F686DFA7}"/>
+              </a:ext>
+            </a:extLst>
+          </p:cNvPr>
+          <p:cNvGrpSpPr/>
+          <p:nvPr/>
+        </p:nvGrpSpPr>
+        <p:grpSpPr>
+          <a:xfrm>
+            <a:off x="1853949" y="821654"/>
+            <a:ext cx="8484102" cy="5090461"/>
+            <a:chOff x="1859132" y="924173"/>
+            <a:chExt cx="8484102" cy="5090461"/>
+          </a:xfrm>
+        </p:grpSpPr>
+        <p:pic>
+          <p:nvPicPr>
+            <p:cNvPr id="9" name="Picture 8">
+              <a:extLst>
+                <a:ext uri="{FF2B5EF4-FFF2-40B4-BE49-F238E27FC236}">
+                  <a16:creationId xmlns:a16="http://schemas.microsoft.com/office/drawing/2014/main" id="{530EA898-79E4-4AC1-9397-66A2B9C3BB02}"/>
+                </a:ext>
+              </a:extLst>
+            </p:cNvPr>
+            <p:cNvPicPr>
+              <a:picLocks noChangeAspect="1"/>
+            </p:cNvPicPr>
+            <p:nvPr/>
+          </p:nvPicPr>
+          <p:blipFill>
+            <a:blip r:embed="rId2">
+              <a:extLst>
+                <a:ext uri="{28A0092B-C50C-407E-A947-70E740481C1C}">
+                  <a14:useLocalDpi xmlns:a14="http://schemas.microsoft.com/office/drawing/2010/main" val="0"/>
+                </a:ext>
+              </a:extLst>
+            </a:blip>
+            <a:stretch>
+              <a:fillRect/>
+            </a:stretch>
+          </p:blipFill>
+          <p:spPr>
+            <a:xfrm>
+              <a:off x="1859132" y="924173"/>
+              <a:ext cx="8484102" cy="5090461"/>
+            </a:xfrm>
+            <a:prstGeom prst="rect">
+              <a:avLst/>
+            </a:prstGeom>
+          </p:spPr>
+        </p:pic>
+        <p:sp>
+          <p:nvSpPr>
+            <p:cNvPr id="10" name="Oval 9">
+              <a:extLst>
+                <a:ext uri="{FF2B5EF4-FFF2-40B4-BE49-F238E27FC236}">
+                  <a16:creationId xmlns:a16="http://schemas.microsoft.com/office/drawing/2014/main" id="{AB1A9DF9-A49E-4EBD-9B75-0162CE1C7C62}"/>
+                </a:ext>
+              </a:extLst>
+            </p:cNvPr>
+            <p:cNvSpPr/>
+            <p:nvPr/>
+          </p:nvSpPr>
+          <p:spPr>
+            <a:xfrm>
+              <a:off x="6239211" y="5490961"/>
+              <a:ext cx="256950" cy="219091"/>
+            </a:xfrm>
+            <a:prstGeom prst="ellipse">
+              <a:avLst/>
+            </a:prstGeom>
+            <a:solidFill>
+              <a:schemeClr val="bg1"/>
+            </a:solidFill>
+            <a:ln>
+              <a:solidFill>
+                <a:schemeClr val="bg1"/>
+              </a:solidFill>
+            </a:ln>
+          </p:spPr>
+          <p:style>
+            <a:lnRef idx="2">
+              <a:schemeClr val="accent1">
+                <a:shade val="50000"/>
+              </a:schemeClr>
+            </a:lnRef>
+            <a:fillRef idx="1">
+              <a:schemeClr val="accent1"/>
+            </a:fillRef>
+            <a:effectRef idx="0">
+              <a:schemeClr val="accent1"/>
+            </a:effectRef>
+            <a:fontRef idx="minor">
+              <a:schemeClr val="lt1"/>
+            </a:fontRef>
+          </p:style>
+          <p:txBody>
+            <a:bodyPr rtlCol="0" anchor="ctr"/>
+            <a:lstStyle/>
+            <a:p>
+              <a:pPr algn="ctr"/>
+              <a:endParaRPr lang="en-US"/>
+            </a:p>
+          </p:txBody>
+        </p:sp>
+      </p:grpSp>
+      <p:sp>
+        <p:nvSpPr>
+          <p:cNvPr id="4" name="Date Placeholder 3">
+            <a:extLst>
+              <a:ext uri="{FF2B5EF4-FFF2-40B4-BE49-F238E27FC236}">
+                <a16:creationId xmlns:a16="http://schemas.microsoft.com/office/drawing/2014/main" id="{CC3CEE9E-77C1-4252-8A25-D4026CED4206}"/>
+              </a:ext>
+            </a:extLst>
+          </p:cNvPr>
+          <p:cNvSpPr>
+            <a:spLocks noGrp="1"/>
+          </p:cNvSpPr>
+          <p:nvPr>
+            <p:ph type="dt" sz="half" idx="10"/>
+          </p:nvPr>
+        </p:nvSpPr>
+        <p:spPr/>
+        <p:txBody>
+          <a:bodyPr/>
+          <a:lstStyle/>
+          <a:p>
+            <a:r>
+              <a:rPr lang="en-US"/>
+              <a:t>5/16/2025</a:t>
+            </a:r>
+          </a:p>
+        </p:txBody>
+      </p:sp>
+      <p:sp>
+        <p:nvSpPr>
+          <p:cNvPr id="5" name="Footer Placeholder 4">
+            <a:extLst>
+              <a:ext uri="{FF2B5EF4-FFF2-40B4-BE49-F238E27FC236}">
+                <a16:creationId xmlns:a16="http://schemas.microsoft.com/office/drawing/2014/main" id="{E1CF0E8F-505B-496C-82E2-BE9DF4B33B58}"/>
+              </a:ext>
+            </a:extLst>
+          </p:cNvPr>
+          <p:cNvSpPr>
+            <a:spLocks noGrp="1"/>
+          </p:cNvSpPr>
+          <p:nvPr>
+            <p:ph type="ftr" sz="quarter" idx="11"/>
+          </p:nvPr>
+        </p:nvSpPr>
+        <p:spPr/>
+        <p:txBody>
+          <a:bodyPr/>
+          <a:lstStyle/>
+          <a:p>
+            <a:r>
+              <a:rPr lang="en-US"/>
+              <a:t>Andrea Maccarinelli </a:t>
+            </a:r>
+          </a:p>
+        </p:txBody>
+      </p:sp>
+      <p:sp>
+        <p:nvSpPr>
+          <p:cNvPr id="6" name="Slide Number Placeholder 5">
+            <a:extLst>
+              <a:ext uri="{FF2B5EF4-FFF2-40B4-BE49-F238E27FC236}">
+                <a16:creationId xmlns:a16="http://schemas.microsoft.com/office/drawing/2014/main" id="{A3496E22-FDC4-4A8C-BA7A-A2AB6BD47242}"/>
+              </a:ext>
+            </a:extLst>
+          </p:cNvPr>
+          <p:cNvSpPr>
+            <a:spLocks noGrp="1"/>
+          </p:cNvSpPr>
+          <p:nvPr>
+            <p:ph type="sldNum" sz="quarter" idx="12"/>
+          </p:nvPr>
+        </p:nvSpPr>
+        <p:spPr/>
+        <p:txBody>
+          <a:bodyPr/>
+          <a:lstStyle/>
+          <a:p>
+            <a:fld id="{FE39BC62-9EE5-48A8-B4F4-3A999EDF6DA3}" type="slidenum">
+              <a:rPr lang="en-US" smtClean="0"/>
+              <a:t>9</a:t>
+            </a:fld>
+            <a:endParaRPr lang="en-US"/>
+          </a:p>
+        </p:txBody>
+      </p:sp>
+      <mc:AlternateContent xmlns:mc="http://schemas.openxmlformats.org/markup-compatibility/2006">
+        <mc:Choice xmlns:a14="http://schemas.microsoft.com/office/drawing/2010/main" Requires="a14">
+          <p:sp>
+            <p:nvSpPr>
+              <p:cNvPr id="7" name="Title 1">
+                <a:extLst>
+                  <a:ext uri="{FF2B5EF4-FFF2-40B4-BE49-F238E27FC236}">
+                    <a16:creationId xmlns:a16="http://schemas.microsoft.com/office/drawing/2014/main" id="{D4123F5A-D9D2-4CF1-9B44-D512D7602239}"/>
+                  </a:ext>
+                </a:extLst>
+              </p:cNvPr>
+              <p:cNvSpPr txBox="1">
+                <a:spLocks/>
+              </p:cNvSpPr>
+              <p:nvPr/>
+            </p:nvSpPr>
+            <p:spPr>
+              <a:xfrm>
+                <a:off x="838200" y="-161016"/>
+                <a:ext cx="10515600" cy="1325563"/>
+              </a:xfrm>
+              <a:prstGeom prst="rect">
+                <a:avLst/>
+              </a:prstGeom>
+            </p:spPr>
+            <p:txBody>
+              <a:bodyPr vert="horz" lIns="91440" tIns="45720" rIns="91440" bIns="45720" rtlCol="0" anchor="ctr">
+                <a:normAutofit/>
+              </a:bodyPr>
+              <a:lstStyle>
+                <a:lvl1pPr algn="l" defTabSz="914400" rtl="0" eaLnBrk="1" latinLnBrk="0" hangingPunct="1">
+                  <a:lnSpc>
+                    <a:spcPct val="90000"/>
+                  </a:lnSpc>
+                  <a:spcBef>
+                    <a:spcPct val="0"/>
+                  </a:spcBef>
+                  <a:buNone/>
+                  <a:defRPr sz="4400" kern="1200">
+                    <a:solidFill>
+                      <a:schemeClr val="tx1"/>
+                    </a:solidFill>
+                    <a:latin typeface="+mj-lt"/>
+                    <a:ea typeface="+mj-ea"/>
+                    <a:cs typeface="+mj-cs"/>
+                  </a:defRPr>
+                </a:lvl1pPr>
+              </a:lstStyle>
+              <a:p>
+                <a:r>
+                  <a:rPr lang="en-US" dirty="0"/>
+                  <a:t>Fitting the peaks in g</a:t>
+                </a:r>
+                <a:r>
+                  <a:rPr lang="en-US" baseline="-25000" dirty="0"/>
+                  <a:t>2</a:t>
+                </a:r>
+                <a:r>
+                  <a:rPr lang="en-US" dirty="0"/>
+                  <a:t>(</a:t>
+                </a:r>
+                <a14:m>
+                  <m:oMath xmlns:m="http://schemas.openxmlformats.org/officeDocument/2006/math">
+                    <m:r>
+                      <a:rPr lang="en-US" i="1">
+                        <a:latin typeface="Cambria Math" panose="02040503050406030204" pitchFamily="18" charset="0"/>
+                        <a:ea typeface="Cambria Math" panose="02040503050406030204" pitchFamily="18" charset="0"/>
+                      </a:rPr>
+                      <m:t>𝜏</m:t>
+                    </m:r>
+                  </m:oMath>
+                </a14:m>
+                <a:r>
+                  <a:rPr lang="en-US" dirty="0"/>
+                  <a:t>)</a:t>
+                </a:r>
+              </a:p>
+            </p:txBody>
+          </p:sp>
+        </mc:Choice>
+        <mc:Fallback>
+          <p:sp>
+            <p:nvSpPr>
+              <p:cNvPr id="7" name="Title 1">
+                <a:extLst>
+                  <a:ext uri="{FF2B5EF4-FFF2-40B4-BE49-F238E27FC236}">
+                    <a16:creationId xmlns:a16="http://schemas.microsoft.com/office/drawing/2014/main" id="{D4123F5A-D9D2-4CF1-9B44-D512D7602239}"/>
+                  </a:ext>
+                </a:extLst>
+              </p:cNvPr>
+              <p:cNvSpPr txBox="1">
+                <a:spLocks noRot="1" noChangeAspect="1" noMove="1" noResize="1" noEditPoints="1" noAdjustHandles="1" noChangeArrowheads="1" noChangeShapeType="1" noTextEdit="1"/>
+              </p:cNvSpPr>
+              <p:nvPr/>
+            </p:nvSpPr>
+            <p:spPr>
+              <a:xfrm>
+                <a:off x="838200" y="-161016"/>
+                <a:ext cx="10515600" cy="1325563"/>
+              </a:xfrm>
+              <a:prstGeom prst="rect">
+                <a:avLst/>
+              </a:prstGeom>
+              <a:blipFill>
+                <a:blip r:embed="rId3"/>
+                <a:stretch>
+                  <a:fillRect l="-2377"/>
+                </a:stretch>
+              </a:blipFill>
+            </p:spPr>
+            <p:txBody>
+              <a:bodyPr/>
+              <a:lstStyle/>
+              <a:p>
+                <a:r>
+                  <a:rPr lang="en-US">
+                    <a:noFill/>
+                  </a:rPr>
+                  <a:t> </a:t>
+                </a:r>
+              </a:p>
+            </p:txBody>
+          </p:sp>
+        </mc:Fallback>
+      </mc:AlternateContent>
+      <p:grpSp>
+        <p:nvGrpSpPr>
+          <p:cNvPr id="17" name="Group 16">
+            <a:extLst>
+              <a:ext uri="{FF2B5EF4-FFF2-40B4-BE49-F238E27FC236}">
+                <a16:creationId xmlns:a16="http://schemas.microsoft.com/office/drawing/2014/main" id="{467E34DF-7AF7-4E06-9D81-B80C600C37F1}"/>
+              </a:ext>
+            </a:extLst>
+          </p:cNvPr>
+          <p:cNvGrpSpPr/>
+          <p:nvPr/>
+        </p:nvGrpSpPr>
+        <p:grpSpPr>
+          <a:xfrm>
+            <a:off x="1853949" y="883769"/>
+            <a:ext cx="8484102" cy="5090461"/>
+            <a:chOff x="2387663" y="1075730"/>
+            <a:chExt cx="8484102" cy="5090461"/>
+          </a:xfrm>
+        </p:grpSpPr>
+        <p:grpSp>
+          <p:nvGrpSpPr>
+            <p:cNvPr id="14" name="Group 13">
+              <a:extLst>
+                <a:ext uri="{FF2B5EF4-FFF2-40B4-BE49-F238E27FC236}">
+                  <a16:creationId xmlns:a16="http://schemas.microsoft.com/office/drawing/2014/main" id="{4C742D75-B053-484D-BB02-0BF00D98AFC8}"/>
+                </a:ext>
+              </a:extLst>
+            </p:cNvPr>
+            <p:cNvGrpSpPr/>
+            <p:nvPr/>
+          </p:nvGrpSpPr>
+          <p:grpSpPr>
+            <a:xfrm>
+              <a:off x="2387663" y="1075730"/>
+              <a:ext cx="8484102" cy="5090461"/>
+              <a:chOff x="1859132" y="924173"/>
+              <a:chExt cx="8484102" cy="5090461"/>
+            </a:xfrm>
+          </p:grpSpPr>
+          <p:pic>
+            <p:nvPicPr>
+              <p:cNvPr id="15" name="Picture 14">
+                <a:extLst>
+                  <a:ext uri="{FF2B5EF4-FFF2-40B4-BE49-F238E27FC236}">
+                    <a16:creationId xmlns:a16="http://schemas.microsoft.com/office/drawing/2014/main" id="{2F29A308-8018-4749-9C73-548DA46BF16B}"/>
+                  </a:ext>
+                </a:extLst>
+              </p:cNvPr>
+              <p:cNvPicPr>
+                <a:picLocks noChangeAspect="1"/>
+              </p:cNvPicPr>
+              <p:nvPr/>
+            </p:nvPicPr>
+            <p:blipFill>
+              <a:blip r:embed="rId2">
+                <a:extLst>
+                  <a:ext uri="{28A0092B-C50C-407E-A947-70E740481C1C}">
+                    <a14:useLocalDpi xmlns:a14="http://schemas.microsoft.com/office/drawing/2010/main" val="0"/>
+                  </a:ext>
+                </a:extLst>
+              </a:blip>
+              <a:stretch>
+                <a:fillRect/>
+              </a:stretch>
+            </p:blipFill>
+            <p:spPr>
+              <a:xfrm>
+                <a:off x="1859132" y="924173"/>
+                <a:ext cx="8484102" cy="5090461"/>
+              </a:xfrm>
+              <a:prstGeom prst="rect">
+                <a:avLst/>
+              </a:prstGeom>
+            </p:spPr>
+          </p:pic>
+          <p:sp>
+            <p:nvSpPr>
+              <p:cNvPr id="16" name="Oval 15">
+                <a:extLst>
+                  <a:ext uri="{FF2B5EF4-FFF2-40B4-BE49-F238E27FC236}">
+                    <a16:creationId xmlns:a16="http://schemas.microsoft.com/office/drawing/2014/main" id="{07A2A8FA-C70C-4797-ABD1-39C613536DF6}"/>
+                  </a:ext>
+                </a:extLst>
+              </p:cNvPr>
+              <p:cNvSpPr/>
+              <p:nvPr/>
+            </p:nvSpPr>
+            <p:spPr>
+              <a:xfrm>
+                <a:off x="6239211" y="5490961"/>
+                <a:ext cx="256950" cy="219091"/>
+              </a:xfrm>
+              <a:prstGeom prst="ellipse">
+                <a:avLst/>
+              </a:prstGeom>
+              <a:solidFill>
+                <a:schemeClr val="bg1"/>
+              </a:solidFill>
+              <a:ln>
+                <a:solidFill>
+                  <a:schemeClr val="bg1"/>
+                </a:solidFill>
+              </a:ln>
+            </p:spPr>
+            <p:style>
+              <a:lnRef idx="2">
+                <a:schemeClr val="accent1">
+                  <a:shade val="50000"/>
+                </a:schemeClr>
+              </a:lnRef>
+              <a:fillRef idx="1">
+                <a:schemeClr val="accent1"/>
+              </a:fillRef>
+              <a:effectRef idx="0">
+                <a:schemeClr val="accent1"/>
+              </a:effectRef>
+              <a:fontRef idx="minor">
+                <a:schemeClr val="lt1"/>
+              </a:fontRef>
+            </p:style>
+            <p:txBody>
+              <a:bodyPr rtlCol="0" anchor="ctr"/>
+              <a:lstStyle/>
+              <a:p>
+                <a:pPr algn="ctr"/>
+                <a:endParaRPr lang="en-US"/>
+              </a:p>
+            </p:txBody>
+          </p:sp>
+        </p:grpSp>
+        <p:grpSp>
+          <p:nvGrpSpPr>
+            <p:cNvPr id="11" name="Group 10">
+              <a:extLst>
+                <a:ext uri="{FF2B5EF4-FFF2-40B4-BE49-F238E27FC236}">
+                  <a16:creationId xmlns:a16="http://schemas.microsoft.com/office/drawing/2014/main" id="{72C648BD-D0BB-45DF-8138-C502E1D8F6BC}"/>
+                </a:ext>
+              </a:extLst>
+            </p:cNvPr>
+            <p:cNvGrpSpPr/>
+            <p:nvPr/>
+          </p:nvGrpSpPr>
+          <p:grpSpPr>
+            <a:xfrm>
+              <a:off x="6968231" y="4561764"/>
+              <a:ext cx="3284737" cy="985666"/>
+              <a:chOff x="6489577" y="4411956"/>
+              <a:chExt cx="3284737" cy="985666"/>
+            </a:xfrm>
+          </p:grpSpPr>
+          <mc:AlternateContent xmlns:mc="http://schemas.openxmlformats.org/markup-compatibility/2006" xmlns:a14="http://schemas.microsoft.com/office/drawing/2010/main">
+            <mc:Choice Requires="a14">
+              <p:sp>
+                <p:nvSpPr>
+                  <p:cNvPr id="12" name="Rectangle: Single Corner Rounded 11">
+                    <a:extLst>
+                      <a:ext uri="{FF2B5EF4-FFF2-40B4-BE49-F238E27FC236}">
+                        <a16:creationId xmlns:a16="http://schemas.microsoft.com/office/drawing/2014/main" id="{6A3D6EAE-CF4B-4C9E-9915-E7509E629667}"/>
+                      </a:ext>
+                    </a:extLst>
+                  </p:cNvPr>
+                  <p:cNvSpPr/>
+                  <p:nvPr/>
+                </p:nvSpPr>
+                <p:spPr>
+                  <a:xfrm>
+                    <a:off x="7856738" y="4411956"/>
+                    <a:ext cx="1917576" cy="985666"/>
+                  </a:xfrm>
+                  <a:prstGeom prst="round1Rect">
+                    <a:avLst/>
+                  </a:prstGeom>
+                  <a:solidFill>
+                    <a:schemeClr val="bg1"/>
+                  </a:solidFill>
+                  <a:ln>
+                    <a:solidFill>
+                      <a:schemeClr val="tx1"/>
+                    </a:solidFill>
+                  </a:ln>
+                </p:spPr>
+                <p:style>
+                  <a:lnRef idx="2">
+                    <a:schemeClr val="accent1">
+                      <a:shade val="50000"/>
+                    </a:schemeClr>
+                  </a:lnRef>
+                  <a:fillRef idx="1">
+                    <a:schemeClr val="accent1"/>
+                  </a:fillRef>
+                  <a:effectRef idx="0">
+                    <a:schemeClr val="accent1"/>
+                  </a:effectRef>
+                  <a:fontRef idx="minor">
+                    <a:schemeClr val="lt1"/>
+                  </a:fontRef>
+                </p:style>
+                <p:txBody>
+                  <a:bodyPr rtlCol="0" anchor="ctr"/>
+                  <a:lstStyle/>
+                  <a:p>
+                    <a:pPr algn="ctr"/>
+                    <a14:m>
+                      <m:oMathPara xmlns:m="http://schemas.openxmlformats.org/officeDocument/2006/math">
+                        <m:oMathParaPr>
+                          <m:jc m:val="centerGroup"/>
+                        </m:oMathParaPr>
+                        <m:oMath xmlns:m="http://schemas.openxmlformats.org/officeDocument/2006/math">
+                          <m:r>
+                            <a:rPr lang="en-US" i="1" smtClean="0">
+                              <a:solidFill>
+                                <a:schemeClr val="tx1"/>
+                              </a:solidFill>
+                              <a:latin typeface="Cambria Math" panose="02040503050406030204" pitchFamily="18" charset="0"/>
+                              <a:ea typeface="Cambria Math" panose="02040503050406030204" pitchFamily="18" charset="0"/>
+                            </a:rPr>
+                            <m:t>𝜏</m:t>
+                          </m:r>
+                          <m:r>
+                            <a:rPr lang="en-US" b="0" i="0" smtClean="0">
+                              <a:solidFill>
+                                <a:schemeClr val="tx1"/>
+                              </a:solidFill>
+                              <a:latin typeface="Cambria Math" panose="02040503050406030204" pitchFamily="18" charset="0"/>
+                              <a:ea typeface="Cambria Math" panose="02040503050406030204" pitchFamily="18" charset="0"/>
+                            </a:rPr>
+                            <m:t>=0</m:t>
+                          </m:r>
+                        </m:oMath>
+                      </m:oMathPara>
+                    </a14:m>
+                    <a:endParaRPr lang="en-US" dirty="0">
+                      <a:solidFill>
+                        <a:schemeClr val="tx1"/>
+                      </a:solidFill>
+                    </a:endParaRPr>
+                  </a:p>
+                  <a:p>
+                    <a:pPr algn="ctr"/>
+                    <a:r>
+                      <a:rPr lang="en-US" dirty="0">
+                        <a:solidFill>
+                          <a:schemeClr val="tx1"/>
+                        </a:solidFill>
+                      </a:rPr>
+                      <a:t>SUSPECT NO.1</a:t>
+                    </a:r>
+                  </a:p>
+                </p:txBody>
+              </p:sp>
+            </mc:Choice>
+            <mc:Fallback xmlns="">
+              <p:sp>
+                <p:nvSpPr>
+                  <p:cNvPr id="20" name="Rectangle: Single Corner Rounded 19">
+                    <a:extLst>
+                      <a:ext uri="{FF2B5EF4-FFF2-40B4-BE49-F238E27FC236}">
+                        <a16:creationId xmlns:a16="http://schemas.microsoft.com/office/drawing/2014/main" id="{344FA26C-6297-4288-915C-B25F98CF2CE1}"/>
+                      </a:ext>
+                    </a:extLst>
+                  </p:cNvPr>
+                  <p:cNvSpPr>
+                    <a:spLocks noRot="1" noChangeAspect="1" noMove="1" noResize="1" noEditPoints="1" noAdjustHandles="1" noChangeArrowheads="1" noChangeShapeType="1" noTextEdit="1"/>
+                  </p:cNvSpPr>
+                  <p:nvPr/>
+                </p:nvSpPr>
+                <p:spPr>
+                  <a:xfrm>
+                    <a:off x="7856738" y="4411956"/>
+                    <a:ext cx="1917576" cy="985666"/>
+                  </a:xfrm>
+                  <a:prstGeom prst="round1Rect">
+                    <a:avLst/>
+                  </a:prstGeom>
+                  <a:blipFill>
+                    <a:blip r:embed="rId7"/>
+                    <a:stretch>
+                      <a:fillRect/>
+                    </a:stretch>
+                  </a:blipFill>
+                  <a:ln>
+                    <a:solidFill>
+                      <a:schemeClr val="tx1"/>
+                    </a:solidFill>
+                  </a:ln>
+                </p:spPr>
+                <p:txBody>
+                  <a:bodyPr/>
+                  <a:lstStyle/>
+                  <a:p>
+                    <a:r>
+                      <a:rPr lang="en-US">
+                        <a:noFill/>
+                      </a:rPr>
+                      <a:t> </a:t>
+                    </a:r>
+                  </a:p>
+                </p:txBody>
+              </p:sp>
+            </mc:Fallback>
+          </mc:AlternateContent>
+          <p:cxnSp>
+            <p:nvCxnSpPr>
+              <p:cNvPr id="13" name="Straight Arrow Connector 12">
+                <a:extLst>
+                  <a:ext uri="{FF2B5EF4-FFF2-40B4-BE49-F238E27FC236}">
+                    <a16:creationId xmlns:a16="http://schemas.microsoft.com/office/drawing/2014/main" id="{116E1C89-1C72-4388-ADBE-C667E6E7E734}"/>
+                  </a:ext>
+                </a:extLst>
+              </p:cNvPr>
+              <p:cNvCxnSpPr>
+                <a:cxnSpLocks/>
+              </p:cNvCxnSpPr>
+              <p:nvPr/>
+            </p:nvCxnSpPr>
+            <p:spPr>
+              <a:xfrm flipH="1">
+                <a:off x="6489577" y="4904789"/>
+                <a:ext cx="1367161" cy="93339"/>
+              </a:xfrm>
+              <a:prstGeom prst="straightConnector1">
+                <a:avLst/>
+              </a:prstGeom>
+              <a:ln w="57150">
+                <a:solidFill>
+                  <a:srgbClr val="FF0000"/>
+                </a:solidFill>
+                <a:tailEnd type="triangle"/>
+              </a:ln>
+            </p:spPr>
+            <p:style>
+              <a:lnRef idx="1">
+                <a:schemeClr val="accent1"/>
+              </a:lnRef>
+              <a:fillRef idx="0">
+                <a:schemeClr val="accent1"/>
+              </a:fillRef>
+              <a:effectRef idx="0">
+                <a:schemeClr val="accent1"/>
+              </a:effectRef>
+              <a:fontRef idx="minor">
+                <a:schemeClr val="tx1"/>
+              </a:fontRef>
+            </p:style>
+          </p:cxnSp>
+        </p:grpSp>
+      </p:grpSp>
+      <p:sp>
+        <p:nvSpPr>
+          <p:cNvPr id="21" name="Rectangle: Single Corner Rounded 20">
+            <a:extLst>
+              <a:ext uri="{FF2B5EF4-FFF2-40B4-BE49-F238E27FC236}">
+                <a16:creationId xmlns:a16="http://schemas.microsoft.com/office/drawing/2014/main" id="{34F20065-A517-4F7E-8538-588AFA68EA56}"/>
+              </a:ext>
+            </a:extLst>
+          </p:cNvPr>
+          <p:cNvSpPr/>
+          <p:nvPr/>
+        </p:nvSpPr>
+        <p:spPr>
+          <a:xfrm>
+            <a:off x="671373" y="4998128"/>
+            <a:ext cx="2375517" cy="603150"/>
+          </a:xfrm>
+          <a:prstGeom prst="round1Rect">
+            <a:avLst/>
+          </a:prstGeom>
+          <a:solidFill>
+            <a:schemeClr val="bg1"/>
+          </a:solidFill>
+          <a:ln>
+            <a:solidFill>
+              <a:schemeClr val="tx1"/>
+            </a:solidFill>
+          </a:ln>
+        </p:spPr>
+        <p:style>
+          <a:lnRef idx="2">
+            <a:schemeClr val="accent1">
+              <a:shade val="50000"/>
+            </a:schemeClr>
+          </a:lnRef>
+          <a:fillRef idx="1">
+            <a:schemeClr val="accent1"/>
+          </a:fillRef>
+          <a:effectRef idx="0">
+            <a:schemeClr val="accent1"/>
+          </a:effectRef>
+          <a:fontRef idx="minor">
+            <a:schemeClr val="lt1"/>
+          </a:fontRef>
+        </p:style>
+        <p:txBody>
+          <a:bodyPr rtlCol="0" anchor="ctr"/>
+          <a:lstStyle/>
+          <a:p>
+            <a:pPr algn="ctr"/>
+            <a:r>
+              <a:rPr lang="en-US" dirty="0">
+                <a:solidFill>
+                  <a:schemeClr val="tx1"/>
+                </a:solidFill>
+              </a:rPr>
+              <a:t>Offset Correction</a:t>
+            </a:r>
+          </a:p>
+        </p:txBody>
+      </p:sp>
+      <p:pic>
+        <p:nvPicPr>
+          <p:cNvPr id="22" name="Picture 21">
+            <a:extLst>
+              <a:ext uri="{FF2B5EF4-FFF2-40B4-BE49-F238E27FC236}">
+                <a16:creationId xmlns:a16="http://schemas.microsoft.com/office/drawing/2014/main" id="{2E7846C4-AC33-4584-BE5F-77D44A5EA9B0}"/>
+              </a:ext>
+            </a:extLst>
+          </p:cNvPr>
+          <p:cNvPicPr>
+            <a:picLocks noChangeAspect="1"/>
+          </p:cNvPicPr>
+          <p:nvPr/>
+        </p:nvPicPr>
+        <p:blipFill>
+          <a:blip r:embed="rId8"/>
+          <a:stretch>
+            <a:fillRect/>
+          </a:stretch>
+        </p:blipFill>
+        <p:spPr>
+          <a:xfrm>
+            <a:off x="4112136" y="3469404"/>
+            <a:ext cx="3448531" cy="1528724"/>
+          </a:xfrm>
+          <a:prstGeom prst="rect">
+            <a:avLst/>
+          </a:prstGeom>
+        </p:spPr>
+      </p:pic>
+      <p:grpSp>
+        <p:nvGrpSpPr>
+          <p:cNvPr id="24" name="Group 23">
+            <a:extLst>
+              <a:ext uri="{FF2B5EF4-FFF2-40B4-BE49-F238E27FC236}">
+                <a16:creationId xmlns:a16="http://schemas.microsoft.com/office/drawing/2014/main" id="{F396F6EB-3241-4F94-B36A-57AB8C7444B4}"/>
+              </a:ext>
+            </a:extLst>
+          </p:cNvPr>
+          <p:cNvGrpSpPr/>
+          <p:nvPr/>
+        </p:nvGrpSpPr>
+        <p:grpSpPr>
+          <a:xfrm>
+            <a:off x="7984803" y="3018836"/>
+            <a:ext cx="3668102" cy="1163221"/>
+            <a:chOff x="8009639" y="3072459"/>
+            <a:chExt cx="3668102" cy="1163221"/>
+          </a:xfrm>
+        </p:grpSpPr>
+        <p:sp>
+          <p:nvSpPr>
+            <p:cNvPr id="25" name="Rectangle: Single Corner Rounded 24">
+              <a:extLst>
+                <a:ext uri="{FF2B5EF4-FFF2-40B4-BE49-F238E27FC236}">
+                  <a16:creationId xmlns:a16="http://schemas.microsoft.com/office/drawing/2014/main" id="{CE31C257-7444-4475-BB2A-D95C9975E279}"/>
+                </a:ext>
+              </a:extLst>
+            </p:cNvPr>
+            <p:cNvSpPr/>
+            <p:nvPr/>
+          </p:nvSpPr>
+          <p:spPr>
+            <a:xfrm>
+              <a:off x="9458323" y="3072459"/>
+              <a:ext cx="2219418" cy="1163221"/>
+            </a:xfrm>
+            <a:prstGeom prst="round1Rect">
+              <a:avLst/>
+            </a:prstGeom>
+          </p:spPr>
+          <p:style>
+            <a:lnRef idx="2">
+              <a:schemeClr val="dk1"/>
+            </a:lnRef>
+            <a:fillRef idx="1">
+              <a:schemeClr val="lt1"/>
+            </a:fillRef>
+            <a:effectRef idx="0">
+              <a:schemeClr val="dk1"/>
+            </a:effectRef>
+            <a:fontRef idx="minor">
+              <a:schemeClr val="dk1"/>
+            </a:fontRef>
+          </p:style>
+          <p:txBody>
+            <a:bodyPr rtlCol="0" anchor="ctr"/>
+            <a:lstStyle/>
+            <a:p>
+              <a:pPr algn="ctr"/>
+              <a:r>
+                <a:rPr lang="en-US" dirty="0"/>
+                <a:t>Saving </a:t>
+              </a:r>
+              <a:r>
+                <a:rPr lang="en-US" dirty="0" err="1"/>
+                <a:t>Dataframes</a:t>
+              </a:r>
+              <a:r>
+                <a:rPr lang="en-US" dirty="0"/>
+                <a:t> of every fit into .CSV files</a:t>
+              </a:r>
+            </a:p>
+          </p:txBody>
+        </p:sp>
+        <p:sp>
+          <p:nvSpPr>
+            <p:cNvPr id="26" name="Arrow: Right 25">
+              <a:extLst>
+                <a:ext uri="{FF2B5EF4-FFF2-40B4-BE49-F238E27FC236}">
+                  <a16:creationId xmlns:a16="http://schemas.microsoft.com/office/drawing/2014/main" id="{79AF9F40-DD61-4CDC-8610-DB1C3D4F7898}"/>
+                </a:ext>
+              </a:extLst>
+            </p:cNvPr>
+            <p:cNvSpPr/>
+            <p:nvPr/>
+          </p:nvSpPr>
+          <p:spPr>
+            <a:xfrm>
+              <a:off x="8009639" y="3411753"/>
+              <a:ext cx="978408" cy="484632"/>
+            </a:xfrm>
+            <a:prstGeom prst="rightArrow">
+              <a:avLst/>
+            </a:prstGeom>
+            <a:solidFill>
+              <a:srgbClr val="FF0000"/>
+            </a:solidFill>
+          </p:spPr>
+          <p:style>
+            <a:lnRef idx="2">
+              <a:schemeClr val="accent1">
+                <a:shade val="50000"/>
+              </a:schemeClr>
+            </a:lnRef>
+            <a:fillRef idx="1">
+              <a:schemeClr val="accent1"/>
+            </a:fillRef>
+            <a:effectRef idx="0">
+              <a:schemeClr val="accent1"/>
+            </a:effectRef>
+            <a:fontRef idx="minor">
+              <a:schemeClr val="lt1"/>
+            </a:fontRef>
+          </p:style>
+          <p:txBody>
+            <a:bodyPr rtlCol="0" anchor="ctr"/>
+            <a:lstStyle/>
+            <a:p>
+              <a:pPr algn="ctr"/>
+              <a:endParaRPr lang="en-US"/>
+            </a:p>
+          </p:txBody>
+        </p:sp>
+      </p:grpSp>
+    </p:spTree>
+    <p:extLst>
+      <p:ext uri="{BB962C8B-B14F-4D97-AF65-F5344CB8AC3E}">
+        <p14:creationId xmlns:p14="http://schemas.microsoft.com/office/powerpoint/2010/main" val="2577102590"/>
+      </p:ext>
+    </p:extLst>
+  </p:cSld>
+  <p:clrMapOvr>
+    <a:masterClrMapping/>
+  </p:clrMapOvr>
+  <p:timing>
+    <p:tnLst>
+      <p:par>
+        <p:cTn id="1" dur="indefinite" restart="never" nodeType="tmRoot">
+          <p:childTnLst>
+            <p:seq concurrent="1" nextAc="seek">
+              <p:cTn id="2" dur="indefinite" nodeType="mainSeq">
+                <p:childTnLst>
                   <p:par>
-                    <p:cTn id="49" fill="hold">
+                    <p:cTn id="3" fill="hold">
                       <p:stCondLst>
                         <p:cond delay="indefinite"/>
                       </p:stCondLst>
                       <p:childTnLst>
                         <p:par>
-                          <p:cTn id="50" fill="hold">
+                          <p:cTn id="4" fill="hold">
                             <p:stCondLst>
                               <p:cond delay="0"/>
                             </p:stCondLst>
                             <p:childTnLst>
                               <p:par>
-                                <p:cTn id="51" presetID="1" presetClass="entr" presetSubtype="0" fill="hold" nodeType="clickEffect">
+                                <p:cTn id="5" presetID="1" presetClass="entr" presetSubtype="0" fill="hold" nodeType="clickEffect">
                                   <p:stCondLst>
                                     <p:cond delay="0"/>
                                   </p:stCondLst>
                                   <p:childTnLst>
                                     <p:set>
                                       <p:cBhvr>
-                                        <p:cTn id="52" dur="1" fill="hold">
+                                        <p:cTn id="6" dur="1" fill="hold">
                                           <p:stCondLst>
                                             <p:cond delay="0"/>
                                           </p:stCondLst>
                                         </p:cTn>
                                         <p:tgtEl>
-                                          <p:spTgt spid="19"/>
+                                          <p:spTgt spid="8"/>
                                         </p:tgtEl>
                                         <p:attrNameLst>
                                           <p:attrName>style.visibility</p:attrName>
@@ -18523,32 +19420,32 @@
                     </p:cTn>
                   </p:par>
                   <p:par>
-                    <p:cTn id="53" fill="hold">
+                    <p:cTn id="7" fill="hold">
                       <p:stCondLst>
                         <p:cond delay="indefinite"/>
                       </p:stCondLst>
                       <p:childTnLst>
                         <p:par>
-                          <p:cTn id="54" fill="hold">
+                          <p:cTn id="8" fill="hold">
                             <p:stCondLst>
                               <p:cond delay="0"/>
                             </p:stCondLst>
                             <p:childTnLst>
                               <p:par>
-                                <p:cTn id="55" presetID="1" presetClass="entr" presetSubtype="0" fill="hold" nodeType="clickEffect">
+                                <p:cTn id="9" presetID="1" presetClass="entr" presetSubtype="0" fill="hold" nodeType="clickEffect">
                                   <p:stCondLst>
                                     <p:cond delay="0"/>
                                   </p:stCondLst>
                                   <p:childTnLst>
                                     <p:set>
                                       <p:cBhvr>
-                                        <p:cTn id="56" dur="1" fill="hold">
+                                        <p:cTn id="10" dur="1" fill="hold">
                                           <p:stCondLst>
                                             <p:cond delay="0"/>
                                           </p:stCondLst>
                                         </p:cTn>
                                         <p:tgtEl>
-                                          <p:spTgt spid="25"/>
+                                          <p:spTgt spid="17"/>
                                         </p:tgtEl>
                                         <p:attrNameLst>
                                           <p:attrName>style.visibility</p:attrName>
@@ -18568,59 +19465,32 @@
                     </p:cTn>
                   </p:par>
                   <p:par>
-                    <p:cTn id="57" fill="hold">
+                    <p:cTn id="11" fill="hold">
                       <p:stCondLst>
                         <p:cond delay="indefinite"/>
                       </p:stCondLst>
                       <p:childTnLst>
                         <p:par>
-                          <p:cTn id="58" fill="hold">
+                          <p:cTn id="12" fill="hold">
                             <p:stCondLst>
                               <p:cond delay="0"/>
                             </p:stCondLst>
                             <p:childTnLst>
                               <p:par>
-                                <p:cTn id="59" presetID="1" presetClass="exit" presetSubtype="0" fill="hold" nodeType="clickEffect">
+                                <p:cTn id="13" presetID="1" presetClass="exit" presetSubtype="0" fill="hold" nodeType="clickEffect">
                                   <p:stCondLst>
                                     <p:cond delay="0"/>
                                   </p:stCondLst>
                                   <p:childTnLst>
                                     <p:set>
                                       <p:cBhvr>
-                                        <p:cTn id="60" dur="1" fill="hold">
+                                        <p:cTn id="14" dur="1" fill="hold">
                                           <p:stCondLst>
                                             <p:cond delay="0"/>
                                           </p:stCondLst>
                                         </p:cTn>
                                         <p:tgtEl>
-                                          <p:spTgt spid="19"/>
-                                        </p:tgtEl>
-                                        <p:attrNameLst>
-                                          <p:attrName>style.visibility</p:attrName>
-                                        </p:attrNameLst>
-                                      </p:cBhvr>
-                                      <p:to>
-                                        <p:strVal val="hidden"/>
-                                      </p:to>
-                                    </p:set>
-                                  </p:childTnLst>
-                                </p:cTn>
-                              </p:par>
-                              <p:par>
-                                <p:cTn id="61" presetID="1" presetClass="exit" presetSubtype="0" fill="hold" nodeType="withEffect">
-                                  <p:stCondLst>
-                                    <p:cond delay="0"/>
-                                  </p:stCondLst>
-                                  <p:childTnLst>
-                                    <p:set>
-                                      <p:cBhvr>
-                                        <p:cTn id="62" dur="1" fill="hold">
-                                          <p:stCondLst>
-                                            <p:cond delay="0"/>
-                                          </p:stCondLst>
-                                        </p:cTn>
-                                        <p:tgtEl>
-                                          <p:spTgt spid="25"/>
+                                          <p:spTgt spid="8"/>
                                         </p:tgtEl>
                                         <p:attrNameLst>
                                           <p:attrName>style.visibility</p:attrName>
@@ -18640,32 +19510,77 @@
                     </p:cTn>
                   </p:par>
                   <p:par>
-                    <p:cTn id="63" fill="hold">
+                    <p:cTn id="15" fill="hold">
                       <p:stCondLst>
                         <p:cond delay="indefinite"/>
                       </p:stCondLst>
                       <p:childTnLst>
                         <p:par>
-                          <p:cTn id="64" fill="hold">
+                          <p:cTn id="16" fill="hold">
                             <p:stCondLst>
                               <p:cond delay="0"/>
                             </p:stCondLst>
                             <p:childTnLst>
                               <p:par>
-                                <p:cTn id="65" presetID="1" presetClass="entr" presetSubtype="0" fill="hold" grpId="0" nodeType="clickEffect">
+                                <p:cTn id="17" presetID="1" presetClass="exit" presetSubtype="0" fill="hold" nodeType="clickEffect">
                                   <p:stCondLst>
                                     <p:cond delay="0"/>
                                   </p:stCondLst>
                                   <p:childTnLst>
                                     <p:set>
                                       <p:cBhvr>
-                                        <p:cTn id="66" dur="1" fill="hold">
+                                        <p:cTn id="18" dur="1" fill="hold">
                                           <p:stCondLst>
                                             <p:cond delay="0"/>
                                           </p:stCondLst>
                                         </p:cTn>
                                         <p:tgtEl>
-                                          <p:spTgt spid="26"/>
+                                          <p:spTgt spid="17"/>
+                                        </p:tgtEl>
+                                        <p:attrNameLst>
+                                          <p:attrName>style.visibility</p:attrName>
+                                        </p:attrNameLst>
+                                      </p:cBhvr>
+                                      <p:to>
+                                        <p:strVal val="hidden"/>
+                                      </p:to>
+                                    </p:set>
+                                  </p:childTnLst>
+                                </p:cTn>
+                              </p:par>
+                            </p:childTnLst>
+                          </p:cTn>
+                        </p:par>
+                      </p:childTnLst>
+                    </p:cTn>
+                  </p:par>
+                  <p:par>
+                    <p:cTn id="19" fill="hold">
+                      <p:stCondLst>
+                        <p:cond delay="indefinite"/>
+                      </p:stCondLst>
+                      <p:childTnLst>
+                        <p:par>
+                          <p:cTn id="20" fill="hold">
+                            <p:stCondLst>
+                              <p:cond delay="0"/>
+                            </p:stCondLst>
+                            <p:childTnLst>
+                              <p:par>
+                                <p:cTn id="21" presetID="1" presetClass="entr" presetSubtype="0" fill="hold" grpId="0" nodeType="clickEffect">
+                                  <p:stCondLst>
+                                    <p:cond delay="0"/>
+                                  </p:stCondLst>
+                                  <p:childTnLst>
+                                    <p:set>
+                                      <p:cBhvr>
+                                        <p:cTn id="22" dur="1" fill="hold">
+                                          <p:stCondLst>
+                                            <p:cond delay="0"/>
+                                          </p:stCondLst>
+                                        </p:cTn>
+                                        <p:tgtEl>
+                                          <p:spTgt spid="21"/>
                                         </p:tgtEl>
                                         <p:attrNameLst>
                                           <p:attrName>style.visibility</p:attrName>
@@ -18685,32 +19600,32 @@
                     </p:cTn>
                   </p:par>
                   <p:par>
-                    <p:cTn id="67" fill="hold">
+                    <p:cTn id="23" fill="hold">
                       <p:stCondLst>
                         <p:cond delay="indefinite"/>
                       </p:stCondLst>
                       <p:childTnLst>
                         <p:par>
-                          <p:cTn id="68" fill="hold">
+                          <p:cTn id="24" fill="hold">
                             <p:stCondLst>
                               <p:cond delay="0"/>
                             </p:stCondLst>
                             <p:childTnLst>
                               <p:par>
-                                <p:cTn id="69" presetID="1" presetClass="entr" presetSubtype="0" fill="hold" nodeType="clickEffect">
+                                <p:cTn id="25" presetID="1" presetClass="entr" presetSubtype="0" fill="hold" nodeType="clickEffect">
                                   <p:stCondLst>
                                     <p:cond delay="0"/>
                                   </p:stCondLst>
                                   <p:childTnLst>
                                     <p:set>
                                       <p:cBhvr>
-                                        <p:cTn id="70" dur="1" fill="hold">
+                                        <p:cTn id="26" dur="1" fill="hold">
                                           <p:stCondLst>
                                             <p:cond delay="0"/>
                                           </p:stCondLst>
                                         </p:cTn>
                                         <p:tgtEl>
-                                          <p:spTgt spid="27"/>
+                                          <p:spTgt spid="22"/>
                                         </p:tgtEl>
                                         <p:attrNameLst>
                                           <p:attrName>style.visibility</p:attrName>
@@ -18730,32 +19645,32 @@
                     </p:cTn>
                   </p:par>
                   <p:par>
-                    <p:cTn id="71" fill="hold">
+                    <p:cTn id="27" fill="hold">
                       <p:stCondLst>
                         <p:cond delay="indefinite"/>
                       </p:stCondLst>
                       <p:childTnLst>
                         <p:par>
-                          <p:cTn id="72" fill="hold">
+                          <p:cTn id="28" fill="hold">
                             <p:stCondLst>
                               <p:cond delay="0"/>
                             </p:stCondLst>
                             <p:childTnLst>
                               <p:par>
-                                <p:cTn id="73" presetID="1" presetClass="entr" presetSubtype="0" fill="hold" nodeType="clickEffect">
+                                <p:cTn id="29" presetID="1" presetClass="entr" presetSubtype="0" fill="hold" nodeType="clickEffect">
                                   <p:stCondLst>
                                     <p:cond delay="0"/>
                                   </p:stCondLst>
                                   <p:childTnLst>
                                     <p:set>
                                       <p:cBhvr>
-                                        <p:cTn id="74" dur="1" fill="hold">
+                                        <p:cTn id="30" dur="1" fill="hold">
                                           <p:stCondLst>
                                             <p:cond delay="0"/>
                                           </p:stCondLst>
                                         </p:cTn>
                                         <p:tgtEl>
-                                          <p:spTgt spid="30"/>
+                                          <p:spTgt spid="24"/>
                                         </p:tgtEl>
                                         <p:attrNameLst>
                                           <p:attrName>style.visibility</p:attrName>
@@ -18796,15 +19711,7 @@
       </p:par>
     </p:tnLst>
     <p:bldLst>
-      <p:bldP spid="3" grpId="0" build="p"/>
-      <p:bldP spid="3" grpId="1" build="p"/>
-      <p:bldP spid="8" grpId="0"/>
-      <p:bldP spid="8" grpId="1"/>
-      <p:bldP spid="14" grpId="0" animBg="1"/>
-      <p:bldP spid="14" grpId="1" animBg="1"/>
-      <p:bldP spid="15" grpId="0"/>
-      <p:bldP spid="15" grpId="1"/>
-      <p:bldP spid="26" grpId="0" animBg="1"/>
+      <p:bldP spid="21" grpId="0" animBg="1"/>
     </p:bldLst>
   </p:timing>
 </p:sld>
